--- a/Meilensteine/MS 5/Projekt.pptx
+++ b/Meilensteine/MS 5/Projekt.pptx
@@ -12,6 +12,11 @@
     <p:sldId id="262" r:id="rId6"/>
     <p:sldId id="260" r:id="rId7"/>
     <p:sldId id="261" r:id="rId8"/>
+    <p:sldId id="263" r:id="rId9"/>
+    <p:sldId id="264" r:id="rId10"/>
+    <p:sldId id="265" r:id="rId11"/>
+    <p:sldId id="266" r:id="rId12"/>
+    <p:sldId id="267" r:id="rId13"/>
   </p:sldIdLst>
   <p:sldSz cx="12192000" cy="6858000"/>
   <p:notesSz cx="6858000" cy="9144000"/>
@@ -122,12 +127,24 @@
             <p14:sldId id="262"/>
             <p14:sldId id="260"/>
             <p14:sldId id="261"/>
+            <p14:sldId id="263"/>
+            <p14:sldId id="264"/>
+            <p14:sldId id="265"/>
+            <p14:sldId id="266"/>
+            <p14:sldId id="267"/>
           </p14:sldIdLst>
         </p14:section>
       </p14:sectionLst>
     </p:ext>
+    <p:ext uri="{EFAFB233-063F-42B5-8137-9DF3F51BA10A}">
+      <p15:sldGuideLst xmlns:p15="http://schemas.microsoft.com/office/powerpoint/2012/main"/>
+    </p:ext>
   </p:extLst>
 </p:presentation>
+</file>
+
+<file path=ppt/revisionInfo.xml><?xml version="1.0" encoding="utf-8"?>
+<p1510:revInfo xmlns:a="http://schemas.openxmlformats.org/drawingml/2006/main" xmlns:r="http://schemas.openxmlformats.org/officeDocument/2006/relationships" xmlns:p1510="http://schemas.microsoft.com/office/powerpoint/2015/10/main"/>
 </file>
 
 <file path=ppt/slideLayouts/slideLayout1.xml><?xml version="1.0" encoding="utf-8"?>
@@ -277,7 +294,7 @@
           <a:p>
             <a:fld id="{CC4B9ACB-A791-4168-BE73-4D419138C425}" type="datetimeFigureOut">
               <a:rPr lang="de-DE" smtClean="0"/>
-              <a:t>02.07.2017</a:t>
+              <a:t>03.07.2017</a:t>
             </a:fld>
             <a:endParaRPr lang="de-DE"/>
           </a:p>
@@ -475,7 +492,7 @@
           <a:p>
             <a:fld id="{CC4B9ACB-A791-4168-BE73-4D419138C425}" type="datetimeFigureOut">
               <a:rPr lang="de-DE" smtClean="0"/>
-              <a:t>02.07.2017</a:t>
+              <a:t>03.07.2017</a:t>
             </a:fld>
             <a:endParaRPr lang="de-DE"/>
           </a:p>
@@ -683,7 +700,7 @@
           <a:p>
             <a:fld id="{CC4B9ACB-A791-4168-BE73-4D419138C425}" type="datetimeFigureOut">
               <a:rPr lang="de-DE" smtClean="0"/>
-              <a:t>02.07.2017</a:t>
+              <a:t>03.07.2017</a:t>
             </a:fld>
             <a:endParaRPr lang="de-DE"/>
           </a:p>
@@ -881,7 +898,7 @@
           <a:p>
             <a:fld id="{CC4B9ACB-A791-4168-BE73-4D419138C425}" type="datetimeFigureOut">
               <a:rPr lang="de-DE" smtClean="0"/>
-              <a:t>02.07.2017</a:t>
+              <a:t>03.07.2017</a:t>
             </a:fld>
             <a:endParaRPr lang="de-DE"/>
           </a:p>
@@ -1156,7 +1173,7 @@
           <a:p>
             <a:fld id="{CC4B9ACB-A791-4168-BE73-4D419138C425}" type="datetimeFigureOut">
               <a:rPr lang="de-DE" smtClean="0"/>
-              <a:t>02.07.2017</a:t>
+              <a:t>03.07.2017</a:t>
             </a:fld>
             <a:endParaRPr lang="de-DE"/>
           </a:p>
@@ -1421,7 +1438,7 @@
           <a:p>
             <a:fld id="{CC4B9ACB-A791-4168-BE73-4D419138C425}" type="datetimeFigureOut">
               <a:rPr lang="de-DE" smtClean="0"/>
-              <a:t>02.07.2017</a:t>
+              <a:t>03.07.2017</a:t>
             </a:fld>
             <a:endParaRPr lang="de-DE"/>
           </a:p>
@@ -1833,7 +1850,7 @@
           <a:p>
             <a:fld id="{CC4B9ACB-A791-4168-BE73-4D419138C425}" type="datetimeFigureOut">
               <a:rPr lang="de-DE" smtClean="0"/>
-              <a:t>02.07.2017</a:t>
+              <a:t>03.07.2017</a:t>
             </a:fld>
             <a:endParaRPr lang="de-DE"/>
           </a:p>
@@ -1974,7 +1991,7 @@
           <a:p>
             <a:fld id="{CC4B9ACB-A791-4168-BE73-4D419138C425}" type="datetimeFigureOut">
               <a:rPr lang="de-DE" smtClean="0"/>
-              <a:t>02.07.2017</a:t>
+              <a:t>03.07.2017</a:t>
             </a:fld>
             <a:endParaRPr lang="de-DE"/>
           </a:p>
@@ -2087,7 +2104,7 @@
           <a:p>
             <a:fld id="{CC4B9ACB-A791-4168-BE73-4D419138C425}" type="datetimeFigureOut">
               <a:rPr lang="de-DE" smtClean="0"/>
-              <a:t>02.07.2017</a:t>
+              <a:t>03.07.2017</a:t>
             </a:fld>
             <a:endParaRPr lang="de-DE"/>
           </a:p>
@@ -2398,7 +2415,7 @@
           <a:p>
             <a:fld id="{CC4B9ACB-A791-4168-BE73-4D419138C425}" type="datetimeFigureOut">
               <a:rPr lang="de-DE" smtClean="0"/>
-              <a:t>02.07.2017</a:t>
+              <a:t>03.07.2017</a:t>
             </a:fld>
             <a:endParaRPr lang="de-DE"/>
           </a:p>
@@ -2686,7 +2703,7 @@
           <a:p>
             <a:fld id="{CC4B9ACB-A791-4168-BE73-4D419138C425}" type="datetimeFigureOut">
               <a:rPr lang="de-DE" smtClean="0"/>
-              <a:t>02.07.2017</a:t>
+              <a:t>03.07.2017</a:t>
             </a:fld>
             <a:endParaRPr lang="de-DE"/>
           </a:p>
@@ -2936,7 +2953,7 @@
           <a:p>
             <a:fld id="{CC4B9ACB-A791-4168-BE73-4D419138C425}" type="datetimeFigureOut">
               <a:rPr lang="de-DE" smtClean="0"/>
-              <a:t>02.07.2017</a:t>
+              <a:t>03.07.2017</a:t>
             </a:fld>
             <a:endParaRPr lang="de-DE"/>
           </a:p>
@@ -3579,13 +3596,13 @@
   <p:clrMapOvr>
     <a:masterClrMapping/>
   </p:clrMapOvr>
-  <mc:AlternateContent xmlns:mc="http://schemas.openxmlformats.org/markup-compatibility/2006">
-    <mc:Choice xmlns:p159="http://schemas.microsoft.com/office/powerpoint/2015/09/main" Requires="p159">
+  <mc:AlternateContent xmlns:mc="http://schemas.openxmlformats.org/markup-compatibility/2006" xmlns:p159="http://schemas.microsoft.com/office/powerpoint/2015/09/main">
+    <mc:Choice Requires="p159">
       <p:transition xmlns:p14="http://schemas.microsoft.com/office/powerpoint/2010/main" spd="slow" p14:dur="2000">
         <p159:morph option="byObject"/>
       </p:transition>
     </mc:Choice>
-    <mc:Fallback>
+    <mc:Fallback xmlns="">
       <p:transition spd="slow">
         <p:fade/>
       </p:transition>
@@ -3693,6 +3710,1617 @@
                                         <p:cTn id="12" dur="500"/>
                                         <p:tgtEl>
                                           <p:spTgt spid="7"/>
+                                        </p:tgtEl>
+                                      </p:cBhvr>
+                                    </p:animEffect>
+                                  </p:childTnLst>
+                                </p:cTn>
+                              </p:par>
+                            </p:childTnLst>
+                          </p:cTn>
+                        </p:par>
+                      </p:childTnLst>
+                    </p:cTn>
+                  </p:par>
+                </p:childTnLst>
+              </p:cTn>
+              <p:prevCondLst>
+                <p:cond evt="onPrev" delay="0">
+                  <p:tgtEl>
+                    <p:sldTgt/>
+                  </p:tgtEl>
+                </p:cond>
+              </p:prevCondLst>
+              <p:nextCondLst>
+                <p:cond evt="onNext" delay="0">
+                  <p:tgtEl>
+                    <p:sldTgt/>
+                  </p:tgtEl>
+                </p:cond>
+              </p:nextCondLst>
+            </p:seq>
+          </p:childTnLst>
+        </p:cTn>
+      </p:par>
+    </p:tnLst>
+  </p:timing>
+</p:sld>
+</file>
+
+<file path=ppt/slides/slide10.xml><?xml version="1.0" encoding="utf-8"?>
+<p:sld xmlns:a="http://schemas.openxmlformats.org/drawingml/2006/main" xmlns:r="http://schemas.openxmlformats.org/officeDocument/2006/relationships" xmlns:p="http://schemas.openxmlformats.org/presentationml/2006/main">
+  <p:cSld>
+    <p:spTree>
+      <p:nvGrpSpPr>
+        <p:cNvPr id="1" name=""/>
+        <p:cNvGrpSpPr/>
+        <p:nvPr/>
+      </p:nvGrpSpPr>
+      <p:grpSpPr>
+        <a:xfrm>
+          <a:off x="0" y="0"/>
+          <a:ext cx="0" cy="0"/>
+          <a:chOff x="0" y="0"/>
+          <a:chExt cx="0" cy="0"/>
+        </a:xfrm>
+      </p:grpSpPr>
+      <p:sp>
+        <p:nvSpPr>
+          <p:cNvPr id="2" name="Titel 1">
+            <a:extLst>
+              <a:ext uri="{FF2B5EF4-FFF2-40B4-BE49-F238E27FC236}">
+                <a16:creationId xmlns:a16="http://schemas.microsoft.com/office/drawing/2014/main" id="{DF4451EE-88EC-4178-808C-246DEC952745}"/>
+              </a:ext>
+            </a:extLst>
+          </p:cNvPr>
+          <p:cNvSpPr>
+            <a:spLocks noGrp="1"/>
+          </p:cNvSpPr>
+          <p:nvPr>
+            <p:ph type="title"/>
+          </p:nvPr>
+        </p:nvSpPr>
+        <p:spPr/>
+        <p:txBody>
+          <a:bodyPr/>
+          <a:lstStyle/>
+          <a:p>
+            <a:r>
+              <a:rPr lang="de-DE" dirty="0">
+                <a:solidFill>
+                  <a:schemeClr val="accent1">
+                    <a:lumMod val="75000"/>
+                  </a:schemeClr>
+                </a:solidFill>
+                <a:latin typeface="Century Gothic" panose="020B0502020202020204" pitchFamily="34" charset="0"/>
+              </a:rPr>
+              <a:t>Was bei uns gut gelaufen ist</a:t>
+            </a:r>
+            <a:endParaRPr lang="de-DE" dirty="0"/>
+          </a:p>
+        </p:txBody>
+      </p:sp>
+      <p:sp>
+        <p:nvSpPr>
+          <p:cNvPr id="3" name="Inhaltsplatzhalter 2">
+            <a:extLst>
+              <a:ext uri="{FF2B5EF4-FFF2-40B4-BE49-F238E27FC236}">
+                <a16:creationId xmlns:a16="http://schemas.microsoft.com/office/drawing/2014/main" id="{0B3F4702-AAB2-425F-87E0-8D5477B6331B}"/>
+              </a:ext>
+            </a:extLst>
+          </p:cNvPr>
+          <p:cNvSpPr>
+            <a:spLocks noGrp="1"/>
+          </p:cNvSpPr>
+          <p:nvPr>
+            <p:ph idx="1"/>
+          </p:nvPr>
+        </p:nvSpPr>
+        <p:spPr/>
+        <p:txBody>
+          <a:bodyPr/>
+          <a:lstStyle/>
+          <a:p>
+            <a:pPr fontAlgn="base"/>
+            <a:r>
+              <a:rPr lang="de-DE" dirty="0">
+                <a:latin typeface="Courier"/>
+              </a:rPr>
+              <a:t>GUI Programmierung </a:t>
+            </a:r>
+          </a:p>
+          <a:p>
+            <a:pPr fontAlgn="base"/>
+            <a:r>
+              <a:rPr lang="de-DE" dirty="0">
+                <a:latin typeface="Courier"/>
+              </a:rPr>
+              <a:t>Offline Datenbank (</a:t>
+            </a:r>
+            <a:r>
+              <a:rPr lang="de-DE" dirty="0" err="1">
+                <a:latin typeface="Courier"/>
+              </a:rPr>
+              <a:t>SQlite</a:t>
+            </a:r>
+            <a:r>
+              <a:rPr lang="de-DE" dirty="0">
+                <a:latin typeface="Courier"/>
+              </a:rPr>
+              <a:t>) </a:t>
+            </a:r>
+          </a:p>
+          <a:p>
+            <a:pPr fontAlgn="base"/>
+            <a:r>
+              <a:rPr lang="de-DE" dirty="0">
+                <a:latin typeface="Courier"/>
+              </a:rPr>
+              <a:t>gewünschtes Programm fertig erstellt </a:t>
+            </a:r>
+          </a:p>
+          <a:p>
+            <a:pPr fontAlgn="base"/>
+            <a:r>
+              <a:rPr lang="de-DE" dirty="0">
+                <a:latin typeface="Courier"/>
+              </a:rPr>
+              <a:t>Installationsdatei erstellen </a:t>
+            </a:r>
+          </a:p>
+          <a:p>
+            <a:pPr fontAlgn="base"/>
+            <a:r>
+              <a:rPr lang="de-DE" dirty="0">
+                <a:latin typeface="Courier"/>
+              </a:rPr>
+              <a:t>Virtuelle Tastatur </a:t>
+            </a:r>
+          </a:p>
+          <a:p>
+            <a:pPr fontAlgn="base"/>
+            <a:r>
+              <a:rPr lang="de-DE" dirty="0">
+                <a:latin typeface="Courier"/>
+              </a:rPr>
+              <a:t>Signals and Slots </a:t>
+            </a:r>
+          </a:p>
+          <a:p>
+            <a:pPr marL="0" indent="0">
+              <a:buNone/>
+            </a:pPr>
+            <a:endParaRPr lang="de-DE" dirty="0"/>
+          </a:p>
+        </p:txBody>
+      </p:sp>
+    </p:spTree>
+    <p:extLst>
+      <p:ext uri="{BB962C8B-B14F-4D97-AF65-F5344CB8AC3E}">
+        <p14:creationId xmlns:p14="http://schemas.microsoft.com/office/powerpoint/2010/main" val="1843649026"/>
+      </p:ext>
+    </p:extLst>
+  </p:cSld>
+  <p:clrMapOvr>
+    <a:masterClrMapping/>
+  </p:clrMapOvr>
+  <p:timing>
+    <p:tnLst>
+      <p:par>
+        <p:cTn id="1" dur="indefinite" restart="never" nodeType="tmRoot">
+          <p:childTnLst>
+            <p:seq concurrent="1" nextAc="seek">
+              <p:cTn id="2" dur="indefinite" nodeType="mainSeq">
+                <p:childTnLst>
+                  <p:par>
+                    <p:cTn id="3" fill="hold">
+                      <p:stCondLst>
+                        <p:cond delay="indefinite"/>
+                      </p:stCondLst>
+                      <p:childTnLst>
+                        <p:par>
+                          <p:cTn id="4" fill="hold">
+                            <p:stCondLst>
+                              <p:cond delay="0"/>
+                            </p:stCondLst>
+                            <p:childTnLst>
+                              <p:par>
+                                <p:cTn id="5" presetID="10" presetClass="entr" presetSubtype="0" fill="hold" nodeType="clickEffect">
+                                  <p:stCondLst>
+                                    <p:cond delay="0"/>
+                                  </p:stCondLst>
+                                  <p:childTnLst>
+                                    <p:set>
+                                      <p:cBhvr>
+                                        <p:cTn id="6" dur="1" fill="hold">
+                                          <p:stCondLst>
+                                            <p:cond delay="0"/>
+                                          </p:stCondLst>
+                                        </p:cTn>
+                                        <p:tgtEl>
+                                          <p:spTgt spid="3">
+                                            <p:txEl>
+                                              <p:pRg st="0" end="0"/>
+                                            </p:txEl>
+                                          </p:spTgt>
+                                        </p:tgtEl>
+                                        <p:attrNameLst>
+                                          <p:attrName>style.visibility</p:attrName>
+                                        </p:attrNameLst>
+                                      </p:cBhvr>
+                                      <p:to>
+                                        <p:strVal val="visible"/>
+                                      </p:to>
+                                    </p:set>
+                                    <p:animEffect transition="in" filter="fade">
+                                      <p:cBhvr>
+                                        <p:cTn id="7" dur="500"/>
+                                        <p:tgtEl>
+                                          <p:spTgt spid="3">
+                                            <p:txEl>
+                                              <p:pRg st="0" end="0"/>
+                                            </p:txEl>
+                                          </p:spTgt>
+                                        </p:tgtEl>
+                                      </p:cBhvr>
+                                    </p:animEffect>
+                                  </p:childTnLst>
+                                </p:cTn>
+                              </p:par>
+                              <p:par>
+                                <p:cTn id="8" presetID="10" presetClass="entr" presetSubtype="0" fill="hold" nodeType="withEffect">
+                                  <p:stCondLst>
+                                    <p:cond delay="0"/>
+                                  </p:stCondLst>
+                                  <p:childTnLst>
+                                    <p:set>
+                                      <p:cBhvr>
+                                        <p:cTn id="9" dur="1" fill="hold">
+                                          <p:stCondLst>
+                                            <p:cond delay="0"/>
+                                          </p:stCondLst>
+                                        </p:cTn>
+                                        <p:tgtEl>
+                                          <p:spTgt spid="3">
+                                            <p:txEl>
+                                              <p:pRg st="1" end="1"/>
+                                            </p:txEl>
+                                          </p:spTgt>
+                                        </p:tgtEl>
+                                        <p:attrNameLst>
+                                          <p:attrName>style.visibility</p:attrName>
+                                        </p:attrNameLst>
+                                      </p:cBhvr>
+                                      <p:to>
+                                        <p:strVal val="visible"/>
+                                      </p:to>
+                                    </p:set>
+                                    <p:animEffect transition="in" filter="fade">
+                                      <p:cBhvr>
+                                        <p:cTn id="10" dur="500"/>
+                                        <p:tgtEl>
+                                          <p:spTgt spid="3">
+                                            <p:txEl>
+                                              <p:pRg st="1" end="1"/>
+                                            </p:txEl>
+                                          </p:spTgt>
+                                        </p:tgtEl>
+                                      </p:cBhvr>
+                                    </p:animEffect>
+                                  </p:childTnLst>
+                                </p:cTn>
+                              </p:par>
+                            </p:childTnLst>
+                          </p:cTn>
+                        </p:par>
+                      </p:childTnLst>
+                    </p:cTn>
+                  </p:par>
+                  <p:par>
+                    <p:cTn id="11" fill="hold">
+                      <p:stCondLst>
+                        <p:cond delay="indefinite"/>
+                      </p:stCondLst>
+                      <p:childTnLst>
+                        <p:par>
+                          <p:cTn id="12" fill="hold">
+                            <p:stCondLst>
+                              <p:cond delay="0"/>
+                            </p:stCondLst>
+                            <p:childTnLst>
+                              <p:par>
+                                <p:cTn id="13" presetID="1" presetClass="entr" presetSubtype="0" fill="hold" nodeType="clickEffect">
+                                  <p:stCondLst>
+                                    <p:cond delay="0"/>
+                                  </p:stCondLst>
+                                  <p:childTnLst>
+                                    <p:set>
+                                      <p:cBhvr>
+                                        <p:cTn id="14" dur="1" fill="hold">
+                                          <p:stCondLst>
+                                            <p:cond delay="0"/>
+                                          </p:stCondLst>
+                                        </p:cTn>
+                                        <p:tgtEl>
+                                          <p:spTgt spid="3">
+                                            <p:txEl>
+                                              <p:pRg st="2" end="2"/>
+                                            </p:txEl>
+                                          </p:spTgt>
+                                        </p:tgtEl>
+                                        <p:attrNameLst>
+                                          <p:attrName>style.visibility</p:attrName>
+                                        </p:attrNameLst>
+                                      </p:cBhvr>
+                                      <p:to>
+                                        <p:strVal val="visible"/>
+                                      </p:to>
+                                    </p:set>
+                                  </p:childTnLst>
+                                </p:cTn>
+                              </p:par>
+                              <p:par>
+                                <p:cTn id="15" presetID="1" presetClass="entr" presetSubtype="0" fill="hold" nodeType="withEffect">
+                                  <p:stCondLst>
+                                    <p:cond delay="0"/>
+                                  </p:stCondLst>
+                                  <p:childTnLst>
+                                    <p:set>
+                                      <p:cBhvr>
+                                        <p:cTn id="16" dur="1" fill="hold">
+                                          <p:stCondLst>
+                                            <p:cond delay="0"/>
+                                          </p:stCondLst>
+                                        </p:cTn>
+                                        <p:tgtEl>
+                                          <p:spTgt spid="3">
+                                            <p:txEl>
+                                              <p:pRg st="3" end="3"/>
+                                            </p:txEl>
+                                          </p:spTgt>
+                                        </p:tgtEl>
+                                        <p:attrNameLst>
+                                          <p:attrName>style.visibility</p:attrName>
+                                        </p:attrNameLst>
+                                      </p:cBhvr>
+                                      <p:to>
+                                        <p:strVal val="visible"/>
+                                      </p:to>
+                                    </p:set>
+                                  </p:childTnLst>
+                                </p:cTn>
+                              </p:par>
+                            </p:childTnLst>
+                          </p:cTn>
+                        </p:par>
+                      </p:childTnLst>
+                    </p:cTn>
+                  </p:par>
+                  <p:par>
+                    <p:cTn id="17" fill="hold">
+                      <p:stCondLst>
+                        <p:cond delay="indefinite"/>
+                      </p:stCondLst>
+                      <p:childTnLst>
+                        <p:par>
+                          <p:cTn id="18" fill="hold">
+                            <p:stCondLst>
+                              <p:cond delay="0"/>
+                            </p:stCondLst>
+                            <p:childTnLst>
+                              <p:par>
+                                <p:cTn id="19" presetID="1" presetClass="entr" presetSubtype="0" fill="hold" nodeType="clickEffect">
+                                  <p:stCondLst>
+                                    <p:cond delay="0"/>
+                                  </p:stCondLst>
+                                  <p:childTnLst>
+                                    <p:set>
+                                      <p:cBhvr>
+                                        <p:cTn id="20" dur="1" fill="hold">
+                                          <p:stCondLst>
+                                            <p:cond delay="0"/>
+                                          </p:stCondLst>
+                                        </p:cTn>
+                                        <p:tgtEl>
+                                          <p:spTgt spid="3">
+                                            <p:txEl>
+                                              <p:pRg st="4" end="4"/>
+                                            </p:txEl>
+                                          </p:spTgt>
+                                        </p:tgtEl>
+                                        <p:attrNameLst>
+                                          <p:attrName>style.visibility</p:attrName>
+                                        </p:attrNameLst>
+                                      </p:cBhvr>
+                                      <p:to>
+                                        <p:strVal val="visible"/>
+                                      </p:to>
+                                    </p:set>
+                                  </p:childTnLst>
+                                </p:cTn>
+                              </p:par>
+                              <p:par>
+                                <p:cTn id="21" presetID="1" presetClass="entr" presetSubtype="0" fill="hold" nodeType="withEffect">
+                                  <p:stCondLst>
+                                    <p:cond delay="0"/>
+                                  </p:stCondLst>
+                                  <p:childTnLst>
+                                    <p:set>
+                                      <p:cBhvr>
+                                        <p:cTn id="22" dur="1" fill="hold">
+                                          <p:stCondLst>
+                                            <p:cond delay="0"/>
+                                          </p:stCondLst>
+                                        </p:cTn>
+                                        <p:tgtEl>
+                                          <p:spTgt spid="3">
+                                            <p:txEl>
+                                              <p:pRg st="5" end="5"/>
+                                            </p:txEl>
+                                          </p:spTgt>
+                                        </p:tgtEl>
+                                        <p:attrNameLst>
+                                          <p:attrName>style.visibility</p:attrName>
+                                        </p:attrNameLst>
+                                      </p:cBhvr>
+                                      <p:to>
+                                        <p:strVal val="visible"/>
+                                      </p:to>
+                                    </p:set>
+                                  </p:childTnLst>
+                                </p:cTn>
+                              </p:par>
+                            </p:childTnLst>
+                          </p:cTn>
+                        </p:par>
+                      </p:childTnLst>
+                    </p:cTn>
+                  </p:par>
+                </p:childTnLst>
+              </p:cTn>
+              <p:prevCondLst>
+                <p:cond evt="onPrev" delay="0">
+                  <p:tgtEl>
+                    <p:sldTgt/>
+                  </p:tgtEl>
+                </p:cond>
+              </p:prevCondLst>
+              <p:nextCondLst>
+                <p:cond evt="onNext" delay="0">
+                  <p:tgtEl>
+                    <p:sldTgt/>
+                  </p:tgtEl>
+                </p:cond>
+              </p:nextCondLst>
+            </p:seq>
+          </p:childTnLst>
+        </p:cTn>
+      </p:par>
+    </p:tnLst>
+  </p:timing>
+</p:sld>
+</file>
+
+<file path=ppt/slides/slide11.xml><?xml version="1.0" encoding="utf-8"?>
+<p:sld xmlns:a="http://schemas.openxmlformats.org/drawingml/2006/main" xmlns:r="http://schemas.openxmlformats.org/officeDocument/2006/relationships" xmlns:p="http://schemas.openxmlformats.org/presentationml/2006/main">
+  <p:cSld>
+    <p:spTree>
+      <p:nvGrpSpPr>
+        <p:cNvPr id="1" name=""/>
+        <p:cNvGrpSpPr/>
+        <p:nvPr/>
+      </p:nvGrpSpPr>
+      <p:grpSpPr>
+        <a:xfrm>
+          <a:off x="0" y="0"/>
+          <a:ext cx="0" cy="0"/>
+          <a:chOff x="0" y="0"/>
+          <a:chExt cx="0" cy="0"/>
+        </a:xfrm>
+      </p:grpSpPr>
+      <p:sp>
+        <p:nvSpPr>
+          <p:cNvPr id="2" name="Titel 1">
+            <a:extLst>
+              <a:ext uri="{FF2B5EF4-FFF2-40B4-BE49-F238E27FC236}">
+                <a16:creationId xmlns:a16="http://schemas.microsoft.com/office/drawing/2014/main" id="{DE866928-7888-495D-957E-9A069D680BEA}"/>
+              </a:ext>
+            </a:extLst>
+          </p:cNvPr>
+          <p:cNvSpPr>
+            <a:spLocks noGrp="1"/>
+          </p:cNvSpPr>
+          <p:nvPr>
+            <p:ph type="title"/>
+          </p:nvPr>
+        </p:nvSpPr>
+        <p:spPr/>
+        <p:txBody>
+          <a:bodyPr/>
+          <a:lstStyle/>
+          <a:p>
+            <a:r>
+              <a:rPr lang="de-DE" dirty="0">
+                <a:solidFill>
+                  <a:schemeClr val="accent1">
+                    <a:lumMod val="75000"/>
+                  </a:schemeClr>
+                </a:solidFill>
+                <a:latin typeface="Century Gothic" panose="020B0502020202020204" pitchFamily="34" charset="0"/>
+              </a:rPr>
+              <a:t>Wo wir Probleme hatten</a:t>
+            </a:r>
+            <a:endParaRPr lang="de-DE" dirty="0"/>
+          </a:p>
+        </p:txBody>
+      </p:sp>
+      <p:sp>
+        <p:nvSpPr>
+          <p:cNvPr id="3" name="Inhaltsplatzhalter 2">
+            <a:extLst>
+              <a:ext uri="{FF2B5EF4-FFF2-40B4-BE49-F238E27FC236}">
+                <a16:creationId xmlns:a16="http://schemas.microsoft.com/office/drawing/2014/main" id="{45869118-EBEB-497F-96C2-028F1EF7A153}"/>
+              </a:ext>
+            </a:extLst>
+          </p:cNvPr>
+          <p:cNvSpPr>
+            <a:spLocks noGrp="1"/>
+          </p:cNvSpPr>
+          <p:nvPr>
+            <p:ph idx="1"/>
+          </p:nvPr>
+        </p:nvSpPr>
+        <p:spPr/>
+        <p:txBody>
+          <a:bodyPr/>
+          <a:lstStyle/>
+          <a:p>
+            <a:pPr fontAlgn="base"/>
+            <a:r>
+              <a:rPr lang="de-DE" dirty="0">
+                <a:latin typeface="Courier"/>
+              </a:rPr>
+              <a:t>MySQL Verbindung herstellen </a:t>
+            </a:r>
+          </a:p>
+          <a:p>
+            <a:pPr fontAlgn="base"/>
+            <a:r>
+              <a:rPr lang="de-DE" dirty="0">
+                <a:latin typeface="Courier"/>
+              </a:rPr>
+              <a:t>QT Komponenten  </a:t>
+            </a:r>
+          </a:p>
+          <a:p>
+            <a:pPr fontAlgn="base"/>
+            <a:r>
+              <a:rPr lang="de-DE" dirty="0">
+                <a:latin typeface="Courier"/>
+              </a:rPr>
+              <a:t>Treiberprobleme </a:t>
+            </a:r>
+          </a:p>
+          <a:p>
+            <a:pPr fontAlgn="base"/>
+            <a:r>
+              <a:rPr lang="de-DE" dirty="0">
+                <a:latin typeface="Courier"/>
+              </a:rPr>
+              <a:t>Multiplayer </a:t>
+            </a:r>
+          </a:p>
+          <a:p>
+            <a:pPr fontAlgn="base"/>
+            <a:r>
+              <a:rPr lang="de-DE" dirty="0">
+                <a:latin typeface="Courier"/>
+              </a:rPr>
+              <a:t>Dokumente </a:t>
+            </a:r>
+          </a:p>
+          <a:p>
+            <a:pPr fontAlgn="base"/>
+            <a:r>
+              <a:rPr lang="de-DE" dirty="0">
+                <a:latin typeface="Courier"/>
+              </a:rPr>
+              <a:t>Zeitplan ging nicht ganz auf</a:t>
+            </a:r>
+            <a:r>
+              <a:rPr lang="de-DE" dirty="0"/>
+              <a:t> </a:t>
+            </a:r>
+          </a:p>
+          <a:p>
+            <a:endParaRPr lang="de-DE" dirty="0"/>
+          </a:p>
+        </p:txBody>
+      </p:sp>
+    </p:spTree>
+    <p:extLst>
+      <p:ext uri="{BB962C8B-B14F-4D97-AF65-F5344CB8AC3E}">
+        <p14:creationId xmlns:p14="http://schemas.microsoft.com/office/powerpoint/2010/main" val="3615385701"/>
+      </p:ext>
+    </p:extLst>
+  </p:cSld>
+  <p:clrMapOvr>
+    <a:masterClrMapping/>
+  </p:clrMapOvr>
+  <p:timing>
+    <p:tnLst>
+      <p:par>
+        <p:cTn id="1" dur="indefinite" restart="never" nodeType="tmRoot">
+          <p:childTnLst>
+            <p:seq concurrent="1" nextAc="seek">
+              <p:cTn id="2" dur="indefinite" nodeType="mainSeq">
+                <p:childTnLst>
+                  <p:par>
+                    <p:cTn id="3" fill="hold">
+                      <p:stCondLst>
+                        <p:cond delay="indefinite"/>
+                      </p:stCondLst>
+                      <p:childTnLst>
+                        <p:par>
+                          <p:cTn id="4" fill="hold">
+                            <p:stCondLst>
+                              <p:cond delay="0"/>
+                            </p:stCondLst>
+                            <p:childTnLst>
+                              <p:par>
+                                <p:cTn id="5" presetID="10" presetClass="entr" presetSubtype="0" fill="hold" nodeType="clickEffect">
+                                  <p:stCondLst>
+                                    <p:cond delay="0"/>
+                                  </p:stCondLst>
+                                  <p:childTnLst>
+                                    <p:set>
+                                      <p:cBhvr>
+                                        <p:cTn id="6" dur="1" fill="hold">
+                                          <p:stCondLst>
+                                            <p:cond delay="0"/>
+                                          </p:stCondLst>
+                                        </p:cTn>
+                                        <p:tgtEl>
+                                          <p:spTgt spid="3">
+                                            <p:txEl>
+                                              <p:pRg st="0" end="0"/>
+                                            </p:txEl>
+                                          </p:spTgt>
+                                        </p:tgtEl>
+                                        <p:attrNameLst>
+                                          <p:attrName>style.visibility</p:attrName>
+                                        </p:attrNameLst>
+                                      </p:cBhvr>
+                                      <p:to>
+                                        <p:strVal val="visible"/>
+                                      </p:to>
+                                    </p:set>
+                                    <p:animEffect transition="in" filter="fade">
+                                      <p:cBhvr>
+                                        <p:cTn id="7" dur="500"/>
+                                        <p:tgtEl>
+                                          <p:spTgt spid="3">
+                                            <p:txEl>
+                                              <p:pRg st="0" end="0"/>
+                                            </p:txEl>
+                                          </p:spTgt>
+                                        </p:tgtEl>
+                                      </p:cBhvr>
+                                    </p:animEffect>
+                                  </p:childTnLst>
+                                </p:cTn>
+                              </p:par>
+                              <p:par>
+                                <p:cTn id="8" presetID="10" presetClass="entr" presetSubtype="0" fill="hold" nodeType="withEffect">
+                                  <p:stCondLst>
+                                    <p:cond delay="0"/>
+                                  </p:stCondLst>
+                                  <p:childTnLst>
+                                    <p:set>
+                                      <p:cBhvr>
+                                        <p:cTn id="9" dur="1" fill="hold">
+                                          <p:stCondLst>
+                                            <p:cond delay="0"/>
+                                          </p:stCondLst>
+                                        </p:cTn>
+                                        <p:tgtEl>
+                                          <p:spTgt spid="3">
+                                            <p:txEl>
+                                              <p:pRg st="1" end="1"/>
+                                            </p:txEl>
+                                          </p:spTgt>
+                                        </p:tgtEl>
+                                        <p:attrNameLst>
+                                          <p:attrName>style.visibility</p:attrName>
+                                        </p:attrNameLst>
+                                      </p:cBhvr>
+                                      <p:to>
+                                        <p:strVal val="visible"/>
+                                      </p:to>
+                                    </p:set>
+                                    <p:animEffect transition="in" filter="fade">
+                                      <p:cBhvr>
+                                        <p:cTn id="10" dur="500"/>
+                                        <p:tgtEl>
+                                          <p:spTgt spid="3">
+                                            <p:txEl>
+                                              <p:pRg st="1" end="1"/>
+                                            </p:txEl>
+                                          </p:spTgt>
+                                        </p:tgtEl>
+                                      </p:cBhvr>
+                                    </p:animEffect>
+                                  </p:childTnLst>
+                                </p:cTn>
+                              </p:par>
+                            </p:childTnLst>
+                          </p:cTn>
+                        </p:par>
+                      </p:childTnLst>
+                    </p:cTn>
+                  </p:par>
+                  <p:par>
+                    <p:cTn id="11" fill="hold">
+                      <p:stCondLst>
+                        <p:cond delay="indefinite"/>
+                      </p:stCondLst>
+                      <p:childTnLst>
+                        <p:par>
+                          <p:cTn id="12" fill="hold">
+                            <p:stCondLst>
+                              <p:cond delay="0"/>
+                            </p:stCondLst>
+                            <p:childTnLst>
+                              <p:par>
+                                <p:cTn id="13" presetID="2" presetClass="entr" presetSubtype="4" fill="hold" nodeType="clickEffect">
+                                  <p:stCondLst>
+                                    <p:cond delay="0"/>
+                                  </p:stCondLst>
+                                  <p:childTnLst>
+                                    <p:set>
+                                      <p:cBhvr>
+                                        <p:cTn id="14" dur="1" fill="hold">
+                                          <p:stCondLst>
+                                            <p:cond delay="0"/>
+                                          </p:stCondLst>
+                                        </p:cTn>
+                                        <p:tgtEl>
+                                          <p:spTgt spid="3">
+                                            <p:txEl>
+                                              <p:pRg st="2" end="2"/>
+                                            </p:txEl>
+                                          </p:spTgt>
+                                        </p:tgtEl>
+                                        <p:attrNameLst>
+                                          <p:attrName>style.visibility</p:attrName>
+                                        </p:attrNameLst>
+                                      </p:cBhvr>
+                                      <p:to>
+                                        <p:strVal val="visible"/>
+                                      </p:to>
+                                    </p:set>
+                                    <p:anim calcmode="lin" valueType="num">
+                                      <p:cBhvr additive="base">
+                                        <p:cTn id="15" dur="500" fill="hold"/>
+                                        <p:tgtEl>
+                                          <p:spTgt spid="3">
+                                            <p:txEl>
+                                              <p:pRg st="2" end="2"/>
+                                            </p:txEl>
+                                          </p:spTgt>
+                                        </p:tgtEl>
+                                        <p:attrNameLst>
+                                          <p:attrName>ppt_x</p:attrName>
+                                        </p:attrNameLst>
+                                      </p:cBhvr>
+                                      <p:tavLst>
+                                        <p:tav tm="0">
+                                          <p:val>
+                                            <p:strVal val="#ppt_x"/>
+                                          </p:val>
+                                        </p:tav>
+                                        <p:tav tm="100000">
+                                          <p:val>
+                                            <p:strVal val="#ppt_x"/>
+                                          </p:val>
+                                        </p:tav>
+                                      </p:tavLst>
+                                    </p:anim>
+                                    <p:anim calcmode="lin" valueType="num">
+                                      <p:cBhvr additive="base">
+                                        <p:cTn id="16" dur="500" fill="hold"/>
+                                        <p:tgtEl>
+                                          <p:spTgt spid="3">
+                                            <p:txEl>
+                                              <p:pRg st="2" end="2"/>
+                                            </p:txEl>
+                                          </p:spTgt>
+                                        </p:tgtEl>
+                                        <p:attrNameLst>
+                                          <p:attrName>ppt_y</p:attrName>
+                                        </p:attrNameLst>
+                                      </p:cBhvr>
+                                      <p:tavLst>
+                                        <p:tav tm="0">
+                                          <p:val>
+                                            <p:strVal val="1+#ppt_h/2"/>
+                                          </p:val>
+                                        </p:tav>
+                                        <p:tav tm="100000">
+                                          <p:val>
+                                            <p:strVal val="#ppt_y"/>
+                                          </p:val>
+                                        </p:tav>
+                                      </p:tavLst>
+                                    </p:anim>
+                                  </p:childTnLst>
+                                </p:cTn>
+                              </p:par>
+                              <p:par>
+                                <p:cTn id="17" presetID="2" presetClass="entr" presetSubtype="4" fill="hold" nodeType="withEffect">
+                                  <p:stCondLst>
+                                    <p:cond delay="0"/>
+                                  </p:stCondLst>
+                                  <p:childTnLst>
+                                    <p:set>
+                                      <p:cBhvr>
+                                        <p:cTn id="18" dur="1" fill="hold">
+                                          <p:stCondLst>
+                                            <p:cond delay="0"/>
+                                          </p:stCondLst>
+                                        </p:cTn>
+                                        <p:tgtEl>
+                                          <p:spTgt spid="3">
+                                            <p:txEl>
+                                              <p:pRg st="3" end="3"/>
+                                            </p:txEl>
+                                          </p:spTgt>
+                                        </p:tgtEl>
+                                        <p:attrNameLst>
+                                          <p:attrName>style.visibility</p:attrName>
+                                        </p:attrNameLst>
+                                      </p:cBhvr>
+                                      <p:to>
+                                        <p:strVal val="visible"/>
+                                      </p:to>
+                                    </p:set>
+                                    <p:anim calcmode="lin" valueType="num">
+                                      <p:cBhvr additive="base">
+                                        <p:cTn id="19" dur="500" fill="hold"/>
+                                        <p:tgtEl>
+                                          <p:spTgt spid="3">
+                                            <p:txEl>
+                                              <p:pRg st="3" end="3"/>
+                                            </p:txEl>
+                                          </p:spTgt>
+                                        </p:tgtEl>
+                                        <p:attrNameLst>
+                                          <p:attrName>ppt_x</p:attrName>
+                                        </p:attrNameLst>
+                                      </p:cBhvr>
+                                      <p:tavLst>
+                                        <p:tav tm="0">
+                                          <p:val>
+                                            <p:strVal val="#ppt_x"/>
+                                          </p:val>
+                                        </p:tav>
+                                        <p:tav tm="100000">
+                                          <p:val>
+                                            <p:strVal val="#ppt_x"/>
+                                          </p:val>
+                                        </p:tav>
+                                      </p:tavLst>
+                                    </p:anim>
+                                    <p:anim calcmode="lin" valueType="num">
+                                      <p:cBhvr additive="base">
+                                        <p:cTn id="20" dur="500" fill="hold"/>
+                                        <p:tgtEl>
+                                          <p:spTgt spid="3">
+                                            <p:txEl>
+                                              <p:pRg st="3" end="3"/>
+                                            </p:txEl>
+                                          </p:spTgt>
+                                        </p:tgtEl>
+                                        <p:attrNameLst>
+                                          <p:attrName>ppt_y</p:attrName>
+                                        </p:attrNameLst>
+                                      </p:cBhvr>
+                                      <p:tavLst>
+                                        <p:tav tm="0">
+                                          <p:val>
+                                            <p:strVal val="1+#ppt_h/2"/>
+                                          </p:val>
+                                        </p:tav>
+                                        <p:tav tm="100000">
+                                          <p:val>
+                                            <p:strVal val="#ppt_y"/>
+                                          </p:val>
+                                        </p:tav>
+                                      </p:tavLst>
+                                    </p:anim>
+                                  </p:childTnLst>
+                                </p:cTn>
+                              </p:par>
+                            </p:childTnLst>
+                          </p:cTn>
+                        </p:par>
+                      </p:childTnLst>
+                    </p:cTn>
+                  </p:par>
+                  <p:par>
+                    <p:cTn id="21" fill="hold">
+                      <p:stCondLst>
+                        <p:cond delay="indefinite"/>
+                      </p:stCondLst>
+                      <p:childTnLst>
+                        <p:par>
+                          <p:cTn id="22" fill="hold">
+                            <p:stCondLst>
+                              <p:cond delay="0"/>
+                            </p:stCondLst>
+                            <p:childTnLst>
+                              <p:par>
+                                <p:cTn id="23" presetID="2" presetClass="entr" presetSubtype="4" fill="hold" nodeType="clickEffect">
+                                  <p:stCondLst>
+                                    <p:cond delay="0"/>
+                                  </p:stCondLst>
+                                  <p:childTnLst>
+                                    <p:set>
+                                      <p:cBhvr>
+                                        <p:cTn id="24" dur="1" fill="hold">
+                                          <p:stCondLst>
+                                            <p:cond delay="0"/>
+                                          </p:stCondLst>
+                                        </p:cTn>
+                                        <p:tgtEl>
+                                          <p:spTgt spid="3">
+                                            <p:txEl>
+                                              <p:pRg st="4" end="4"/>
+                                            </p:txEl>
+                                          </p:spTgt>
+                                        </p:tgtEl>
+                                        <p:attrNameLst>
+                                          <p:attrName>style.visibility</p:attrName>
+                                        </p:attrNameLst>
+                                      </p:cBhvr>
+                                      <p:to>
+                                        <p:strVal val="visible"/>
+                                      </p:to>
+                                    </p:set>
+                                    <p:anim calcmode="lin" valueType="num">
+                                      <p:cBhvr additive="base">
+                                        <p:cTn id="25" dur="500" fill="hold"/>
+                                        <p:tgtEl>
+                                          <p:spTgt spid="3">
+                                            <p:txEl>
+                                              <p:pRg st="4" end="4"/>
+                                            </p:txEl>
+                                          </p:spTgt>
+                                        </p:tgtEl>
+                                        <p:attrNameLst>
+                                          <p:attrName>ppt_x</p:attrName>
+                                        </p:attrNameLst>
+                                      </p:cBhvr>
+                                      <p:tavLst>
+                                        <p:tav tm="0">
+                                          <p:val>
+                                            <p:strVal val="#ppt_x"/>
+                                          </p:val>
+                                        </p:tav>
+                                        <p:tav tm="100000">
+                                          <p:val>
+                                            <p:strVal val="#ppt_x"/>
+                                          </p:val>
+                                        </p:tav>
+                                      </p:tavLst>
+                                    </p:anim>
+                                    <p:anim calcmode="lin" valueType="num">
+                                      <p:cBhvr additive="base">
+                                        <p:cTn id="26" dur="500" fill="hold"/>
+                                        <p:tgtEl>
+                                          <p:spTgt spid="3">
+                                            <p:txEl>
+                                              <p:pRg st="4" end="4"/>
+                                            </p:txEl>
+                                          </p:spTgt>
+                                        </p:tgtEl>
+                                        <p:attrNameLst>
+                                          <p:attrName>ppt_y</p:attrName>
+                                        </p:attrNameLst>
+                                      </p:cBhvr>
+                                      <p:tavLst>
+                                        <p:tav tm="0">
+                                          <p:val>
+                                            <p:strVal val="1+#ppt_h/2"/>
+                                          </p:val>
+                                        </p:tav>
+                                        <p:tav tm="100000">
+                                          <p:val>
+                                            <p:strVal val="#ppt_y"/>
+                                          </p:val>
+                                        </p:tav>
+                                      </p:tavLst>
+                                    </p:anim>
+                                  </p:childTnLst>
+                                </p:cTn>
+                              </p:par>
+                              <p:par>
+                                <p:cTn id="27" presetID="2" presetClass="entr" presetSubtype="4" fill="hold" nodeType="withEffect">
+                                  <p:stCondLst>
+                                    <p:cond delay="0"/>
+                                  </p:stCondLst>
+                                  <p:childTnLst>
+                                    <p:set>
+                                      <p:cBhvr>
+                                        <p:cTn id="28" dur="1" fill="hold">
+                                          <p:stCondLst>
+                                            <p:cond delay="0"/>
+                                          </p:stCondLst>
+                                        </p:cTn>
+                                        <p:tgtEl>
+                                          <p:spTgt spid="3">
+                                            <p:txEl>
+                                              <p:pRg st="5" end="5"/>
+                                            </p:txEl>
+                                          </p:spTgt>
+                                        </p:tgtEl>
+                                        <p:attrNameLst>
+                                          <p:attrName>style.visibility</p:attrName>
+                                        </p:attrNameLst>
+                                      </p:cBhvr>
+                                      <p:to>
+                                        <p:strVal val="visible"/>
+                                      </p:to>
+                                    </p:set>
+                                    <p:anim calcmode="lin" valueType="num">
+                                      <p:cBhvr additive="base">
+                                        <p:cTn id="29" dur="500" fill="hold"/>
+                                        <p:tgtEl>
+                                          <p:spTgt spid="3">
+                                            <p:txEl>
+                                              <p:pRg st="5" end="5"/>
+                                            </p:txEl>
+                                          </p:spTgt>
+                                        </p:tgtEl>
+                                        <p:attrNameLst>
+                                          <p:attrName>ppt_x</p:attrName>
+                                        </p:attrNameLst>
+                                      </p:cBhvr>
+                                      <p:tavLst>
+                                        <p:tav tm="0">
+                                          <p:val>
+                                            <p:strVal val="#ppt_x"/>
+                                          </p:val>
+                                        </p:tav>
+                                        <p:tav tm="100000">
+                                          <p:val>
+                                            <p:strVal val="#ppt_x"/>
+                                          </p:val>
+                                        </p:tav>
+                                      </p:tavLst>
+                                    </p:anim>
+                                    <p:anim calcmode="lin" valueType="num">
+                                      <p:cBhvr additive="base">
+                                        <p:cTn id="30" dur="500" fill="hold"/>
+                                        <p:tgtEl>
+                                          <p:spTgt spid="3">
+                                            <p:txEl>
+                                              <p:pRg st="5" end="5"/>
+                                            </p:txEl>
+                                          </p:spTgt>
+                                        </p:tgtEl>
+                                        <p:attrNameLst>
+                                          <p:attrName>ppt_y</p:attrName>
+                                        </p:attrNameLst>
+                                      </p:cBhvr>
+                                      <p:tavLst>
+                                        <p:tav tm="0">
+                                          <p:val>
+                                            <p:strVal val="1+#ppt_h/2"/>
+                                          </p:val>
+                                        </p:tav>
+                                        <p:tav tm="100000">
+                                          <p:val>
+                                            <p:strVal val="#ppt_y"/>
+                                          </p:val>
+                                        </p:tav>
+                                      </p:tavLst>
+                                    </p:anim>
+                                  </p:childTnLst>
+                                </p:cTn>
+                              </p:par>
+                            </p:childTnLst>
+                          </p:cTn>
+                        </p:par>
+                      </p:childTnLst>
+                    </p:cTn>
+                  </p:par>
+                </p:childTnLst>
+              </p:cTn>
+              <p:prevCondLst>
+                <p:cond evt="onPrev" delay="0">
+                  <p:tgtEl>
+                    <p:sldTgt/>
+                  </p:tgtEl>
+                </p:cond>
+              </p:prevCondLst>
+              <p:nextCondLst>
+                <p:cond evt="onNext" delay="0">
+                  <p:tgtEl>
+                    <p:sldTgt/>
+                  </p:tgtEl>
+                </p:cond>
+              </p:nextCondLst>
+            </p:seq>
+          </p:childTnLst>
+        </p:cTn>
+      </p:par>
+    </p:tnLst>
+  </p:timing>
+</p:sld>
+</file>
+
+<file path=ppt/slides/slide12.xml><?xml version="1.0" encoding="utf-8"?>
+<p:sld xmlns:a="http://schemas.openxmlformats.org/drawingml/2006/main" xmlns:r="http://schemas.openxmlformats.org/officeDocument/2006/relationships" xmlns:p="http://schemas.openxmlformats.org/presentationml/2006/main">
+  <p:cSld>
+    <p:spTree>
+      <p:nvGrpSpPr>
+        <p:cNvPr id="1" name=""/>
+        <p:cNvGrpSpPr/>
+        <p:nvPr/>
+      </p:nvGrpSpPr>
+      <p:grpSpPr>
+        <a:xfrm>
+          <a:off x="0" y="0"/>
+          <a:ext cx="0" cy="0"/>
+          <a:chOff x="0" y="0"/>
+          <a:chExt cx="0" cy="0"/>
+        </a:xfrm>
+      </p:grpSpPr>
+      <p:sp>
+        <p:nvSpPr>
+          <p:cNvPr id="2" name="Titel 1">
+            <a:extLst>
+              <a:ext uri="{FF2B5EF4-FFF2-40B4-BE49-F238E27FC236}">
+                <a16:creationId xmlns:a16="http://schemas.microsoft.com/office/drawing/2014/main" id="{6324A9F3-4C7E-44AF-9093-D780D05CBC55}"/>
+              </a:ext>
+            </a:extLst>
+          </p:cNvPr>
+          <p:cNvSpPr>
+            <a:spLocks noGrp="1"/>
+          </p:cNvSpPr>
+          <p:nvPr>
+            <p:ph type="title"/>
+          </p:nvPr>
+        </p:nvSpPr>
+        <p:spPr/>
+        <p:txBody>
+          <a:bodyPr/>
+          <a:lstStyle/>
+          <a:p>
+            <a:r>
+              <a:rPr lang="de-DE" dirty="0">
+                <a:solidFill>
+                  <a:schemeClr val="accent1">
+                    <a:lumMod val="75000"/>
+                  </a:schemeClr>
+                </a:solidFill>
+                <a:latin typeface="Century Gothic" panose="020B0502020202020204" pitchFamily="34" charset="0"/>
+              </a:rPr>
+              <a:t>Was wir gelernt haben</a:t>
+            </a:r>
+            <a:endParaRPr lang="de-DE" dirty="0"/>
+          </a:p>
+        </p:txBody>
+      </p:sp>
+      <p:sp>
+        <p:nvSpPr>
+          <p:cNvPr id="3" name="Inhaltsplatzhalter 2">
+            <a:extLst>
+              <a:ext uri="{FF2B5EF4-FFF2-40B4-BE49-F238E27FC236}">
+                <a16:creationId xmlns:a16="http://schemas.microsoft.com/office/drawing/2014/main" id="{1E48E752-3665-4167-B029-DF67333119C5}"/>
+              </a:ext>
+            </a:extLst>
+          </p:cNvPr>
+          <p:cNvSpPr>
+            <a:spLocks noGrp="1"/>
+          </p:cNvSpPr>
+          <p:nvPr>
+            <p:ph idx="1"/>
+          </p:nvPr>
+        </p:nvSpPr>
+        <p:spPr/>
+        <p:txBody>
+          <a:bodyPr/>
+          <a:lstStyle/>
+          <a:p>
+            <a:pPr fontAlgn="base"/>
+            <a:r>
+              <a:rPr lang="de-DE" dirty="0">
+                <a:latin typeface="Courier"/>
+              </a:rPr>
+              <a:t>C++ Kenntnisse erweitert </a:t>
+            </a:r>
+          </a:p>
+          <a:p>
+            <a:pPr fontAlgn="base"/>
+            <a:r>
+              <a:rPr lang="de-DE" dirty="0">
+                <a:latin typeface="Courier"/>
+              </a:rPr>
+              <a:t>GUI Programmierung  </a:t>
+            </a:r>
+          </a:p>
+          <a:p>
+            <a:pPr fontAlgn="base"/>
+            <a:r>
+              <a:rPr lang="de-DE" dirty="0">
+                <a:latin typeface="Courier"/>
+              </a:rPr>
+              <a:t>Socket Programmierung </a:t>
+            </a:r>
+          </a:p>
+          <a:p>
+            <a:pPr marL="0" indent="0" fontAlgn="base">
+              <a:buNone/>
+            </a:pPr>
+            <a:endParaRPr lang="de-DE" dirty="0">
+              <a:latin typeface="Courier"/>
+            </a:endParaRPr>
+          </a:p>
+          <a:p>
+            <a:pPr fontAlgn="base"/>
+            <a:r>
+              <a:rPr lang="de-DE" dirty="0">
+                <a:latin typeface="Courier"/>
+              </a:rPr>
+              <a:t>Datenbank/SQL Umgang </a:t>
+            </a:r>
+          </a:p>
+          <a:p>
+            <a:pPr fontAlgn="base"/>
+            <a:r>
+              <a:rPr lang="de-DE" dirty="0">
+                <a:latin typeface="Courier"/>
+              </a:rPr>
+              <a:t>Linux Basics </a:t>
+            </a:r>
+          </a:p>
+          <a:p>
+            <a:pPr fontAlgn="base"/>
+            <a:r>
+              <a:rPr lang="de-DE" dirty="0">
+                <a:latin typeface="Courier"/>
+              </a:rPr>
+              <a:t>SE Kenntnisse erweitert </a:t>
+            </a:r>
+          </a:p>
+          <a:p>
+            <a:pPr marL="0" indent="0" fontAlgn="base">
+              <a:buNone/>
+            </a:pPr>
+            <a:endParaRPr lang="de-DE" dirty="0"/>
+          </a:p>
+        </p:txBody>
+      </p:sp>
+    </p:spTree>
+    <p:extLst>
+      <p:ext uri="{BB962C8B-B14F-4D97-AF65-F5344CB8AC3E}">
+        <p14:creationId xmlns:p14="http://schemas.microsoft.com/office/powerpoint/2010/main" val="3289125507"/>
+      </p:ext>
+    </p:extLst>
+  </p:cSld>
+  <p:clrMapOvr>
+    <a:masterClrMapping/>
+  </p:clrMapOvr>
+  <p:timing>
+    <p:tnLst>
+      <p:par>
+        <p:cTn id="1" dur="indefinite" restart="never" nodeType="tmRoot">
+          <p:childTnLst>
+            <p:seq concurrent="1" nextAc="seek">
+              <p:cTn id="2" dur="indefinite" nodeType="mainSeq">
+                <p:childTnLst>
+                  <p:par>
+                    <p:cTn id="3" fill="hold">
+                      <p:stCondLst>
+                        <p:cond delay="indefinite"/>
+                      </p:stCondLst>
+                      <p:childTnLst>
+                        <p:par>
+                          <p:cTn id="4" fill="hold">
+                            <p:stCondLst>
+                              <p:cond delay="0"/>
+                            </p:stCondLst>
+                            <p:childTnLst>
+                              <p:par>
+                                <p:cTn id="5" presetID="10" presetClass="entr" presetSubtype="0" fill="hold" nodeType="clickEffect">
+                                  <p:stCondLst>
+                                    <p:cond delay="0"/>
+                                  </p:stCondLst>
+                                  <p:childTnLst>
+                                    <p:set>
+                                      <p:cBhvr>
+                                        <p:cTn id="6" dur="1" fill="hold">
+                                          <p:stCondLst>
+                                            <p:cond delay="0"/>
+                                          </p:stCondLst>
+                                        </p:cTn>
+                                        <p:tgtEl>
+                                          <p:spTgt spid="3">
+                                            <p:txEl>
+                                              <p:pRg st="0" end="0"/>
+                                            </p:txEl>
+                                          </p:spTgt>
+                                        </p:tgtEl>
+                                        <p:attrNameLst>
+                                          <p:attrName>style.visibility</p:attrName>
+                                        </p:attrNameLst>
+                                      </p:cBhvr>
+                                      <p:to>
+                                        <p:strVal val="visible"/>
+                                      </p:to>
+                                    </p:set>
+                                    <p:animEffect transition="in" filter="fade">
+                                      <p:cBhvr>
+                                        <p:cTn id="7" dur="500"/>
+                                        <p:tgtEl>
+                                          <p:spTgt spid="3">
+                                            <p:txEl>
+                                              <p:pRg st="0" end="0"/>
+                                            </p:txEl>
+                                          </p:spTgt>
+                                        </p:tgtEl>
+                                      </p:cBhvr>
+                                    </p:animEffect>
+                                  </p:childTnLst>
+                                </p:cTn>
+                              </p:par>
+                              <p:par>
+                                <p:cTn id="8" presetID="10" presetClass="entr" presetSubtype="0" fill="hold" nodeType="withEffect">
+                                  <p:stCondLst>
+                                    <p:cond delay="0"/>
+                                  </p:stCondLst>
+                                  <p:childTnLst>
+                                    <p:set>
+                                      <p:cBhvr>
+                                        <p:cTn id="9" dur="1" fill="hold">
+                                          <p:stCondLst>
+                                            <p:cond delay="0"/>
+                                          </p:stCondLst>
+                                        </p:cTn>
+                                        <p:tgtEl>
+                                          <p:spTgt spid="3">
+                                            <p:txEl>
+                                              <p:pRg st="1" end="1"/>
+                                            </p:txEl>
+                                          </p:spTgt>
+                                        </p:tgtEl>
+                                        <p:attrNameLst>
+                                          <p:attrName>style.visibility</p:attrName>
+                                        </p:attrNameLst>
+                                      </p:cBhvr>
+                                      <p:to>
+                                        <p:strVal val="visible"/>
+                                      </p:to>
+                                    </p:set>
+                                    <p:animEffect transition="in" filter="fade">
+                                      <p:cBhvr>
+                                        <p:cTn id="10" dur="500"/>
+                                        <p:tgtEl>
+                                          <p:spTgt spid="3">
+                                            <p:txEl>
+                                              <p:pRg st="1" end="1"/>
+                                            </p:txEl>
+                                          </p:spTgt>
+                                        </p:tgtEl>
+                                      </p:cBhvr>
+                                    </p:animEffect>
+                                  </p:childTnLst>
+                                </p:cTn>
+                              </p:par>
+                              <p:par>
+                                <p:cTn id="11" presetID="10" presetClass="entr" presetSubtype="0" fill="hold" nodeType="withEffect">
+                                  <p:stCondLst>
+                                    <p:cond delay="0"/>
+                                  </p:stCondLst>
+                                  <p:childTnLst>
+                                    <p:set>
+                                      <p:cBhvr>
+                                        <p:cTn id="12" dur="1" fill="hold">
+                                          <p:stCondLst>
+                                            <p:cond delay="0"/>
+                                          </p:stCondLst>
+                                        </p:cTn>
+                                        <p:tgtEl>
+                                          <p:spTgt spid="3">
+                                            <p:txEl>
+                                              <p:pRg st="2" end="2"/>
+                                            </p:txEl>
+                                          </p:spTgt>
+                                        </p:tgtEl>
+                                        <p:attrNameLst>
+                                          <p:attrName>style.visibility</p:attrName>
+                                        </p:attrNameLst>
+                                      </p:cBhvr>
+                                      <p:to>
+                                        <p:strVal val="visible"/>
+                                      </p:to>
+                                    </p:set>
+                                    <p:animEffect transition="in" filter="fade">
+                                      <p:cBhvr>
+                                        <p:cTn id="13" dur="500"/>
+                                        <p:tgtEl>
+                                          <p:spTgt spid="3">
+                                            <p:txEl>
+                                              <p:pRg st="2" end="2"/>
+                                            </p:txEl>
+                                          </p:spTgt>
+                                        </p:tgtEl>
+                                      </p:cBhvr>
+                                    </p:animEffect>
+                                  </p:childTnLst>
+                                </p:cTn>
+                              </p:par>
+                            </p:childTnLst>
+                          </p:cTn>
+                        </p:par>
+                      </p:childTnLst>
+                    </p:cTn>
+                  </p:par>
+                  <p:par>
+                    <p:cTn id="14" fill="hold">
+                      <p:stCondLst>
+                        <p:cond delay="indefinite"/>
+                      </p:stCondLst>
+                      <p:childTnLst>
+                        <p:par>
+                          <p:cTn id="15" fill="hold">
+                            <p:stCondLst>
+                              <p:cond delay="0"/>
+                            </p:stCondLst>
+                            <p:childTnLst>
+                              <p:par>
+                                <p:cTn id="16" presetID="22" presetClass="entr" presetSubtype="4" fill="hold" nodeType="clickEffect">
+                                  <p:stCondLst>
+                                    <p:cond delay="0"/>
+                                  </p:stCondLst>
+                                  <p:childTnLst>
+                                    <p:set>
+                                      <p:cBhvr>
+                                        <p:cTn id="17" dur="1" fill="hold">
+                                          <p:stCondLst>
+                                            <p:cond delay="0"/>
+                                          </p:stCondLst>
+                                        </p:cTn>
+                                        <p:tgtEl>
+                                          <p:spTgt spid="3">
+                                            <p:txEl>
+                                              <p:pRg st="4" end="4"/>
+                                            </p:txEl>
+                                          </p:spTgt>
+                                        </p:tgtEl>
+                                        <p:attrNameLst>
+                                          <p:attrName>style.visibility</p:attrName>
+                                        </p:attrNameLst>
+                                      </p:cBhvr>
+                                      <p:to>
+                                        <p:strVal val="visible"/>
+                                      </p:to>
+                                    </p:set>
+                                    <p:animEffect transition="in" filter="wipe(down)">
+                                      <p:cBhvr>
+                                        <p:cTn id="18" dur="500"/>
+                                        <p:tgtEl>
+                                          <p:spTgt spid="3">
+                                            <p:txEl>
+                                              <p:pRg st="4" end="4"/>
+                                            </p:txEl>
+                                          </p:spTgt>
+                                        </p:tgtEl>
+                                      </p:cBhvr>
+                                    </p:animEffect>
+                                  </p:childTnLst>
+                                </p:cTn>
+                              </p:par>
+                              <p:par>
+                                <p:cTn id="19" presetID="22" presetClass="entr" presetSubtype="4" fill="hold" nodeType="withEffect">
+                                  <p:stCondLst>
+                                    <p:cond delay="0"/>
+                                  </p:stCondLst>
+                                  <p:childTnLst>
+                                    <p:set>
+                                      <p:cBhvr>
+                                        <p:cTn id="20" dur="1" fill="hold">
+                                          <p:stCondLst>
+                                            <p:cond delay="0"/>
+                                          </p:stCondLst>
+                                        </p:cTn>
+                                        <p:tgtEl>
+                                          <p:spTgt spid="3">
+                                            <p:txEl>
+                                              <p:pRg st="5" end="5"/>
+                                            </p:txEl>
+                                          </p:spTgt>
+                                        </p:tgtEl>
+                                        <p:attrNameLst>
+                                          <p:attrName>style.visibility</p:attrName>
+                                        </p:attrNameLst>
+                                      </p:cBhvr>
+                                      <p:to>
+                                        <p:strVal val="visible"/>
+                                      </p:to>
+                                    </p:set>
+                                    <p:animEffect transition="in" filter="wipe(down)">
+                                      <p:cBhvr>
+                                        <p:cTn id="21" dur="500"/>
+                                        <p:tgtEl>
+                                          <p:spTgt spid="3">
+                                            <p:txEl>
+                                              <p:pRg st="5" end="5"/>
+                                            </p:txEl>
+                                          </p:spTgt>
+                                        </p:tgtEl>
+                                      </p:cBhvr>
+                                    </p:animEffect>
+                                  </p:childTnLst>
+                                </p:cTn>
+                              </p:par>
+                            </p:childTnLst>
+                          </p:cTn>
+                        </p:par>
+                      </p:childTnLst>
+                    </p:cTn>
+                  </p:par>
+                  <p:par>
+                    <p:cTn id="22" fill="hold">
+                      <p:stCondLst>
+                        <p:cond delay="indefinite"/>
+                      </p:stCondLst>
+                      <p:childTnLst>
+                        <p:par>
+                          <p:cTn id="23" fill="hold">
+                            <p:stCondLst>
+                              <p:cond delay="0"/>
+                            </p:stCondLst>
+                            <p:childTnLst>
+                              <p:par>
+                                <p:cTn id="24" presetID="22" presetClass="entr" presetSubtype="4" fill="hold" nodeType="clickEffect">
+                                  <p:stCondLst>
+                                    <p:cond delay="0"/>
+                                  </p:stCondLst>
+                                  <p:childTnLst>
+                                    <p:set>
+                                      <p:cBhvr>
+                                        <p:cTn id="25" dur="1" fill="hold">
+                                          <p:stCondLst>
+                                            <p:cond delay="0"/>
+                                          </p:stCondLst>
+                                        </p:cTn>
+                                        <p:tgtEl>
+                                          <p:spTgt spid="3">
+                                            <p:txEl>
+                                              <p:pRg st="6" end="6"/>
+                                            </p:txEl>
+                                          </p:spTgt>
+                                        </p:tgtEl>
+                                        <p:attrNameLst>
+                                          <p:attrName>style.visibility</p:attrName>
+                                        </p:attrNameLst>
+                                      </p:cBhvr>
+                                      <p:to>
+                                        <p:strVal val="visible"/>
+                                      </p:to>
+                                    </p:set>
+                                    <p:animEffect transition="in" filter="wipe(down)">
+                                      <p:cBhvr>
+                                        <p:cTn id="26" dur="500"/>
+                                        <p:tgtEl>
+                                          <p:spTgt spid="3">
+                                            <p:txEl>
+                                              <p:pRg st="6" end="6"/>
+                                            </p:txEl>
+                                          </p:spTgt>
                                         </p:tgtEl>
                                       </p:cBhvr>
                                     </p:animEffect>
@@ -14955,6 +16583,1473 @@
                                         </p:tgtEl>
                                       </p:cBhvr>
                                     </p:animEffect>
+                                  </p:childTnLst>
+                                </p:cTn>
+                              </p:par>
+                            </p:childTnLst>
+                          </p:cTn>
+                        </p:par>
+                      </p:childTnLst>
+                    </p:cTn>
+                  </p:par>
+                </p:childTnLst>
+              </p:cTn>
+              <p:prevCondLst>
+                <p:cond evt="onPrev" delay="0">
+                  <p:tgtEl>
+                    <p:sldTgt/>
+                  </p:tgtEl>
+                </p:cond>
+              </p:prevCondLst>
+              <p:nextCondLst>
+                <p:cond evt="onNext" delay="0">
+                  <p:tgtEl>
+                    <p:sldTgt/>
+                  </p:tgtEl>
+                </p:cond>
+              </p:nextCondLst>
+            </p:seq>
+          </p:childTnLst>
+        </p:cTn>
+      </p:par>
+    </p:tnLst>
+  </p:timing>
+</p:sld>
+</file>
+
+<file path=ppt/slides/slide8.xml><?xml version="1.0" encoding="utf-8"?>
+<p:sld xmlns:a="http://schemas.openxmlformats.org/drawingml/2006/main" xmlns:r="http://schemas.openxmlformats.org/officeDocument/2006/relationships" xmlns:p="http://schemas.openxmlformats.org/presentationml/2006/main">
+  <p:cSld>
+    <p:spTree>
+      <p:nvGrpSpPr>
+        <p:cNvPr id="1" name=""/>
+        <p:cNvGrpSpPr/>
+        <p:nvPr/>
+      </p:nvGrpSpPr>
+      <p:grpSpPr>
+        <a:xfrm>
+          <a:off x="0" y="0"/>
+          <a:ext cx="0" cy="0"/>
+          <a:chOff x="0" y="0"/>
+          <a:chExt cx="0" cy="0"/>
+        </a:xfrm>
+      </p:grpSpPr>
+      <p:sp>
+        <p:nvSpPr>
+          <p:cNvPr id="2" name="Titel 1">
+            <a:extLst>
+              <a:ext uri="{FF2B5EF4-FFF2-40B4-BE49-F238E27FC236}">
+                <a16:creationId xmlns:a16="http://schemas.microsoft.com/office/drawing/2014/main" id="{2E4EE53B-F9BE-4646-B333-BF631E0A74B2}"/>
+              </a:ext>
+            </a:extLst>
+          </p:cNvPr>
+          <p:cNvSpPr>
+            <a:spLocks noGrp="1"/>
+          </p:cNvSpPr>
+          <p:nvPr>
+            <p:ph type="title"/>
+          </p:nvPr>
+        </p:nvSpPr>
+        <p:spPr/>
+        <p:txBody>
+          <a:bodyPr/>
+          <a:lstStyle/>
+          <a:p>
+            <a:r>
+              <a:rPr lang="de-DE" dirty="0">
+                <a:solidFill>
+                  <a:schemeClr val="accent1">
+                    <a:lumMod val="75000"/>
+                  </a:schemeClr>
+                </a:solidFill>
+                <a:latin typeface="Century Gothic" panose="020B0502020202020204" pitchFamily="34" charset="0"/>
+              </a:rPr>
+              <a:t>Unsere Werkzeuge</a:t>
+            </a:r>
+            <a:endParaRPr lang="de-DE" dirty="0"/>
+          </a:p>
+        </p:txBody>
+      </p:sp>
+      <p:sp>
+        <p:nvSpPr>
+          <p:cNvPr id="3" name="Inhaltsplatzhalter 2">
+            <a:extLst>
+              <a:ext uri="{FF2B5EF4-FFF2-40B4-BE49-F238E27FC236}">
+                <a16:creationId xmlns:a16="http://schemas.microsoft.com/office/drawing/2014/main" id="{E07F42A7-98C1-4B12-B02A-2C534E0DFF84}"/>
+              </a:ext>
+            </a:extLst>
+          </p:cNvPr>
+          <p:cNvSpPr>
+            <a:spLocks noGrp="1"/>
+          </p:cNvSpPr>
+          <p:nvPr>
+            <p:ph idx="1"/>
+          </p:nvPr>
+        </p:nvSpPr>
+        <p:spPr>
+          <a:xfrm>
+            <a:off x="220683" y="1807812"/>
+            <a:ext cx="10461567" cy="4351338"/>
+          </a:xfrm>
+        </p:spPr>
+        <p:txBody>
+          <a:bodyPr>
+            <a:normAutofit/>
+          </a:bodyPr>
+          <a:lstStyle/>
+          <a:p>
+            <a:pPr fontAlgn="base"/>
+            <a:r>
+              <a:rPr lang="de-DE" sz="2400" dirty="0" err="1">
+                <a:latin typeface="Courier"/>
+              </a:rPr>
+              <a:t>Bugzilla</a:t>
+            </a:r>
+            <a:r>
+              <a:rPr lang="de-DE" sz="2400" dirty="0">
+                <a:latin typeface="Courier"/>
+              </a:rPr>
+              <a:t> (</a:t>
+            </a:r>
+            <a:r>
+              <a:rPr lang="de-DE" sz="2400" dirty="0" err="1">
+                <a:latin typeface="Courier"/>
+              </a:rPr>
+              <a:t>Defect</a:t>
+            </a:r>
+            <a:r>
+              <a:rPr lang="de-DE" sz="2400" dirty="0">
+                <a:latin typeface="Courier"/>
+              </a:rPr>
+              <a:t> Tracking) </a:t>
+            </a:r>
+          </a:p>
+          <a:p>
+            <a:pPr fontAlgn="base"/>
+            <a:r>
+              <a:rPr lang="de-DE" sz="2400" dirty="0" err="1">
+                <a:latin typeface="Courier"/>
+              </a:rPr>
+              <a:t>Doxygen</a:t>
+            </a:r>
+            <a:r>
+              <a:rPr lang="de-DE" sz="2400" dirty="0">
+                <a:latin typeface="Courier"/>
+              </a:rPr>
+              <a:t> (</a:t>
+            </a:r>
+            <a:r>
+              <a:rPr lang="de-DE" sz="2400" dirty="0" err="1">
+                <a:latin typeface="Courier"/>
+              </a:rPr>
+              <a:t>Codokumentation</a:t>
+            </a:r>
+            <a:r>
+              <a:rPr lang="de-DE" sz="2400" dirty="0">
+                <a:latin typeface="Courier"/>
+              </a:rPr>
+              <a:t>)</a:t>
+            </a:r>
+          </a:p>
+          <a:p>
+            <a:pPr fontAlgn="base"/>
+            <a:r>
+              <a:rPr lang="de-DE" sz="2400" dirty="0">
+                <a:latin typeface="Courier"/>
+              </a:rPr>
+              <a:t>SVN Repository (</a:t>
+            </a:r>
+            <a:r>
+              <a:rPr lang="de-DE" sz="2400" dirty="0" err="1">
+                <a:latin typeface="Courier"/>
+              </a:rPr>
+              <a:t>TortoiseSVN</a:t>
+            </a:r>
+            <a:r>
+              <a:rPr lang="de-DE" sz="2400" dirty="0">
+                <a:latin typeface="Courier"/>
+              </a:rPr>
+              <a:t>) </a:t>
+            </a:r>
+          </a:p>
+          <a:p>
+            <a:pPr fontAlgn="base"/>
+            <a:r>
+              <a:rPr lang="de-DE" sz="2400" dirty="0">
+                <a:latin typeface="Courier"/>
+              </a:rPr>
+              <a:t>VM (Windows)  </a:t>
+            </a:r>
+          </a:p>
+          <a:p>
+            <a:pPr fontAlgn="base"/>
+            <a:r>
+              <a:rPr lang="de-DE" sz="2400" dirty="0">
+                <a:latin typeface="Courier"/>
+              </a:rPr>
+              <a:t>Visual </a:t>
+            </a:r>
+            <a:r>
+              <a:rPr lang="de-DE" sz="2400" dirty="0" err="1">
+                <a:latin typeface="Courier"/>
+              </a:rPr>
+              <a:t>Paradigm</a:t>
+            </a:r>
+            <a:r>
+              <a:rPr lang="de-DE" sz="2400" dirty="0">
+                <a:latin typeface="Courier"/>
+              </a:rPr>
+              <a:t> (Diagramme) </a:t>
+            </a:r>
+          </a:p>
+          <a:p>
+            <a:pPr fontAlgn="base"/>
+            <a:r>
+              <a:rPr lang="de-DE" sz="2400" dirty="0">
+                <a:latin typeface="Courier"/>
+              </a:rPr>
+              <a:t>QT Creator (IDE) </a:t>
+            </a:r>
+          </a:p>
+          <a:p>
+            <a:pPr fontAlgn="base"/>
+            <a:r>
+              <a:rPr lang="de-DE" sz="2400" dirty="0">
+                <a:latin typeface="Courier"/>
+              </a:rPr>
+              <a:t>QT Installer Framework </a:t>
+            </a:r>
+            <a:r>
+              <a:rPr lang="de-DE" dirty="0"/>
+              <a:t> </a:t>
+            </a:r>
+          </a:p>
+          <a:p>
+            <a:endParaRPr lang="de-DE" dirty="0"/>
+          </a:p>
+        </p:txBody>
+      </p:sp>
+      <p:pic>
+        <p:nvPicPr>
+          <p:cNvPr id="4" name="Grafik 3">
+            <a:extLst>
+              <a:ext uri="{FF2B5EF4-FFF2-40B4-BE49-F238E27FC236}">
+                <a16:creationId xmlns:a16="http://schemas.microsoft.com/office/drawing/2014/main" id="{2CC82394-F48D-4EB5-B6E9-C9EE2955305E}"/>
+              </a:ext>
+            </a:extLst>
+          </p:cNvPr>
+          <p:cNvPicPr>
+            <a:picLocks noChangeAspect="1"/>
+          </p:cNvPicPr>
+          <p:nvPr/>
+        </p:nvPicPr>
+        <p:blipFill>
+          <a:blip r:embed="rId2"/>
+          <a:stretch>
+            <a:fillRect/>
+          </a:stretch>
+        </p:blipFill>
+        <p:spPr>
+          <a:xfrm>
+            <a:off x="5595257" y="2512985"/>
+            <a:ext cx="6596743" cy="4345016"/>
+          </a:xfrm>
+          <a:prstGeom prst="rect">
+            <a:avLst/>
+          </a:prstGeom>
+        </p:spPr>
+      </p:pic>
+    </p:spTree>
+    <p:extLst>
+      <p:ext uri="{BB962C8B-B14F-4D97-AF65-F5344CB8AC3E}">
+        <p14:creationId xmlns:p14="http://schemas.microsoft.com/office/powerpoint/2010/main" val="4062561736"/>
+      </p:ext>
+    </p:extLst>
+  </p:cSld>
+  <p:clrMapOvr>
+    <a:masterClrMapping/>
+  </p:clrMapOvr>
+  <p:timing>
+    <p:tnLst>
+      <p:par>
+        <p:cTn id="1" dur="indefinite" restart="never" nodeType="tmRoot">
+          <p:childTnLst>
+            <p:seq concurrent="1" nextAc="seek">
+              <p:cTn id="2" dur="indefinite" nodeType="mainSeq">
+                <p:childTnLst>
+                  <p:par>
+                    <p:cTn id="3" fill="hold">
+                      <p:stCondLst>
+                        <p:cond delay="indefinite"/>
+                      </p:stCondLst>
+                      <p:childTnLst>
+                        <p:par>
+                          <p:cTn id="4" fill="hold">
+                            <p:stCondLst>
+                              <p:cond delay="0"/>
+                            </p:stCondLst>
+                            <p:childTnLst>
+                              <p:par>
+                                <p:cTn id="5" presetID="1" presetClass="entr" presetSubtype="0" fill="hold" nodeType="clickEffect">
+                                  <p:stCondLst>
+                                    <p:cond delay="0"/>
+                                  </p:stCondLst>
+                                  <p:childTnLst>
+                                    <p:set>
+                                      <p:cBhvr>
+                                        <p:cTn id="6" dur="1" fill="hold">
+                                          <p:stCondLst>
+                                            <p:cond delay="0"/>
+                                          </p:stCondLst>
+                                        </p:cTn>
+                                        <p:tgtEl>
+                                          <p:spTgt spid="3">
+                                            <p:txEl>
+                                              <p:pRg st="0" end="0"/>
+                                            </p:txEl>
+                                          </p:spTgt>
+                                        </p:tgtEl>
+                                        <p:attrNameLst>
+                                          <p:attrName>style.visibility</p:attrName>
+                                        </p:attrNameLst>
+                                      </p:cBhvr>
+                                      <p:to>
+                                        <p:strVal val="visible"/>
+                                      </p:to>
+                                    </p:set>
+                                  </p:childTnLst>
+                                </p:cTn>
+                              </p:par>
+                              <p:par>
+                                <p:cTn id="7" presetID="1" presetClass="entr" presetSubtype="0" fill="hold" nodeType="withEffect">
+                                  <p:stCondLst>
+                                    <p:cond delay="0"/>
+                                  </p:stCondLst>
+                                  <p:childTnLst>
+                                    <p:set>
+                                      <p:cBhvr>
+                                        <p:cTn id="8" dur="1" fill="hold">
+                                          <p:stCondLst>
+                                            <p:cond delay="0"/>
+                                          </p:stCondLst>
+                                        </p:cTn>
+                                        <p:tgtEl>
+                                          <p:spTgt spid="3">
+                                            <p:txEl>
+                                              <p:pRg st="1" end="1"/>
+                                            </p:txEl>
+                                          </p:spTgt>
+                                        </p:tgtEl>
+                                        <p:attrNameLst>
+                                          <p:attrName>style.visibility</p:attrName>
+                                        </p:attrNameLst>
+                                      </p:cBhvr>
+                                      <p:to>
+                                        <p:strVal val="visible"/>
+                                      </p:to>
+                                    </p:set>
+                                  </p:childTnLst>
+                                </p:cTn>
+                              </p:par>
+                            </p:childTnLst>
+                          </p:cTn>
+                        </p:par>
+                      </p:childTnLst>
+                    </p:cTn>
+                  </p:par>
+                  <p:par>
+                    <p:cTn id="9" fill="hold">
+                      <p:stCondLst>
+                        <p:cond delay="indefinite"/>
+                      </p:stCondLst>
+                      <p:childTnLst>
+                        <p:par>
+                          <p:cTn id="10" fill="hold">
+                            <p:stCondLst>
+                              <p:cond delay="0"/>
+                            </p:stCondLst>
+                            <p:childTnLst>
+                              <p:par>
+                                <p:cTn id="11" presetID="1" presetClass="entr" presetSubtype="0" fill="hold" nodeType="clickEffect">
+                                  <p:stCondLst>
+                                    <p:cond delay="0"/>
+                                  </p:stCondLst>
+                                  <p:childTnLst>
+                                    <p:set>
+                                      <p:cBhvr>
+                                        <p:cTn id="12" dur="1" fill="hold">
+                                          <p:stCondLst>
+                                            <p:cond delay="0"/>
+                                          </p:stCondLst>
+                                        </p:cTn>
+                                        <p:tgtEl>
+                                          <p:spTgt spid="3">
+                                            <p:txEl>
+                                              <p:pRg st="2" end="2"/>
+                                            </p:txEl>
+                                          </p:spTgt>
+                                        </p:tgtEl>
+                                        <p:attrNameLst>
+                                          <p:attrName>style.visibility</p:attrName>
+                                        </p:attrNameLst>
+                                      </p:cBhvr>
+                                      <p:to>
+                                        <p:strVal val="visible"/>
+                                      </p:to>
+                                    </p:set>
+                                  </p:childTnLst>
+                                </p:cTn>
+                              </p:par>
+                              <p:par>
+                                <p:cTn id="13" presetID="1" presetClass="entr" presetSubtype="0" fill="hold" nodeType="withEffect">
+                                  <p:stCondLst>
+                                    <p:cond delay="0"/>
+                                  </p:stCondLst>
+                                  <p:childTnLst>
+                                    <p:set>
+                                      <p:cBhvr>
+                                        <p:cTn id="14" dur="1" fill="hold">
+                                          <p:stCondLst>
+                                            <p:cond delay="0"/>
+                                          </p:stCondLst>
+                                        </p:cTn>
+                                        <p:tgtEl>
+                                          <p:spTgt spid="3">
+                                            <p:txEl>
+                                              <p:pRg st="3" end="3"/>
+                                            </p:txEl>
+                                          </p:spTgt>
+                                        </p:tgtEl>
+                                        <p:attrNameLst>
+                                          <p:attrName>style.visibility</p:attrName>
+                                        </p:attrNameLst>
+                                      </p:cBhvr>
+                                      <p:to>
+                                        <p:strVal val="visible"/>
+                                      </p:to>
+                                    </p:set>
+                                  </p:childTnLst>
+                                </p:cTn>
+                              </p:par>
+                            </p:childTnLst>
+                          </p:cTn>
+                        </p:par>
+                      </p:childTnLst>
+                    </p:cTn>
+                  </p:par>
+                  <p:par>
+                    <p:cTn id="15" fill="hold">
+                      <p:stCondLst>
+                        <p:cond delay="indefinite"/>
+                      </p:stCondLst>
+                      <p:childTnLst>
+                        <p:par>
+                          <p:cTn id="16" fill="hold">
+                            <p:stCondLst>
+                              <p:cond delay="0"/>
+                            </p:stCondLst>
+                            <p:childTnLst>
+                              <p:par>
+                                <p:cTn id="17" presetID="1" presetClass="entr" presetSubtype="0" fill="hold" nodeType="clickEffect">
+                                  <p:stCondLst>
+                                    <p:cond delay="0"/>
+                                  </p:stCondLst>
+                                  <p:childTnLst>
+                                    <p:set>
+                                      <p:cBhvr>
+                                        <p:cTn id="18" dur="1" fill="hold">
+                                          <p:stCondLst>
+                                            <p:cond delay="0"/>
+                                          </p:stCondLst>
+                                        </p:cTn>
+                                        <p:tgtEl>
+                                          <p:spTgt spid="3">
+                                            <p:txEl>
+                                              <p:pRg st="4" end="4"/>
+                                            </p:txEl>
+                                          </p:spTgt>
+                                        </p:tgtEl>
+                                        <p:attrNameLst>
+                                          <p:attrName>style.visibility</p:attrName>
+                                        </p:attrNameLst>
+                                      </p:cBhvr>
+                                      <p:to>
+                                        <p:strVal val="visible"/>
+                                      </p:to>
+                                    </p:set>
+                                  </p:childTnLst>
+                                </p:cTn>
+                              </p:par>
+                              <p:par>
+                                <p:cTn id="19" presetID="22" presetClass="entr" presetSubtype="4" fill="hold" nodeType="withEffect">
+                                  <p:stCondLst>
+                                    <p:cond delay="0"/>
+                                  </p:stCondLst>
+                                  <p:childTnLst>
+                                    <p:set>
+                                      <p:cBhvr>
+                                        <p:cTn id="20" dur="1" fill="hold">
+                                          <p:stCondLst>
+                                            <p:cond delay="0"/>
+                                          </p:stCondLst>
+                                        </p:cTn>
+                                        <p:tgtEl>
+                                          <p:spTgt spid="4"/>
+                                        </p:tgtEl>
+                                        <p:attrNameLst>
+                                          <p:attrName>style.visibility</p:attrName>
+                                        </p:attrNameLst>
+                                      </p:cBhvr>
+                                      <p:to>
+                                        <p:strVal val="visible"/>
+                                      </p:to>
+                                    </p:set>
+                                    <p:animEffect transition="in" filter="wipe(down)">
+                                      <p:cBhvr>
+                                        <p:cTn id="21" dur="500"/>
+                                        <p:tgtEl>
+                                          <p:spTgt spid="4"/>
+                                        </p:tgtEl>
+                                      </p:cBhvr>
+                                    </p:animEffect>
+                                  </p:childTnLst>
+                                </p:cTn>
+                              </p:par>
+                            </p:childTnLst>
+                          </p:cTn>
+                        </p:par>
+                      </p:childTnLst>
+                    </p:cTn>
+                  </p:par>
+                  <p:par>
+                    <p:cTn id="22" fill="hold">
+                      <p:stCondLst>
+                        <p:cond delay="indefinite"/>
+                      </p:stCondLst>
+                      <p:childTnLst>
+                        <p:par>
+                          <p:cTn id="23" fill="hold">
+                            <p:stCondLst>
+                              <p:cond delay="0"/>
+                            </p:stCondLst>
+                            <p:childTnLst>
+                              <p:par>
+                                <p:cTn id="24" presetID="22" presetClass="exit" presetSubtype="4" fill="hold" nodeType="clickEffect">
+                                  <p:stCondLst>
+                                    <p:cond delay="0"/>
+                                  </p:stCondLst>
+                                  <p:childTnLst>
+                                    <p:animEffect transition="out" filter="wipe(down)">
+                                      <p:cBhvr>
+                                        <p:cTn id="25" dur="500"/>
+                                        <p:tgtEl>
+                                          <p:spTgt spid="4"/>
+                                        </p:tgtEl>
+                                      </p:cBhvr>
+                                    </p:animEffect>
+                                    <p:set>
+                                      <p:cBhvr>
+                                        <p:cTn id="26" dur="1" fill="hold">
+                                          <p:stCondLst>
+                                            <p:cond delay="499"/>
+                                          </p:stCondLst>
+                                        </p:cTn>
+                                        <p:tgtEl>
+                                          <p:spTgt spid="4"/>
+                                        </p:tgtEl>
+                                        <p:attrNameLst>
+                                          <p:attrName>style.visibility</p:attrName>
+                                        </p:attrNameLst>
+                                      </p:cBhvr>
+                                      <p:to>
+                                        <p:strVal val="hidden"/>
+                                      </p:to>
+                                    </p:set>
+                                  </p:childTnLst>
+                                </p:cTn>
+                              </p:par>
+                            </p:childTnLst>
+                          </p:cTn>
+                        </p:par>
+                      </p:childTnLst>
+                    </p:cTn>
+                  </p:par>
+                  <p:par>
+                    <p:cTn id="27" fill="hold">
+                      <p:stCondLst>
+                        <p:cond delay="indefinite"/>
+                      </p:stCondLst>
+                      <p:childTnLst>
+                        <p:par>
+                          <p:cTn id="28" fill="hold">
+                            <p:stCondLst>
+                              <p:cond delay="0"/>
+                            </p:stCondLst>
+                            <p:childTnLst>
+                              <p:par>
+                                <p:cTn id="29" presetID="1" presetClass="entr" presetSubtype="0" fill="hold" nodeType="clickEffect">
+                                  <p:stCondLst>
+                                    <p:cond delay="0"/>
+                                  </p:stCondLst>
+                                  <p:childTnLst>
+                                    <p:set>
+                                      <p:cBhvr>
+                                        <p:cTn id="30" dur="1" fill="hold">
+                                          <p:stCondLst>
+                                            <p:cond delay="0"/>
+                                          </p:stCondLst>
+                                        </p:cTn>
+                                        <p:tgtEl>
+                                          <p:spTgt spid="3">
+                                            <p:txEl>
+                                              <p:pRg st="5" end="5"/>
+                                            </p:txEl>
+                                          </p:spTgt>
+                                        </p:tgtEl>
+                                        <p:attrNameLst>
+                                          <p:attrName>style.visibility</p:attrName>
+                                        </p:attrNameLst>
+                                      </p:cBhvr>
+                                      <p:to>
+                                        <p:strVal val="visible"/>
+                                      </p:to>
+                                    </p:set>
+                                  </p:childTnLst>
+                                </p:cTn>
+                              </p:par>
+                              <p:par>
+                                <p:cTn id="31" presetID="1" presetClass="entr" presetSubtype="0" fill="hold" nodeType="withEffect">
+                                  <p:stCondLst>
+                                    <p:cond delay="0"/>
+                                  </p:stCondLst>
+                                  <p:childTnLst>
+                                    <p:set>
+                                      <p:cBhvr>
+                                        <p:cTn id="32" dur="1" fill="hold">
+                                          <p:stCondLst>
+                                            <p:cond delay="0"/>
+                                          </p:stCondLst>
+                                        </p:cTn>
+                                        <p:tgtEl>
+                                          <p:spTgt spid="3">
+                                            <p:txEl>
+                                              <p:pRg st="6" end="6"/>
+                                            </p:txEl>
+                                          </p:spTgt>
+                                        </p:tgtEl>
+                                        <p:attrNameLst>
+                                          <p:attrName>style.visibility</p:attrName>
+                                        </p:attrNameLst>
+                                      </p:cBhvr>
+                                      <p:to>
+                                        <p:strVal val="visible"/>
+                                      </p:to>
+                                    </p:set>
+                                  </p:childTnLst>
+                                </p:cTn>
+                              </p:par>
+                            </p:childTnLst>
+                          </p:cTn>
+                        </p:par>
+                      </p:childTnLst>
+                    </p:cTn>
+                  </p:par>
+                </p:childTnLst>
+              </p:cTn>
+              <p:prevCondLst>
+                <p:cond evt="onPrev" delay="0">
+                  <p:tgtEl>
+                    <p:sldTgt/>
+                  </p:tgtEl>
+                </p:cond>
+              </p:prevCondLst>
+              <p:nextCondLst>
+                <p:cond evt="onNext" delay="0">
+                  <p:tgtEl>
+                    <p:sldTgt/>
+                  </p:tgtEl>
+                </p:cond>
+              </p:nextCondLst>
+            </p:seq>
+          </p:childTnLst>
+        </p:cTn>
+      </p:par>
+    </p:tnLst>
+  </p:timing>
+</p:sld>
+</file>
+
+<file path=ppt/slides/slide9.xml><?xml version="1.0" encoding="utf-8"?>
+<p:sld xmlns:a="http://schemas.openxmlformats.org/drawingml/2006/main" xmlns:r="http://schemas.openxmlformats.org/officeDocument/2006/relationships" xmlns:p="http://schemas.openxmlformats.org/presentationml/2006/main">
+  <p:cSld>
+    <p:spTree>
+      <p:nvGrpSpPr>
+        <p:cNvPr id="1" name=""/>
+        <p:cNvGrpSpPr/>
+        <p:nvPr/>
+      </p:nvGrpSpPr>
+      <p:grpSpPr>
+        <a:xfrm>
+          <a:off x="0" y="0"/>
+          <a:ext cx="0" cy="0"/>
+          <a:chOff x="0" y="0"/>
+          <a:chExt cx="0" cy="0"/>
+        </a:xfrm>
+      </p:grpSpPr>
+      <p:sp>
+        <p:nvSpPr>
+          <p:cNvPr id="2" name="Titel 1">
+            <a:extLst>
+              <a:ext uri="{FF2B5EF4-FFF2-40B4-BE49-F238E27FC236}">
+                <a16:creationId xmlns:a16="http://schemas.microsoft.com/office/drawing/2014/main" id="{DF4451EE-88EC-4178-808C-246DEC952745}"/>
+              </a:ext>
+            </a:extLst>
+          </p:cNvPr>
+          <p:cNvSpPr>
+            <a:spLocks noGrp="1"/>
+          </p:cNvSpPr>
+          <p:nvPr>
+            <p:ph type="title"/>
+          </p:nvPr>
+        </p:nvSpPr>
+        <p:spPr/>
+        <p:txBody>
+          <a:bodyPr/>
+          <a:lstStyle/>
+          <a:p>
+            <a:r>
+              <a:rPr lang="de-DE" dirty="0">
+                <a:solidFill>
+                  <a:schemeClr val="accent1">
+                    <a:lumMod val="75000"/>
+                  </a:schemeClr>
+                </a:solidFill>
+                <a:latin typeface="Century Gothic" panose="020B0502020202020204" pitchFamily="34" charset="0"/>
+              </a:rPr>
+              <a:t>Unsere Werkzeuge</a:t>
+            </a:r>
+            <a:endParaRPr lang="de-DE" dirty="0"/>
+          </a:p>
+        </p:txBody>
+      </p:sp>
+      <p:sp>
+        <p:nvSpPr>
+          <p:cNvPr id="3" name="Inhaltsplatzhalter 2">
+            <a:extLst>
+              <a:ext uri="{FF2B5EF4-FFF2-40B4-BE49-F238E27FC236}">
+                <a16:creationId xmlns:a16="http://schemas.microsoft.com/office/drawing/2014/main" id="{0B3F4702-AAB2-425F-87E0-8D5477B6331B}"/>
+              </a:ext>
+            </a:extLst>
+          </p:cNvPr>
+          <p:cNvSpPr>
+            <a:spLocks noGrp="1"/>
+          </p:cNvSpPr>
+          <p:nvPr>
+            <p:ph idx="1"/>
+          </p:nvPr>
+        </p:nvSpPr>
+        <p:spPr>
+          <a:xfrm>
+            <a:off x="245076" y="1690688"/>
+            <a:ext cx="10515600" cy="4351338"/>
+          </a:xfrm>
+        </p:spPr>
+        <p:txBody>
+          <a:bodyPr/>
+          <a:lstStyle/>
+          <a:p>
+            <a:pPr fontAlgn="base"/>
+            <a:r>
+              <a:rPr lang="de-DE" sz="2400" dirty="0">
+                <a:latin typeface="Courier"/>
+              </a:rPr>
+              <a:t>Visual Studio 2015 (Compiler) </a:t>
+            </a:r>
+          </a:p>
+          <a:p>
+            <a:pPr fontAlgn="base"/>
+            <a:r>
+              <a:rPr lang="de-DE" sz="2400" dirty="0">
+                <a:latin typeface="Courier"/>
+              </a:rPr>
+              <a:t>Windows 10 Development Kit (Debugger) </a:t>
+            </a:r>
+          </a:p>
+          <a:p>
+            <a:pPr fontAlgn="base"/>
+            <a:r>
+              <a:rPr lang="de-DE" sz="2400" dirty="0">
+                <a:latin typeface="Courier"/>
+              </a:rPr>
+              <a:t>MySQL- Server(online) </a:t>
+            </a:r>
+          </a:p>
+          <a:p>
+            <a:pPr fontAlgn="base"/>
+            <a:r>
+              <a:rPr lang="de-DE" sz="2400" dirty="0">
+                <a:latin typeface="Courier"/>
+              </a:rPr>
+              <a:t>Linux Server (mit Plesk) </a:t>
+            </a:r>
+          </a:p>
+          <a:p>
+            <a:pPr fontAlgn="base"/>
+            <a:r>
+              <a:rPr lang="de-DE" sz="2400" dirty="0">
+                <a:latin typeface="Courier"/>
+              </a:rPr>
+              <a:t>SQLite Datenbank (offline) </a:t>
+            </a:r>
+          </a:p>
+          <a:p>
+            <a:pPr fontAlgn="base"/>
+            <a:r>
+              <a:rPr lang="de-DE" sz="2400" dirty="0">
+                <a:latin typeface="Courier"/>
+              </a:rPr>
+              <a:t>SQLite Manager</a:t>
+            </a:r>
+            <a:r>
+              <a:rPr lang="de-DE" dirty="0"/>
+              <a:t> </a:t>
+            </a:r>
+          </a:p>
+          <a:p>
+            <a:pPr marL="0" indent="0" fontAlgn="base">
+              <a:buNone/>
+            </a:pPr>
+            <a:r>
+              <a:rPr lang="de-DE" dirty="0"/>
+              <a:t> </a:t>
+            </a:r>
+          </a:p>
+          <a:p>
+            <a:pPr marL="0" indent="0">
+              <a:buNone/>
+            </a:pPr>
+            <a:endParaRPr lang="de-DE" dirty="0"/>
+          </a:p>
+        </p:txBody>
+      </p:sp>
+      <p:pic>
+        <p:nvPicPr>
+          <p:cNvPr id="4" name="Grafik 3">
+            <a:extLst>
+              <a:ext uri="{FF2B5EF4-FFF2-40B4-BE49-F238E27FC236}">
+                <a16:creationId xmlns:a16="http://schemas.microsoft.com/office/drawing/2014/main" id="{3D373F65-C77D-4D3D-8982-136F5B487FFD}"/>
+              </a:ext>
+            </a:extLst>
+          </p:cNvPr>
+          <p:cNvPicPr>
+            <a:picLocks noChangeAspect="1"/>
+          </p:cNvPicPr>
+          <p:nvPr/>
+        </p:nvPicPr>
+        <p:blipFill>
+          <a:blip r:embed="rId2"/>
+          <a:stretch>
+            <a:fillRect/>
+          </a:stretch>
+        </p:blipFill>
+        <p:spPr>
+          <a:xfrm>
+            <a:off x="5263978" y="2644647"/>
+            <a:ext cx="6928022" cy="4213353"/>
+          </a:xfrm>
+          <a:prstGeom prst="rect">
+            <a:avLst/>
+          </a:prstGeom>
+        </p:spPr>
+      </p:pic>
+      <p:pic>
+        <p:nvPicPr>
+          <p:cNvPr id="5" name="Grafik 4">
+            <a:extLst>
+              <a:ext uri="{FF2B5EF4-FFF2-40B4-BE49-F238E27FC236}">
+                <a16:creationId xmlns:a16="http://schemas.microsoft.com/office/drawing/2014/main" id="{6B16EF75-43EE-4130-B536-8FEF098EA439}"/>
+              </a:ext>
+            </a:extLst>
+          </p:cNvPr>
+          <p:cNvPicPr>
+            <a:picLocks noChangeAspect="1"/>
+          </p:cNvPicPr>
+          <p:nvPr/>
+        </p:nvPicPr>
+        <p:blipFill>
+          <a:blip r:embed="rId3"/>
+          <a:stretch>
+            <a:fillRect/>
+          </a:stretch>
+        </p:blipFill>
+        <p:spPr>
+          <a:xfrm>
+            <a:off x="5906530" y="2695772"/>
+            <a:ext cx="6285470" cy="4162228"/>
+          </a:xfrm>
+          <a:prstGeom prst="rect">
+            <a:avLst/>
+          </a:prstGeom>
+        </p:spPr>
+      </p:pic>
+    </p:spTree>
+    <p:extLst>
+      <p:ext uri="{BB962C8B-B14F-4D97-AF65-F5344CB8AC3E}">
+        <p14:creationId xmlns:p14="http://schemas.microsoft.com/office/powerpoint/2010/main" val="156483488"/>
+      </p:ext>
+    </p:extLst>
+  </p:cSld>
+  <p:clrMapOvr>
+    <a:masterClrMapping/>
+  </p:clrMapOvr>
+  <p:timing>
+    <p:tnLst>
+      <p:par>
+        <p:cTn id="1" dur="indefinite" restart="never" nodeType="tmRoot">
+          <p:childTnLst>
+            <p:seq concurrent="1" nextAc="seek">
+              <p:cTn id="2" dur="indefinite" nodeType="mainSeq">
+                <p:childTnLst>
+                  <p:par>
+                    <p:cTn id="3" fill="hold">
+                      <p:stCondLst>
+                        <p:cond delay="indefinite"/>
+                      </p:stCondLst>
+                      <p:childTnLst>
+                        <p:par>
+                          <p:cTn id="4" fill="hold">
+                            <p:stCondLst>
+                              <p:cond delay="0"/>
+                            </p:stCondLst>
+                            <p:childTnLst>
+                              <p:par>
+                                <p:cTn id="5" presetID="1" presetClass="entr" presetSubtype="0" fill="hold" nodeType="clickEffect">
+                                  <p:stCondLst>
+                                    <p:cond delay="0"/>
+                                  </p:stCondLst>
+                                  <p:childTnLst>
+                                    <p:set>
+                                      <p:cBhvr>
+                                        <p:cTn id="6" dur="1" fill="hold">
+                                          <p:stCondLst>
+                                            <p:cond delay="0"/>
+                                          </p:stCondLst>
+                                        </p:cTn>
+                                        <p:tgtEl>
+                                          <p:spTgt spid="3">
+                                            <p:txEl>
+                                              <p:pRg st="0" end="0"/>
+                                            </p:txEl>
+                                          </p:spTgt>
+                                        </p:tgtEl>
+                                        <p:attrNameLst>
+                                          <p:attrName>style.visibility</p:attrName>
+                                        </p:attrNameLst>
+                                      </p:cBhvr>
+                                      <p:to>
+                                        <p:strVal val="visible"/>
+                                      </p:to>
+                                    </p:set>
+                                  </p:childTnLst>
+                                </p:cTn>
+                              </p:par>
+                              <p:par>
+                                <p:cTn id="7" presetID="1" presetClass="entr" presetSubtype="0" fill="hold" nodeType="withEffect">
+                                  <p:stCondLst>
+                                    <p:cond delay="0"/>
+                                  </p:stCondLst>
+                                  <p:childTnLst>
+                                    <p:set>
+                                      <p:cBhvr>
+                                        <p:cTn id="8" dur="1" fill="hold">
+                                          <p:stCondLst>
+                                            <p:cond delay="0"/>
+                                          </p:stCondLst>
+                                        </p:cTn>
+                                        <p:tgtEl>
+                                          <p:spTgt spid="3">
+                                            <p:txEl>
+                                              <p:pRg st="1" end="1"/>
+                                            </p:txEl>
+                                          </p:spTgt>
+                                        </p:tgtEl>
+                                        <p:attrNameLst>
+                                          <p:attrName>style.visibility</p:attrName>
+                                        </p:attrNameLst>
+                                      </p:cBhvr>
+                                      <p:to>
+                                        <p:strVal val="visible"/>
+                                      </p:to>
+                                    </p:set>
+                                  </p:childTnLst>
+                                </p:cTn>
+                              </p:par>
+                            </p:childTnLst>
+                          </p:cTn>
+                        </p:par>
+                      </p:childTnLst>
+                    </p:cTn>
+                  </p:par>
+                  <p:par>
+                    <p:cTn id="9" fill="hold">
+                      <p:stCondLst>
+                        <p:cond delay="indefinite"/>
+                      </p:stCondLst>
+                      <p:childTnLst>
+                        <p:par>
+                          <p:cTn id="10" fill="hold">
+                            <p:stCondLst>
+                              <p:cond delay="0"/>
+                            </p:stCondLst>
+                            <p:childTnLst>
+                              <p:par>
+                                <p:cTn id="11" presetID="22" presetClass="entr" presetSubtype="4" fill="hold" nodeType="clickEffect">
+                                  <p:stCondLst>
+                                    <p:cond delay="0"/>
+                                  </p:stCondLst>
+                                  <p:childTnLst>
+                                    <p:set>
+                                      <p:cBhvr>
+                                        <p:cTn id="12" dur="1" fill="hold">
+                                          <p:stCondLst>
+                                            <p:cond delay="0"/>
+                                          </p:stCondLst>
+                                        </p:cTn>
+                                        <p:tgtEl>
+                                          <p:spTgt spid="3">
+                                            <p:txEl>
+                                              <p:pRg st="2" end="2"/>
+                                            </p:txEl>
+                                          </p:spTgt>
+                                        </p:tgtEl>
+                                        <p:attrNameLst>
+                                          <p:attrName>style.visibility</p:attrName>
+                                        </p:attrNameLst>
+                                      </p:cBhvr>
+                                      <p:to>
+                                        <p:strVal val="visible"/>
+                                      </p:to>
+                                    </p:set>
+                                    <p:animEffect transition="in" filter="wipe(down)">
+                                      <p:cBhvr>
+                                        <p:cTn id="13" dur="500"/>
+                                        <p:tgtEl>
+                                          <p:spTgt spid="3">
+                                            <p:txEl>
+                                              <p:pRg st="2" end="2"/>
+                                            </p:txEl>
+                                          </p:spTgt>
+                                        </p:tgtEl>
+                                      </p:cBhvr>
+                                    </p:animEffect>
+                                  </p:childTnLst>
+                                </p:cTn>
+                              </p:par>
+                              <p:par>
+                                <p:cTn id="14" presetID="22" presetClass="entr" presetSubtype="4" fill="hold" nodeType="withEffect">
+                                  <p:stCondLst>
+                                    <p:cond delay="0"/>
+                                  </p:stCondLst>
+                                  <p:childTnLst>
+                                    <p:set>
+                                      <p:cBhvr>
+                                        <p:cTn id="15" dur="1" fill="hold">
+                                          <p:stCondLst>
+                                            <p:cond delay="0"/>
+                                          </p:stCondLst>
+                                        </p:cTn>
+                                        <p:tgtEl>
+                                          <p:spTgt spid="3">
+                                            <p:txEl>
+                                              <p:pRg st="3" end="3"/>
+                                            </p:txEl>
+                                          </p:spTgt>
+                                        </p:tgtEl>
+                                        <p:attrNameLst>
+                                          <p:attrName>style.visibility</p:attrName>
+                                        </p:attrNameLst>
+                                      </p:cBhvr>
+                                      <p:to>
+                                        <p:strVal val="visible"/>
+                                      </p:to>
+                                    </p:set>
+                                    <p:animEffect transition="in" filter="wipe(down)">
+                                      <p:cBhvr>
+                                        <p:cTn id="16" dur="500"/>
+                                        <p:tgtEl>
+                                          <p:spTgt spid="3">
+                                            <p:txEl>
+                                              <p:pRg st="3" end="3"/>
+                                            </p:txEl>
+                                          </p:spTgt>
+                                        </p:tgtEl>
+                                      </p:cBhvr>
+                                    </p:animEffect>
+                                  </p:childTnLst>
+                                </p:cTn>
+                              </p:par>
+                            </p:childTnLst>
+                          </p:cTn>
+                        </p:par>
+                      </p:childTnLst>
+                    </p:cTn>
+                  </p:par>
+                  <p:par>
+                    <p:cTn id="17" fill="hold">
+                      <p:stCondLst>
+                        <p:cond delay="indefinite"/>
+                      </p:stCondLst>
+                      <p:childTnLst>
+                        <p:par>
+                          <p:cTn id="18" fill="hold">
+                            <p:stCondLst>
+                              <p:cond delay="0"/>
+                            </p:stCondLst>
+                            <p:childTnLst>
+                              <p:par>
+                                <p:cTn id="19" presetID="22" presetClass="entr" presetSubtype="4" fill="hold" nodeType="clickEffect">
+                                  <p:stCondLst>
+                                    <p:cond delay="0"/>
+                                  </p:stCondLst>
+                                  <p:childTnLst>
+                                    <p:set>
+                                      <p:cBhvr>
+                                        <p:cTn id="20" dur="1" fill="hold">
+                                          <p:stCondLst>
+                                            <p:cond delay="0"/>
+                                          </p:stCondLst>
+                                        </p:cTn>
+                                        <p:tgtEl>
+                                          <p:spTgt spid="5"/>
+                                        </p:tgtEl>
+                                        <p:attrNameLst>
+                                          <p:attrName>style.visibility</p:attrName>
+                                        </p:attrNameLst>
+                                      </p:cBhvr>
+                                      <p:to>
+                                        <p:strVal val="visible"/>
+                                      </p:to>
+                                    </p:set>
+                                    <p:animEffect transition="in" filter="wipe(down)">
+                                      <p:cBhvr>
+                                        <p:cTn id="21" dur="500"/>
+                                        <p:tgtEl>
+                                          <p:spTgt spid="5"/>
+                                        </p:tgtEl>
+                                      </p:cBhvr>
+                                    </p:animEffect>
+                                  </p:childTnLst>
+                                </p:cTn>
+                              </p:par>
+                            </p:childTnLst>
+                          </p:cTn>
+                        </p:par>
+                      </p:childTnLst>
+                    </p:cTn>
+                  </p:par>
+                  <p:par>
+                    <p:cTn id="22" fill="hold">
+                      <p:stCondLst>
+                        <p:cond delay="indefinite"/>
+                      </p:stCondLst>
+                      <p:childTnLst>
+                        <p:par>
+                          <p:cTn id="23" fill="hold">
+                            <p:stCondLst>
+                              <p:cond delay="0"/>
+                            </p:stCondLst>
+                            <p:childTnLst>
+                              <p:par>
+                                <p:cTn id="24" presetID="22" presetClass="exit" presetSubtype="4" fill="hold" nodeType="clickEffect">
+                                  <p:stCondLst>
+                                    <p:cond delay="0"/>
+                                  </p:stCondLst>
+                                  <p:childTnLst>
+                                    <p:animEffect transition="out" filter="wipe(down)">
+                                      <p:cBhvr>
+                                        <p:cTn id="25" dur="500"/>
+                                        <p:tgtEl>
+                                          <p:spTgt spid="5"/>
+                                        </p:tgtEl>
+                                      </p:cBhvr>
+                                    </p:animEffect>
+                                    <p:set>
+                                      <p:cBhvr>
+                                        <p:cTn id="26" dur="1" fill="hold">
+                                          <p:stCondLst>
+                                            <p:cond delay="499"/>
+                                          </p:stCondLst>
+                                        </p:cTn>
+                                        <p:tgtEl>
+                                          <p:spTgt spid="5"/>
+                                        </p:tgtEl>
+                                        <p:attrNameLst>
+                                          <p:attrName>style.visibility</p:attrName>
+                                        </p:attrNameLst>
+                                      </p:cBhvr>
+                                      <p:to>
+                                        <p:strVal val="hidden"/>
+                                      </p:to>
+                                    </p:set>
+                                  </p:childTnLst>
+                                </p:cTn>
+                              </p:par>
+                            </p:childTnLst>
+                          </p:cTn>
+                        </p:par>
+                      </p:childTnLst>
+                    </p:cTn>
+                  </p:par>
+                  <p:par>
+                    <p:cTn id="27" fill="hold">
+                      <p:stCondLst>
+                        <p:cond delay="indefinite"/>
+                      </p:stCondLst>
+                      <p:childTnLst>
+                        <p:par>
+                          <p:cTn id="28" fill="hold">
+                            <p:stCondLst>
+                              <p:cond delay="0"/>
+                            </p:stCondLst>
+                            <p:childTnLst>
+                              <p:par>
+                                <p:cTn id="29" presetID="22" presetClass="entr" presetSubtype="4" fill="hold" nodeType="clickEffect">
+                                  <p:stCondLst>
+                                    <p:cond delay="0"/>
+                                  </p:stCondLst>
+                                  <p:childTnLst>
+                                    <p:set>
+                                      <p:cBhvr>
+                                        <p:cTn id="30" dur="1" fill="hold">
+                                          <p:stCondLst>
+                                            <p:cond delay="0"/>
+                                          </p:stCondLst>
+                                        </p:cTn>
+                                        <p:tgtEl>
+                                          <p:spTgt spid="3">
+                                            <p:txEl>
+                                              <p:pRg st="4" end="4"/>
+                                            </p:txEl>
+                                          </p:spTgt>
+                                        </p:tgtEl>
+                                        <p:attrNameLst>
+                                          <p:attrName>style.visibility</p:attrName>
+                                        </p:attrNameLst>
+                                      </p:cBhvr>
+                                      <p:to>
+                                        <p:strVal val="visible"/>
+                                      </p:to>
+                                    </p:set>
+                                    <p:animEffect transition="in" filter="wipe(down)">
+                                      <p:cBhvr>
+                                        <p:cTn id="31" dur="500"/>
+                                        <p:tgtEl>
+                                          <p:spTgt spid="3">
+                                            <p:txEl>
+                                              <p:pRg st="4" end="4"/>
+                                            </p:txEl>
+                                          </p:spTgt>
+                                        </p:tgtEl>
+                                      </p:cBhvr>
+                                    </p:animEffect>
+                                  </p:childTnLst>
+                                </p:cTn>
+                              </p:par>
+                              <p:par>
+                                <p:cTn id="32" presetID="22" presetClass="entr" presetSubtype="4" fill="hold" nodeType="withEffect">
+                                  <p:stCondLst>
+                                    <p:cond delay="0"/>
+                                  </p:stCondLst>
+                                  <p:childTnLst>
+                                    <p:set>
+                                      <p:cBhvr>
+                                        <p:cTn id="33" dur="1" fill="hold">
+                                          <p:stCondLst>
+                                            <p:cond delay="0"/>
+                                          </p:stCondLst>
+                                        </p:cTn>
+                                        <p:tgtEl>
+                                          <p:spTgt spid="3">
+                                            <p:txEl>
+                                              <p:pRg st="5" end="5"/>
+                                            </p:txEl>
+                                          </p:spTgt>
+                                        </p:tgtEl>
+                                        <p:attrNameLst>
+                                          <p:attrName>style.visibility</p:attrName>
+                                        </p:attrNameLst>
+                                      </p:cBhvr>
+                                      <p:to>
+                                        <p:strVal val="visible"/>
+                                      </p:to>
+                                    </p:set>
+                                    <p:animEffect transition="in" filter="wipe(down)">
+                                      <p:cBhvr>
+                                        <p:cTn id="34" dur="500"/>
+                                        <p:tgtEl>
+                                          <p:spTgt spid="3">
+                                            <p:txEl>
+                                              <p:pRg st="5" end="5"/>
+                                            </p:txEl>
+                                          </p:spTgt>
+                                        </p:tgtEl>
+                                      </p:cBhvr>
+                                    </p:animEffect>
+                                  </p:childTnLst>
+                                </p:cTn>
+                              </p:par>
+                            </p:childTnLst>
+                          </p:cTn>
+                        </p:par>
+                      </p:childTnLst>
+                    </p:cTn>
+                  </p:par>
+                  <p:par>
+                    <p:cTn id="35" fill="hold">
+                      <p:stCondLst>
+                        <p:cond delay="indefinite"/>
+                      </p:stCondLst>
+                      <p:childTnLst>
+                        <p:par>
+                          <p:cTn id="36" fill="hold">
+                            <p:stCondLst>
+                              <p:cond delay="0"/>
+                            </p:stCondLst>
+                            <p:childTnLst>
+                              <p:par>
+                                <p:cTn id="37" presetID="22" presetClass="entr" presetSubtype="4" fill="hold" nodeType="clickEffect">
+                                  <p:stCondLst>
+                                    <p:cond delay="0"/>
+                                  </p:stCondLst>
+                                  <p:childTnLst>
+                                    <p:set>
+                                      <p:cBhvr>
+                                        <p:cTn id="38" dur="1" fill="hold">
+                                          <p:stCondLst>
+                                            <p:cond delay="0"/>
+                                          </p:stCondLst>
+                                        </p:cTn>
+                                        <p:tgtEl>
+                                          <p:spTgt spid="4"/>
+                                        </p:tgtEl>
+                                        <p:attrNameLst>
+                                          <p:attrName>style.visibility</p:attrName>
+                                        </p:attrNameLst>
+                                      </p:cBhvr>
+                                      <p:to>
+                                        <p:strVal val="visible"/>
+                                      </p:to>
+                                    </p:set>
+                                    <p:animEffect transition="in" filter="wipe(down)">
+                                      <p:cBhvr>
+                                        <p:cTn id="39" dur="500"/>
+                                        <p:tgtEl>
+                                          <p:spTgt spid="4"/>
+                                        </p:tgtEl>
+                                      </p:cBhvr>
+                                    </p:animEffect>
+                                  </p:childTnLst>
+                                </p:cTn>
+                              </p:par>
+                            </p:childTnLst>
+                          </p:cTn>
+                        </p:par>
+                      </p:childTnLst>
+                    </p:cTn>
+                  </p:par>
+                  <p:par>
+                    <p:cTn id="40" fill="hold">
+                      <p:stCondLst>
+                        <p:cond delay="indefinite"/>
+                      </p:stCondLst>
+                      <p:childTnLst>
+                        <p:par>
+                          <p:cTn id="41" fill="hold">
+                            <p:stCondLst>
+                              <p:cond delay="0"/>
+                            </p:stCondLst>
+                            <p:childTnLst>
+                              <p:par>
+                                <p:cTn id="42" presetID="10" presetClass="exit" presetSubtype="0" fill="hold" nodeType="clickEffect">
+                                  <p:stCondLst>
+                                    <p:cond delay="0"/>
+                                  </p:stCondLst>
+                                  <p:childTnLst>
+                                    <p:animEffect transition="out" filter="fade">
+                                      <p:cBhvr>
+                                        <p:cTn id="43" dur="500"/>
+                                        <p:tgtEl>
+                                          <p:spTgt spid="4"/>
+                                        </p:tgtEl>
+                                      </p:cBhvr>
+                                    </p:animEffect>
+                                    <p:set>
+                                      <p:cBhvr>
+                                        <p:cTn id="44" dur="1" fill="hold">
+                                          <p:stCondLst>
+                                            <p:cond delay="499"/>
+                                          </p:stCondLst>
+                                        </p:cTn>
+                                        <p:tgtEl>
+                                          <p:spTgt spid="4"/>
+                                        </p:tgtEl>
+                                        <p:attrNameLst>
+                                          <p:attrName>style.visibility</p:attrName>
+                                        </p:attrNameLst>
+                                      </p:cBhvr>
+                                      <p:to>
+                                        <p:strVal val="hidden"/>
+                                      </p:to>
+                                    </p:set>
+                                  </p:childTnLst>
+                                </p:cTn>
+                              </p:par>
+                            </p:childTnLst>
+                          </p:cTn>
+                        </p:par>
+                      </p:childTnLst>
+                    </p:cTn>
+                  </p:par>
+                  <p:par>
+                    <p:cTn id="45" fill="hold">
+                      <p:stCondLst>
+                        <p:cond delay="indefinite"/>
+                      </p:stCondLst>
+                      <p:childTnLst>
+                        <p:par>
+                          <p:cTn id="46" fill="hold">
+                            <p:stCondLst>
+                              <p:cond delay="0"/>
+                            </p:stCondLst>
+                            <p:childTnLst>
+                              <p:par>
+                                <p:cTn id="47" presetID="1" presetClass="entr" presetSubtype="0" fill="hold" nodeType="clickEffect">
+                                  <p:stCondLst>
+                                    <p:cond delay="0"/>
+                                  </p:stCondLst>
+                                  <p:childTnLst>
+                                    <p:set>
+                                      <p:cBhvr>
+                                        <p:cTn id="48" dur="1" fill="hold">
+                                          <p:stCondLst>
+                                            <p:cond delay="0"/>
+                                          </p:stCondLst>
+                                        </p:cTn>
+                                        <p:tgtEl>
+                                          <p:spTgt spid="3">
+                                            <p:txEl>
+                                              <p:pRg st="6" end="6"/>
+                                            </p:txEl>
+                                          </p:spTgt>
+                                        </p:tgtEl>
+                                        <p:attrNameLst>
+                                          <p:attrName>style.visibility</p:attrName>
+                                        </p:attrNameLst>
+                                      </p:cBhvr>
+                                      <p:to>
+                                        <p:strVal val="visible"/>
+                                      </p:to>
+                                    </p:set>
                                   </p:childTnLst>
                                 </p:cTn>
                               </p:par>

--- a/Meilensteine/MS 5/Projekt.pptx
+++ b/Meilensteine/MS 5/Projekt.pptx
@@ -11599,7 +11599,7 @@
         </p:nvSpPr>
         <p:spPr>
           <a:xfrm>
-            <a:off x="259043" y="1878776"/>
+            <a:off x="259043" y="1732472"/>
             <a:ext cx="3932237" cy="3811588"/>
           </a:xfrm>
         </p:spPr>
@@ -11679,6 +11679,14 @@
             <a:r>
               <a:rPr lang="en-US" sz="2600" dirty="0"/>
               <a:t> </a:t>
+            </a:r>
+            <a:r>
+              <a:rPr lang="en-US" sz="2600" dirty="0" err="1"/>
+              <a:t>Verbindungen</a:t>
+            </a:r>
+            <a:r>
+              <a:rPr lang="en-US" sz="2600" dirty="0"/>
+              <a:t> der </a:t>
             </a:r>
             <a:r>
               <a:rPr lang="en-US" sz="2600" dirty="0" err="1"/>

--- a/Meilensteine/MS 5/Projekt.pptx
+++ b/Meilensteine/MS 5/Projekt.pptx
@@ -302,7 +302,7 @@
           <a:p>
             <a:fld id="{CC4B9ACB-A791-4168-BE73-4D419138C425}" type="datetimeFigureOut">
               <a:rPr lang="de-DE" smtClean="0"/>
-              <a:t>03.07.2017</a:t>
+              <a:t>04.07.2017</a:t>
             </a:fld>
             <a:endParaRPr lang="de-DE"/>
           </a:p>
@@ -500,7 +500,7 @@
           <a:p>
             <a:fld id="{CC4B9ACB-A791-4168-BE73-4D419138C425}" type="datetimeFigureOut">
               <a:rPr lang="de-DE" smtClean="0"/>
-              <a:t>03.07.2017</a:t>
+              <a:t>04.07.2017</a:t>
             </a:fld>
             <a:endParaRPr lang="de-DE"/>
           </a:p>
@@ -708,7 +708,7 @@
           <a:p>
             <a:fld id="{CC4B9ACB-A791-4168-BE73-4D419138C425}" type="datetimeFigureOut">
               <a:rPr lang="de-DE" smtClean="0"/>
-              <a:t>03.07.2017</a:t>
+              <a:t>04.07.2017</a:t>
             </a:fld>
             <a:endParaRPr lang="de-DE"/>
           </a:p>
@@ -906,7 +906,7 @@
           <a:p>
             <a:fld id="{CC4B9ACB-A791-4168-BE73-4D419138C425}" type="datetimeFigureOut">
               <a:rPr lang="de-DE" smtClean="0"/>
-              <a:t>03.07.2017</a:t>
+              <a:t>04.07.2017</a:t>
             </a:fld>
             <a:endParaRPr lang="de-DE"/>
           </a:p>
@@ -1181,7 +1181,7 @@
           <a:p>
             <a:fld id="{CC4B9ACB-A791-4168-BE73-4D419138C425}" type="datetimeFigureOut">
               <a:rPr lang="de-DE" smtClean="0"/>
-              <a:t>03.07.2017</a:t>
+              <a:t>04.07.2017</a:t>
             </a:fld>
             <a:endParaRPr lang="de-DE"/>
           </a:p>
@@ -1446,7 +1446,7 @@
           <a:p>
             <a:fld id="{CC4B9ACB-A791-4168-BE73-4D419138C425}" type="datetimeFigureOut">
               <a:rPr lang="de-DE" smtClean="0"/>
-              <a:t>03.07.2017</a:t>
+              <a:t>04.07.2017</a:t>
             </a:fld>
             <a:endParaRPr lang="de-DE"/>
           </a:p>
@@ -1858,7 +1858,7 @@
           <a:p>
             <a:fld id="{CC4B9ACB-A791-4168-BE73-4D419138C425}" type="datetimeFigureOut">
               <a:rPr lang="de-DE" smtClean="0"/>
-              <a:t>03.07.2017</a:t>
+              <a:t>04.07.2017</a:t>
             </a:fld>
             <a:endParaRPr lang="de-DE"/>
           </a:p>
@@ -1999,7 +1999,7 @@
           <a:p>
             <a:fld id="{CC4B9ACB-A791-4168-BE73-4D419138C425}" type="datetimeFigureOut">
               <a:rPr lang="de-DE" smtClean="0"/>
-              <a:t>03.07.2017</a:t>
+              <a:t>04.07.2017</a:t>
             </a:fld>
             <a:endParaRPr lang="de-DE"/>
           </a:p>
@@ -2112,7 +2112,7 @@
           <a:p>
             <a:fld id="{CC4B9ACB-A791-4168-BE73-4D419138C425}" type="datetimeFigureOut">
               <a:rPr lang="de-DE" smtClean="0"/>
-              <a:t>03.07.2017</a:t>
+              <a:t>04.07.2017</a:t>
             </a:fld>
             <a:endParaRPr lang="de-DE"/>
           </a:p>
@@ -2423,7 +2423,7 @@
           <a:p>
             <a:fld id="{CC4B9ACB-A791-4168-BE73-4D419138C425}" type="datetimeFigureOut">
               <a:rPr lang="de-DE" smtClean="0"/>
-              <a:t>03.07.2017</a:t>
+              <a:t>04.07.2017</a:t>
             </a:fld>
             <a:endParaRPr lang="de-DE"/>
           </a:p>
@@ -2711,7 +2711,7 @@
           <a:p>
             <a:fld id="{CC4B9ACB-A791-4168-BE73-4D419138C425}" type="datetimeFigureOut">
               <a:rPr lang="de-DE" smtClean="0"/>
-              <a:t>03.07.2017</a:t>
+              <a:t>04.07.2017</a:t>
             </a:fld>
             <a:endParaRPr lang="de-DE"/>
           </a:p>
@@ -2961,7 +2961,7 @@
           <a:p>
             <a:fld id="{CC4B9ACB-A791-4168-BE73-4D419138C425}" type="datetimeFigureOut">
               <a:rPr lang="de-DE" smtClean="0"/>
-              <a:t>03.07.2017</a:t>
+              <a:t>04.07.2017</a:t>
             </a:fld>
             <a:endParaRPr lang="de-DE"/>
           </a:p>
@@ -10017,7 +10017,7 @@
               <a:rPr lang="de-DE" dirty="0">
                 <a:latin typeface="Courier"/>
               </a:rPr>
-              <a:t>MySQL Verbindung herstellen </a:t>
+              <a:t>MySQL Server Verbindung herstellen </a:t>
             </a:r>
           </a:p>
           <a:p>

--- a/Meilensteine/MS 5/Projekt.pptx
+++ b/Meilensteine/MS 5/Projekt.pptx
@@ -11980,10 +11980,10 @@
       </p:grpSpPr>
       <p:pic>
         <p:nvPicPr>
-          <p:cNvPr id="3" name="Grafik 2" descr="Ein Bild, das Text, Karte enthält.&#10;&#10;Mit sehr hoher Zuverlässigkeit generierte Beschreibung">
+          <p:cNvPr id="4" name="Grafik 3" descr="Ein Bild, das Text, Karte enthält.&#10;&#10;Mit sehr hoher Zuverlässigkeit generierte Beschreibung">
             <a:extLst>
               <a:ext uri="{FF2B5EF4-FFF2-40B4-BE49-F238E27FC236}">
-                <a16:creationId xmlns:a16="http://schemas.microsoft.com/office/drawing/2014/main" id="{589BBBCB-D6E1-4605-8552-81B771AF5D83}"/>
+                <a16:creationId xmlns:a16="http://schemas.microsoft.com/office/drawing/2014/main" id="{4C7143B0-3906-4050-BA4D-9789CB478A1C}"/>
               </a:ext>
             </a:extLst>
           </p:cNvPr>
@@ -12006,8 +12006,8 @@
         </p:blipFill>
         <p:spPr>
           <a:xfrm>
-            <a:off x="2601797" y="0"/>
-            <a:ext cx="7036558" cy="6858000"/>
+            <a:off x="2676193" y="0"/>
+            <a:ext cx="6839614" cy="6858000"/>
           </a:xfrm>
           <a:prstGeom prst="rect">
             <a:avLst/>

--- a/Meilensteine/MS 5/Projekt.pptx
+++ b/Meilensteine/MS 5/Projekt.pptx
@@ -304,7 +304,7 @@
               <a:rPr lang="de-DE" smtClean="0"/>
               <a:t>04.07.2017</a:t>
             </a:fld>
-            <a:endParaRPr lang="de-DE"/>
+            <a:endParaRPr lang="de-DE" dirty="0"/>
           </a:p>
         </p:txBody>
       </p:sp>
@@ -329,7 +329,7 @@
           <a:bodyPr/>
           <a:lstStyle/>
           <a:p>
-            <a:endParaRPr lang="de-DE"/>
+            <a:endParaRPr lang="de-DE" dirty="0"/>
           </a:p>
         </p:txBody>
       </p:sp>
@@ -358,7 +358,7 @@
               <a:rPr lang="de-DE" smtClean="0"/>
               <a:t>‹Nr.›</a:t>
             </a:fld>
-            <a:endParaRPr lang="de-DE"/>
+            <a:endParaRPr lang="de-DE" dirty="0"/>
           </a:p>
         </p:txBody>
       </p:sp>
@@ -502,7 +502,7 @@
               <a:rPr lang="de-DE" smtClean="0"/>
               <a:t>04.07.2017</a:t>
             </a:fld>
-            <a:endParaRPr lang="de-DE"/>
+            <a:endParaRPr lang="de-DE" dirty="0"/>
           </a:p>
         </p:txBody>
       </p:sp>
@@ -527,7 +527,7 @@
           <a:bodyPr/>
           <a:lstStyle/>
           <a:p>
-            <a:endParaRPr lang="de-DE"/>
+            <a:endParaRPr lang="de-DE" dirty="0"/>
           </a:p>
         </p:txBody>
       </p:sp>
@@ -556,7 +556,7 @@
               <a:rPr lang="de-DE" smtClean="0"/>
               <a:t>‹Nr.›</a:t>
             </a:fld>
-            <a:endParaRPr lang="de-DE"/>
+            <a:endParaRPr lang="de-DE" dirty="0"/>
           </a:p>
         </p:txBody>
       </p:sp>
@@ -710,7 +710,7 @@
               <a:rPr lang="de-DE" smtClean="0"/>
               <a:t>04.07.2017</a:t>
             </a:fld>
-            <a:endParaRPr lang="de-DE"/>
+            <a:endParaRPr lang="de-DE" dirty="0"/>
           </a:p>
         </p:txBody>
       </p:sp>
@@ -735,7 +735,7 @@
           <a:bodyPr/>
           <a:lstStyle/>
           <a:p>
-            <a:endParaRPr lang="de-DE"/>
+            <a:endParaRPr lang="de-DE" dirty="0"/>
           </a:p>
         </p:txBody>
       </p:sp>
@@ -764,7 +764,7 @@
               <a:rPr lang="de-DE" smtClean="0"/>
               <a:t>‹Nr.›</a:t>
             </a:fld>
-            <a:endParaRPr lang="de-DE"/>
+            <a:endParaRPr lang="de-DE" dirty="0"/>
           </a:p>
         </p:txBody>
       </p:sp>
@@ -908,7 +908,7 @@
               <a:rPr lang="de-DE" smtClean="0"/>
               <a:t>04.07.2017</a:t>
             </a:fld>
-            <a:endParaRPr lang="de-DE"/>
+            <a:endParaRPr lang="de-DE" dirty="0"/>
           </a:p>
         </p:txBody>
       </p:sp>
@@ -933,7 +933,7 @@
           <a:bodyPr/>
           <a:lstStyle/>
           <a:p>
-            <a:endParaRPr lang="de-DE"/>
+            <a:endParaRPr lang="de-DE" dirty="0"/>
           </a:p>
         </p:txBody>
       </p:sp>
@@ -962,7 +962,7 @@
               <a:rPr lang="de-DE" smtClean="0"/>
               <a:t>‹Nr.›</a:t>
             </a:fld>
-            <a:endParaRPr lang="de-DE"/>
+            <a:endParaRPr lang="de-DE" dirty="0"/>
           </a:p>
         </p:txBody>
       </p:sp>
@@ -1183,7 +1183,7 @@
               <a:rPr lang="de-DE" smtClean="0"/>
               <a:t>04.07.2017</a:t>
             </a:fld>
-            <a:endParaRPr lang="de-DE"/>
+            <a:endParaRPr lang="de-DE" dirty="0"/>
           </a:p>
         </p:txBody>
       </p:sp>
@@ -1208,7 +1208,7 @@
           <a:bodyPr/>
           <a:lstStyle/>
           <a:p>
-            <a:endParaRPr lang="de-DE"/>
+            <a:endParaRPr lang="de-DE" dirty="0"/>
           </a:p>
         </p:txBody>
       </p:sp>
@@ -1237,7 +1237,7 @@
               <a:rPr lang="de-DE" smtClean="0"/>
               <a:t>‹Nr.›</a:t>
             </a:fld>
-            <a:endParaRPr lang="de-DE"/>
+            <a:endParaRPr lang="de-DE" dirty="0"/>
           </a:p>
         </p:txBody>
       </p:sp>
@@ -1448,7 +1448,7 @@
               <a:rPr lang="de-DE" smtClean="0"/>
               <a:t>04.07.2017</a:t>
             </a:fld>
-            <a:endParaRPr lang="de-DE"/>
+            <a:endParaRPr lang="de-DE" dirty="0"/>
           </a:p>
         </p:txBody>
       </p:sp>
@@ -1473,7 +1473,7 @@
           <a:bodyPr/>
           <a:lstStyle/>
           <a:p>
-            <a:endParaRPr lang="de-DE"/>
+            <a:endParaRPr lang="de-DE" dirty="0"/>
           </a:p>
         </p:txBody>
       </p:sp>
@@ -1502,7 +1502,7 @@
               <a:rPr lang="de-DE" smtClean="0"/>
               <a:t>‹Nr.›</a:t>
             </a:fld>
-            <a:endParaRPr lang="de-DE"/>
+            <a:endParaRPr lang="de-DE" dirty="0"/>
           </a:p>
         </p:txBody>
       </p:sp>
@@ -1860,7 +1860,7 @@
               <a:rPr lang="de-DE" smtClean="0"/>
               <a:t>04.07.2017</a:t>
             </a:fld>
-            <a:endParaRPr lang="de-DE"/>
+            <a:endParaRPr lang="de-DE" dirty="0"/>
           </a:p>
         </p:txBody>
       </p:sp>
@@ -1885,7 +1885,7 @@
           <a:bodyPr/>
           <a:lstStyle/>
           <a:p>
-            <a:endParaRPr lang="de-DE"/>
+            <a:endParaRPr lang="de-DE" dirty="0"/>
           </a:p>
         </p:txBody>
       </p:sp>
@@ -1914,7 +1914,7 @@
               <a:rPr lang="de-DE" smtClean="0"/>
               <a:t>‹Nr.›</a:t>
             </a:fld>
-            <a:endParaRPr lang="de-DE"/>
+            <a:endParaRPr lang="de-DE" dirty="0"/>
           </a:p>
         </p:txBody>
       </p:sp>
@@ -2001,7 +2001,7 @@
               <a:rPr lang="de-DE" smtClean="0"/>
               <a:t>04.07.2017</a:t>
             </a:fld>
-            <a:endParaRPr lang="de-DE"/>
+            <a:endParaRPr lang="de-DE" dirty="0"/>
           </a:p>
         </p:txBody>
       </p:sp>
@@ -2026,7 +2026,7 @@
           <a:bodyPr/>
           <a:lstStyle/>
           <a:p>
-            <a:endParaRPr lang="de-DE"/>
+            <a:endParaRPr lang="de-DE" dirty="0"/>
           </a:p>
         </p:txBody>
       </p:sp>
@@ -2055,7 +2055,7 @@
               <a:rPr lang="de-DE" smtClean="0"/>
               <a:t>‹Nr.›</a:t>
             </a:fld>
-            <a:endParaRPr lang="de-DE"/>
+            <a:endParaRPr lang="de-DE" dirty="0"/>
           </a:p>
         </p:txBody>
       </p:sp>
@@ -2114,7 +2114,7 @@
               <a:rPr lang="de-DE" smtClean="0"/>
               <a:t>04.07.2017</a:t>
             </a:fld>
-            <a:endParaRPr lang="de-DE"/>
+            <a:endParaRPr lang="de-DE" dirty="0"/>
           </a:p>
         </p:txBody>
       </p:sp>
@@ -2139,7 +2139,7 @@
           <a:bodyPr/>
           <a:lstStyle/>
           <a:p>
-            <a:endParaRPr lang="de-DE"/>
+            <a:endParaRPr lang="de-DE" dirty="0"/>
           </a:p>
         </p:txBody>
       </p:sp>
@@ -2168,7 +2168,7 @@
               <a:rPr lang="de-DE" smtClean="0"/>
               <a:t>‹Nr.›</a:t>
             </a:fld>
-            <a:endParaRPr lang="de-DE"/>
+            <a:endParaRPr lang="de-DE" dirty="0"/>
           </a:p>
         </p:txBody>
       </p:sp>
@@ -2425,7 +2425,7 @@
               <a:rPr lang="de-DE" smtClean="0"/>
               <a:t>04.07.2017</a:t>
             </a:fld>
-            <a:endParaRPr lang="de-DE"/>
+            <a:endParaRPr lang="de-DE" dirty="0"/>
           </a:p>
         </p:txBody>
       </p:sp>
@@ -2450,7 +2450,7 @@
           <a:bodyPr/>
           <a:lstStyle/>
           <a:p>
-            <a:endParaRPr lang="de-DE"/>
+            <a:endParaRPr lang="de-DE" dirty="0"/>
           </a:p>
         </p:txBody>
       </p:sp>
@@ -2479,7 +2479,7 @@
               <a:rPr lang="de-DE" smtClean="0"/>
               <a:t>‹Nr.›</a:t>
             </a:fld>
-            <a:endParaRPr lang="de-DE"/>
+            <a:endParaRPr lang="de-DE" dirty="0"/>
           </a:p>
         </p:txBody>
       </p:sp>
@@ -2613,7 +2613,7 @@
             </a:lvl9pPr>
           </a:lstStyle>
           <a:p>
-            <a:endParaRPr lang="de-DE"/>
+            <a:endParaRPr lang="de-DE" dirty="0"/>
           </a:p>
         </p:txBody>
       </p:sp>
@@ -2713,7 +2713,7 @@
               <a:rPr lang="de-DE" smtClean="0"/>
               <a:t>04.07.2017</a:t>
             </a:fld>
-            <a:endParaRPr lang="de-DE"/>
+            <a:endParaRPr lang="de-DE" dirty="0"/>
           </a:p>
         </p:txBody>
       </p:sp>
@@ -2738,7 +2738,7 @@
           <a:bodyPr/>
           <a:lstStyle/>
           <a:p>
-            <a:endParaRPr lang="de-DE"/>
+            <a:endParaRPr lang="de-DE" dirty="0"/>
           </a:p>
         </p:txBody>
       </p:sp>
@@ -2767,7 +2767,7 @@
               <a:rPr lang="de-DE" smtClean="0"/>
               <a:t>‹Nr.›</a:t>
             </a:fld>
-            <a:endParaRPr lang="de-DE"/>
+            <a:endParaRPr lang="de-DE" dirty="0"/>
           </a:p>
         </p:txBody>
       </p:sp>
@@ -2963,7 +2963,7 @@
               <a:rPr lang="de-DE" smtClean="0"/>
               <a:t>04.07.2017</a:t>
             </a:fld>
-            <a:endParaRPr lang="de-DE"/>
+            <a:endParaRPr lang="de-DE" dirty="0"/>
           </a:p>
         </p:txBody>
       </p:sp>
@@ -3006,7 +3006,7 @@
             </a:lvl1pPr>
           </a:lstStyle>
           <a:p>
-            <a:endParaRPr lang="de-DE"/>
+            <a:endParaRPr lang="de-DE" dirty="0"/>
           </a:p>
         </p:txBody>
       </p:sp>
@@ -3053,7 +3053,7 @@
               <a:rPr lang="de-DE" smtClean="0"/>
               <a:t>‹Nr.›</a:t>
             </a:fld>
-            <a:endParaRPr lang="de-DE"/>
+            <a:endParaRPr lang="de-DE" dirty="0"/>
           </a:p>
         </p:txBody>
       </p:sp>
@@ -3835,7 +3835,7 @@
         </p:nvSpPr>
         <p:spPr bwMode="auto">
           <a:xfrm>
-            <a:off x="895710" y="1610409"/>
+            <a:off x="895710" y="-3159299"/>
             <a:ext cx="9079409" cy="4401205"/>
           </a:xfrm>
           <a:prstGeom prst="rect">
@@ -8173,12 +8173,14 @@
             </a:r>
           </a:p>
           <a:p>
-            <a:pPr fontAlgn="base"/>
+            <a:pPr marL="0" indent="0" fontAlgn="base">
+              <a:buNone/>
+            </a:pPr>
             <a:r>
               <a:rPr lang="de-DE" sz="2400" dirty="0">
                 <a:latin typeface="Courier"/>
               </a:rPr>
-              <a:t>VM (Windows)  </a:t>
+              <a:t>  </a:t>
             </a:r>
           </a:p>
           <a:p>
@@ -8400,15 +8402,33 @@
                                   </p:childTnLst>
                                 </p:cTn>
                               </p:par>
+                            </p:childTnLst>
+                          </p:cTn>
+                        </p:par>
+                      </p:childTnLst>
+                    </p:cTn>
+                  </p:par>
+                  <p:par>
+                    <p:cTn id="13" fill="hold">
+                      <p:stCondLst>
+                        <p:cond delay="indefinite"/>
+                      </p:stCondLst>
+                      <p:childTnLst>
+                        <p:par>
+                          <p:cTn id="14" fill="hold">
+                            <p:stCondLst>
+                              <p:cond delay="0"/>
+                            </p:stCondLst>
+                            <p:childTnLst>
                               <p:par>
-                                <p:cTn id="13" presetID="1" presetClass="entr" presetSubtype="0" fill="hold" nodeType="withEffect">
+                                <p:cTn id="15" presetID="1" presetClass="entr" presetSubtype="0" fill="hold" nodeType="clickEffect">
                                   <p:stCondLst>
                                     <p:cond delay="0"/>
                                   </p:stCondLst>
                                   <p:childTnLst>
                                     <p:set>
                                       <p:cBhvr>
-                                        <p:cTn id="14" dur="1" fill="hold">
+                                        <p:cTn id="16" dur="1" fill="hold">
                                           <p:stCondLst>
                                             <p:cond delay="0"/>
                                           </p:stCondLst>
@@ -8438,26 +8458,26 @@
                     </p:cTn>
                   </p:par>
                   <p:par>
-                    <p:cTn id="15" fill="hold">
+                    <p:cTn id="17" fill="hold">
                       <p:stCondLst>
                         <p:cond delay="indefinite"/>
                       </p:stCondLst>
                       <p:childTnLst>
                         <p:par>
-                          <p:cTn id="16" fill="hold">
+                          <p:cTn id="18" fill="hold">
                             <p:stCondLst>
                               <p:cond delay="0"/>
                             </p:stCondLst>
                             <p:childTnLst>
                               <p:par>
-                                <p:cTn id="17" presetID="1" presetClass="entr" presetSubtype="0" fill="hold" nodeType="clickEffect">
+                                <p:cTn id="19" presetID="1" presetClass="entr" presetSubtype="0" fill="hold" nodeType="clickEffect">
                                   <p:stCondLst>
                                     <p:cond delay="0"/>
                                   </p:stCondLst>
                                   <p:childTnLst>
                                     <p:set>
                                       <p:cBhvr>
-                                        <p:cTn id="18" dur="1" fill="hold">
+                                        <p:cTn id="20" dur="1" fill="hold">
                                           <p:stCondLst>
                                             <p:cond delay="0"/>
                                           </p:stCondLst>
@@ -8481,14 +8501,14 @@
                                 </p:cTn>
                               </p:par>
                               <p:par>
-                                <p:cTn id="19" presetID="22" presetClass="entr" presetSubtype="4" fill="hold" nodeType="withEffect">
+                                <p:cTn id="21" presetID="22" presetClass="entr" presetSubtype="4" fill="hold" nodeType="withEffect">
                                   <p:stCondLst>
                                     <p:cond delay="0"/>
                                   </p:stCondLst>
                                   <p:childTnLst>
                                     <p:set>
                                       <p:cBhvr>
-                                        <p:cTn id="20" dur="1" fill="hold">
+                                        <p:cTn id="22" dur="1" fill="hold">
                                           <p:stCondLst>
                                             <p:cond delay="0"/>
                                           </p:stCondLst>
@@ -8506,7 +8526,7 @@
                                     </p:set>
                                     <p:animEffect transition="in" filter="wipe(down)">
                                       <p:cBhvr>
-                                        <p:cTn id="21" dur="500"/>
+                                        <p:cTn id="23" dur="500"/>
                                         <p:tgtEl>
                                           <p:spTgt spid="4"/>
                                         </p:tgtEl>
@@ -8522,26 +8542,26 @@
                     </p:cTn>
                   </p:par>
                   <p:par>
-                    <p:cTn id="22" fill="hold">
+                    <p:cTn id="24" fill="hold">
                       <p:stCondLst>
                         <p:cond delay="indefinite"/>
                       </p:stCondLst>
                       <p:childTnLst>
                         <p:par>
-                          <p:cTn id="23" fill="hold">
+                          <p:cTn id="25" fill="hold">
                             <p:stCondLst>
                               <p:cond delay="0"/>
                             </p:stCondLst>
                             <p:childTnLst>
                               <p:par>
-                                <p:cTn id="24" presetID="22" presetClass="exit" presetSubtype="4" fill="hold" nodeType="clickEffect">
+                                <p:cTn id="26" presetID="22" presetClass="exit" presetSubtype="4" fill="hold" nodeType="clickEffect">
                                   <p:stCondLst>
                                     <p:cond delay="0"/>
                                   </p:stCondLst>
                                   <p:childTnLst>
                                     <p:animEffect transition="out" filter="wipe(down)">
                                       <p:cBhvr>
-                                        <p:cTn id="25" dur="500"/>
+                                        <p:cTn id="27" dur="500"/>
                                         <p:tgtEl>
                                           <p:spTgt spid="4"/>
                                         </p:tgtEl>
@@ -8549,7 +8569,7 @@
                                     </p:animEffect>
                                     <p:set>
                                       <p:cBhvr>
-                                        <p:cTn id="26" dur="1" fill="hold">
+                                        <p:cTn id="28" dur="1" fill="hold">
                                           <p:stCondLst>
                                             <p:cond delay="499"/>
                                           </p:stCondLst>
@@ -8575,26 +8595,26 @@
                     </p:cTn>
                   </p:par>
                   <p:par>
-                    <p:cTn id="27" fill="hold">
+                    <p:cTn id="29" fill="hold">
                       <p:stCondLst>
                         <p:cond delay="indefinite"/>
                       </p:stCondLst>
                       <p:childTnLst>
                         <p:par>
-                          <p:cTn id="28" fill="hold">
+                          <p:cTn id="30" fill="hold">
                             <p:stCondLst>
                               <p:cond delay="0"/>
                             </p:stCondLst>
                             <p:childTnLst>
                               <p:par>
-                                <p:cTn id="29" presetID="1" presetClass="entr" presetSubtype="0" fill="hold" nodeType="clickEffect">
+                                <p:cTn id="31" presetID="1" presetClass="entr" presetSubtype="0" fill="hold" nodeType="clickEffect">
                                   <p:stCondLst>
                                     <p:cond delay="0"/>
                                   </p:stCondLst>
                                   <p:childTnLst>
                                     <p:set>
                                       <p:cBhvr>
-                                        <p:cTn id="30" dur="1" fill="hold">
+                                        <p:cTn id="32" dur="1" fill="hold">
                                           <p:stCondLst>
                                             <p:cond delay="0"/>
                                           </p:stCondLst>
@@ -8618,14 +8638,14 @@
                                 </p:cTn>
                               </p:par>
                               <p:par>
-                                <p:cTn id="31" presetID="1" presetClass="entr" presetSubtype="0" fill="hold" nodeType="withEffect">
+                                <p:cTn id="33" presetID="1" presetClass="entr" presetSubtype="0" fill="hold" nodeType="withEffect">
                                   <p:stCondLst>
                                     <p:cond delay="0"/>
                                   </p:stCondLst>
                                   <p:childTnLst>
                                     <p:set>
                                       <p:cBhvr>
-                                        <p:cTn id="32" dur="1" fill="hold">
+                                        <p:cTn id="34" dur="1" fill="hold">
                                           <p:stCondLst>
                                             <p:cond delay="0"/>
                                           </p:stCondLst>
@@ -8781,7 +8801,7 @@
               <a:rPr lang="de-DE" sz="2400" dirty="0">
                 <a:latin typeface="Courier"/>
               </a:rPr>
-              <a:t>MySQL- Server(online) </a:t>
+              <a:t>MySQL-Server(online) </a:t>
             </a:r>
           </a:p>
           <a:p>
@@ -9560,9 +9580,33 @@
           <a:p>
             <a:pPr fontAlgn="base"/>
             <a:r>
+              <a:rPr lang="de-DE" dirty="0" err="1">
+                <a:latin typeface="Courier"/>
+              </a:rPr>
+              <a:t>Einarbeit</a:t>
+            </a:r>
+            <a:r>
               <a:rPr lang="de-DE" dirty="0">
                 <a:latin typeface="Courier"/>
               </a:rPr>
+              <a:t> in </a:t>
+            </a:r>
+            <a:r>
+              <a:rPr lang="de-DE" dirty="0" err="1">
+                <a:latin typeface="Courier"/>
+              </a:rPr>
+              <a:t>Qt</a:t>
+            </a:r>
+            <a:endParaRPr lang="de-DE" dirty="0">
+              <a:latin typeface="Courier"/>
+            </a:endParaRPr>
+          </a:p>
+          <a:p>
+            <a:pPr fontAlgn="base"/>
+            <a:r>
+              <a:rPr lang="de-DE" dirty="0">
+                <a:latin typeface="Courier"/>
+              </a:rPr>
               <a:t>GUI Programmierung </a:t>
             </a:r>
           </a:p>
@@ -9611,16 +9655,7 @@
               <a:rPr lang="de-DE" dirty="0">
                 <a:latin typeface="Courier"/>
               </a:rPr>
-              <a:t>Virtuelle Tastatur </a:t>
-            </a:r>
-          </a:p>
-          <a:p>
-            <a:pPr fontAlgn="base"/>
-            <a:r>
-              <a:rPr lang="de-DE" dirty="0">
-                <a:latin typeface="Courier"/>
-              </a:rPr>
-              <a:t>Signals and Slots </a:t>
+              <a:t>Fehleranalyse</a:t>
             </a:r>
           </a:p>
           <a:p>
@@ -9677,7 +9712,7 @@
                                         <p:tgtEl>
                                           <p:spTgt spid="3">
                                             <p:txEl>
-                                              <p:pRg st="0" end="0"/>
+                                              <p:pRg st="1" end="1"/>
                                             </p:txEl>
                                           </p:spTgt>
                                         </p:tgtEl>
@@ -9692,49 +9727,6 @@
                                     <p:animEffect transition="in" filter="fade">
                                       <p:cBhvr>
                                         <p:cTn id="7" dur="500"/>
-                                        <p:tgtEl>
-                                          <p:spTgt spid="3">
-                                            <p:txEl>
-                                              <p:pRg st="0" end="0"/>
-                                            </p:txEl>
-                                          </p:spTgt>
-                                        </p:tgtEl>
-                                      </p:cBhvr>
-                                    </p:animEffect>
-                                  </p:childTnLst>
-                                </p:cTn>
-                              </p:par>
-                              <p:par>
-                                <p:cTn id="8" presetID="10" presetClass="entr" presetSubtype="0" fill="hold" nodeType="withEffect">
-                                  <p:stCondLst>
-                                    <p:cond delay="0"/>
-                                  </p:stCondLst>
-                                  <p:childTnLst>
-                                    <p:set>
-                                      <p:cBhvr>
-                                        <p:cTn id="9" dur="1" fill="hold">
-                                          <p:stCondLst>
-                                            <p:cond delay="0"/>
-                                          </p:stCondLst>
-                                        </p:cTn>
-                                        <p:tgtEl>
-                                          <p:spTgt spid="3">
-                                            <p:txEl>
-                                              <p:pRg st="1" end="1"/>
-                                            </p:txEl>
-                                          </p:spTgt>
-                                        </p:tgtEl>
-                                        <p:attrNameLst>
-                                          <p:attrName>style.visibility</p:attrName>
-                                        </p:attrNameLst>
-                                      </p:cBhvr>
-                                      <p:to>
-                                        <p:strVal val="visible"/>
-                                      </p:to>
-                                    </p:set>
-                                    <p:animEffect transition="in" filter="fade">
-                                      <p:cBhvr>
-                                        <p:cTn id="10" dur="500"/>
                                         <p:tgtEl>
                                           <p:spTgt spid="3">
                                             <p:txEl>
@@ -9754,25 +9746,68 @@
                     </p:cTn>
                   </p:par>
                   <p:par>
-                    <p:cTn id="11" fill="hold">
+                    <p:cTn id="8" fill="hold">
                       <p:stCondLst>
                         <p:cond delay="indefinite"/>
                       </p:stCondLst>
                       <p:childTnLst>
                         <p:par>
-                          <p:cTn id="12" fill="hold">
+                          <p:cTn id="9" fill="hold">
                             <p:stCondLst>
                               <p:cond delay="0"/>
                             </p:stCondLst>
                             <p:childTnLst>
                               <p:par>
-                                <p:cTn id="13" presetID="1" presetClass="entr" presetSubtype="0" fill="hold" nodeType="clickEffect">
+                                <p:cTn id="10" presetID="10" presetClass="entr" presetSubtype="0" fill="hold" nodeType="clickEffect">
                                   <p:stCondLst>
                                     <p:cond delay="0"/>
                                   </p:stCondLst>
                                   <p:childTnLst>
                                     <p:set>
                                       <p:cBhvr>
+                                        <p:cTn id="11" dur="1" fill="hold">
+                                          <p:stCondLst>
+                                            <p:cond delay="0"/>
+                                          </p:stCondLst>
+                                        </p:cTn>
+                                        <p:tgtEl>
+                                          <p:spTgt spid="3">
+                                            <p:txEl>
+                                              <p:pRg st="0" end="0"/>
+                                            </p:txEl>
+                                          </p:spTgt>
+                                        </p:tgtEl>
+                                        <p:attrNameLst>
+                                          <p:attrName>style.visibility</p:attrName>
+                                        </p:attrNameLst>
+                                      </p:cBhvr>
+                                      <p:to>
+                                        <p:strVal val="visible"/>
+                                      </p:to>
+                                    </p:set>
+                                    <p:animEffect transition="in" filter="fade">
+                                      <p:cBhvr>
+                                        <p:cTn id="12" dur="500"/>
+                                        <p:tgtEl>
+                                          <p:spTgt spid="3">
+                                            <p:txEl>
+                                              <p:pRg st="0" end="0"/>
+                                            </p:txEl>
+                                          </p:spTgt>
+                                        </p:tgtEl>
+                                      </p:cBhvr>
+                                    </p:animEffect>
+                                  </p:childTnLst>
+                                </p:cTn>
+                              </p:par>
+                              <p:par>
+                                <p:cTn id="13" presetID="10" presetClass="entr" presetSubtype="0" fill="hold" nodeType="withEffect">
+                                  <p:stCondLst>
+                                    <p:cond delay="0"/>
+                                  </p:stCondLst>
+                                  <p:childTnLst>
+                                    <p:set>
+                                      <p:cBhvr>
                                         <p:cTn id="14" dur="1" fill="hold">
                                           <p:stCondLst>
                                             <p:cond delay="0"/>
@@ -9782,6 +9817,67 @@
                                           <p:spTgt spid="3">
                                             <p:txEl>
                                               <p:pRg st="2" end="2"/>
+                                            </p:txEl>
+                                          </p:spTgt>
+                                        </p:tgtEl>
+                                        <p:attrNameLst>
+                                          <p:attrName>style.visibility</p:attrName>
+                                        </p:attrNameLst>
+                                      </p:cBhvr>
+                                      <p:to>
+                                        <p:strVal val="visible"/>
+                                      </p:to>
+                                    </p:set>
+                                    <p:animEffect transition="in" filter="fade">
+                                      <p:cBhvr>
+                                        <p:cTn id="15" dur="500"/>
+                                        <p:tgtEl>
+                                          <p:spTgt spid="3">
+                                            <p:txEl>
+                                              <p:pRg st="2" end="2"/>
+                                            </p:txEl>
+                                          </p:spTgt>
+                                        </p:tgtEl>
+                                      </p:cBhvr>
+                                    </p:animEffect>
+                                  </p:childTnLst>
+                                </p:cTn>
+                              </p:par>
+                            </p:childTnLst>
+                          </p:cTn>
+                        </p:par>
+                      </p:childTnLst>
+                    </p:cTn>
+                  </p:par>
+                  <p:par>
+                    <p:cTn id="16" fill="hold">
+                      <p:stCondLst>
+                        <p:cond delay="indefinite"/>
+                      </p:stCondLst>
+                      <p:childTnLst>
+                        <p:par>
+                          <p:cTn id="17" fill="hold">
+                            <p:stCondLst>
+                              <p:cond delay="0"/>
+                            </p:stCondLst>
+                            <p:childTnLst>
+                              <p:par>
+                                <p:cTn id="18" presetID="1" presetClass="entr" presetSubtype="0" fill="hold" nodeType="clickEffect">
+                                  <p:stCondLst>
+                                    <p:cond delay="0"/>
+                                  </p:stCondLst>
+                                  <p:childTnLst>
+                                    <p:set>
+                                      <p:cBhvr>
+                                        <p:cTn id="19" dur="1" fill="hold">
+                                          <p:stCondLst>
+                                            <p:cond delay="0"/>
+                                          </p:stCondLst>
+                                        </p:cTn>
+                                        <p:tgtEl>
+                                          <p:spTgt spid="3">
+                                            <p:txEl>
+                                              <p:pRg st="3" end="3"/>
                                             </p:txEl>
                                           </p:spTgt>
                                         </p:tgtEl>
@@ -9797,14 +9893,14 @@
                                 </p:cTn>
                               </p:par>
                               <p:par>
-                                <p:cTn id="15" presetID="1" presetClass="entr" presetSubtype="0" fill="hold" nodeType="withEffect">
+                                <p:cTn id="20" presetID="1" presetClass="entr" presetSubtype="0" fill="hold" nodeType="withEffect">
                                   <p:stCondLst>
                                     <p:cond delay="0"/>
                                   </p:stCondLst>
                                   <p:childTnLst>
                                     <p:set>
                                       <p:cBhvr>
-                                        <p:cTn id="16" dur="1" fill="hold">
+                                        <p:cTn id="21" dur="1" fill="hold">
                                           <p:stCondLst>
                                             <p:cond delay="0"/>
                                           </p:stCondLst>
@@ -9812,7 +9908,7 @@
                                         <p:tgtEl>
                                           <p:spTgt spid="3">
                                             <p:txEl>
-                                              <p:pRg st="3" end="3"/>
+                                              <p:pRg st="4" end="4"/>
                                             </p:txEl>
                                           </p:spTgt>
                                         </p:tgtEl>
@@ -9834,57 +9930,26 @@
                     </p:cTn>
                   </p:par>
                   <p:par>
-                    <p:cTn id="17" fill="hold">
+                    <p:cTn id="22" fill="hold">
                       <p:stCondLst>
                         <p:cond delay="indefinite"/>
                       </p:stCondLst>
                       <p:childTnLst>
                         <p:par>
-                          <p:cTn id="18" fill="hold">
+                          <p:cTn id="23" fill="hold">
                             <p:stCondLst>
                               <p:cond delay="0"/>
                             </p:stCondLst>
                             <p:childTnLst>
                               <p:par>
-                                <p:cTn id="19" presetID="1" presetClass="entr" presetSubtype="0" fill="hold" nodeType="clickEffect">
+                                <p:cTn id="24" presetID="1" presetClass="entr" presetSubtype="0" fill="hold" nodeType="clickEffect">
                                   <p:stCondLst>
                                     <p:cond delay="0"/>
                                   </p:stCondLst>
                                   <p:childTnLst>
                                     <p:set>
                                       <p:cBhvr>
-                                        <p:cTn id="20" dur="1" fill="hold">
-                                          <p:stCondLst>
-                                            <p:cond delay="0"/>
-                                          </p:stCondLst>
-                                        </p:cTn>
-                                        <p:tgtEl>
-                                          <p:spTgt spid="3">
-                                            <p:txEl>
-                                              <p:pRg st="4" end="4"/>
-                                            </p:txEl>
-                                          </p:spTgt>
-                                        </p:tgtEl>
-                                        <p:attrNameLst>
-                                          <p:attrName>style.visibility</p:attrName>
-                                        </p:attrNameLst>
-                                      </p:cBhvr>
-                                      <p:to>
-                                        <p:strVal val="visible"/>
-                                      </p:to>
-                                    </p:set>
-                                  </p:childTnLst>
-                                </p:cTn>
-                              </p:par>
-                              <p:par>
-                                <p:cTn id="21" presetID="1" presetClass="entr" presetSubtype="0" fill="hold" nodeType="withEffect">
-                                  <p:stCondLst>
-                                    <p:cond delay="0"/>
-                                  </p:stCondLst>
-                                  <p:childTnLst>
-                                    <p:set>
-                                      <p:cBhvr>
-                                        <p:cTn id="22" dur="1" fill="hold">
+                                        <p:cTn id="25" dur="1" fill="hold">
                                           <p:stCondLst>
                                             <p:cond delay="0"/>
                                           </p:stCondLst>
@@ -10035,25 +10100,7 @@
               <a:rPr lang="de-DE" dirty="0">
                 <a:latin typeface="Courier"/>
               </a:rPr>
-              <a:t>Treiberprobleme </a:t>
-            </a:r>
-          </a:p>
-          <a:p>
-            <a:pPr fontAlgn="base"/>
-            <a:r>
-              <a:rPr lang="de-DE" dirty="0">
-                <a:latin typeface="Courier"/>
-              </a:rPr>
-              <a:t>Multiplayer </a:t>
-            </a:r>
-          </a:p>
-          <a:p>
-            <a:pPr fontAlgn="base"/>
-            <a:r>
-              <a:rPr lang="de-DE" dirty="0">
-                <a:latin typeface="Courier"/>
-              </a:rPr>
-              <a:t>Dokumente </a:t>
+              <a:t>Multiplayer</a:t>
             </a:r>
           </a:p>
           <a:p>
@@ -10190,33 +10237,15 @@
                                   </p:childTnLst>
                                 </p:cTn>
                               </p:par>
-                            </p:childTnLst>
-                          </p:cTn>
-                        </p:par>
-                      </p:childTnLst>
-                    </p:cTn>
-                  </p:par>
-                  <p:par>
-                    <p:cTn id="11" fill="hold">
-                      <p:stCondLst>
-                        <p:cond delay="indefinite"/>
-                      </p:stCondLst>
-                      <p:childTnLst>
-                        <p:par>
-                          <p:cTn id="12" fill="hold">
-                            <p:stCondLst>
-                              <p:cond delay="0"/>
-                            </p:stCondLst>
-                            <p:childTnLst>
                               <p:par>
-                                <p:cTn id="13" presetID="2" presetClass="entr" presetSubtype="4" fill="hold" nodeType="clickEffect">
+                                <p:cTn id="11" presetID="2" presetClass="entr" presetSubtype="4" fill="hold" nodeType="withEffect">
                                   <p:stCondLst>
                                     <p:cond delay="0"/>
                                   </p:stCondLst>
                                   <p:childTnLst>
                                     <p:set>
                                       <p:cBhvr>
-                                        <p:cTn id="14" dur="1" fill="hold">
+                                        <p:cTn id="12" dur="1" fill="hold">
                                           <p:stCondLst>
                                             <p:cond delay="0"/>
                                           </p:stCondLst>
@@ -10238,7 +10267,7 @@
                                     </p:set>
                                     <p:anim calcmode="lin" valueType="num">
                                       <p:cBhvr additive="base">
-                                        <p:cTn id="15" dur="500" fill="hold"/>
+                                        <p:cTn id="13" dur="500" fill="hold"/>
                                         <p:tgtEl>
                                           <p:spTgt spid="3">
                                             <p:txEl>
@@ -10265,7 +10294,7 @@
                                     </p:anim>
                                     <p:anim calcmode="lin" valueType="num">
                                       <p:cBhvr additive="base">
-                                        <p:cTn id="16" dur="500" fill="hold"/>
+                                        <p:cTn id="14" dur="500" fill="hold"/>
                                         <p:tgtEl>
                                           <p:spTgt spid="3">
                                             <p:txEl>
@@ -10294,14 +10323,14 @@
                                 </p:cTn>
                               </p:par>
                               <p:par>
-                                <p:cTn id="17" presetID="2" presetClass="entr" presetSubtype="4" fill="hold" nodeType="withEffect">
+                                <p:cTn id="15" presetID="2" presetClass="entr" presetSubtype="4" fill="hold" nodeType="withEffect">
                                   <p:stCondLst>
                                     <p:cond delay="0"/>
                                   </p:stCondLst>
                                   <p:childTnLst>
                                     <p:set>
                                       <p:cBhvr>
-                                        <p:cTn id="18" dur="1" fill="hold">
+                                        <p:cTn id="16" dur="1" fill="hold">
                                           <p:stCondLst>
                                             <p:cond delay="0"/>
                                           </p:stCondLst>
@@ -10323,7 +10352,7 @@
                                     </p:set>
                                     <p:anim calcmode="lin" valueType="num">
                                       <p:cBhvr additive="base">
-                                        <p:cTn id="19" dur="500" fill="hold"/>
+                                        <p:cTn id="17" dur="500" fill="hold"/>
                                         <p:tgtEl>
                                           <p:spTgt spid="3">
                                             <p:txEl>
@@ -10350,199 +10379,11 @@
                                     </p:anim>
                                     <p:anim calcmode="lin" valueType="num">
                                       <p:cBhvr additive="base">
-                                        <p:cTn id="20" dur="500" fill="hold"/>
+                                        <p:cTn id="18" dur="500" fill="hold"/>
                                         <p:tgtEl>
                                           <p:spTgt spid="3">
                                             <p:txEl>
                                               <p:pRg st="3" end="3"/>
-                                            </p:txEl>
-                                          </p:spTgt>
-                                        </p:tgtEl>
-                                        <p:attrNameLst>
-                                          <p:attrName>ppt_y</p:attrName>
-                                        </p:attrNameLst>
-                                      </p:cBhvr>
-                                      <p:tavLst>
-                                        <p:tav tm="0">
-                                          <p:val>
-                                            <p:strVal val="1+#ppt_h/2"/>
-                                          </p:val>
-                                        </p:tav>
-                                        <p:tav tm="100000">
-                                          <p:val>
-                                            <p:strVal val="#ppt_y"/>
-                                          </p:val>
-                                        </p:tav>
-                                      </p:tavLst>
-                                    </p:anim>
-                                  </p:childTnLst>
-                                </p:cTn>
-                              </p:par>
-                            </p:childTnLst>
-                          </p:cTn>
-                        </p:par>
-                      </p:childTnLst>
-                    </p:cTn>
-                  </p:par>
-                  <p:par>
-                    <p:cTn id="21" fill="hold">
-                      <p:stCondLst>
-                        <p:cond delay="indefinite"/>
-                      </p:stCondLst>
-                      <p:childTnLst>
-                        <p:par>
-                          <p:cTn id="22" fill="hold">
-                            <p:stCondLst>
-                              <p:cond delay="0"/>
-                            </p:stCondLst>
-                            <p:childTnLst>
-                              <p:par>
-                                <p:cTn id="23" presetID="2" presetClass="entr" presetSubtype="4" fill="hold" nodeType="clickEffect">
-                                  <p:stCondLst>
-                                    <p:cond delay="0"/>
-                                  </p:stCondLst>
-                                  <p:childTnLst>
-                                    <p:set>
-                                      <p:cBhvr>
-                                        <p:cTn id="24" dur="1" fill="hold">
-                                          <p:stCondLst>
-                                            <p:cond delay="0"/>
-                                          </p:stCondLst>
-                                        </p:cTn>
-                                        <p:tgtEl>
-                                          <p:spTgt spid="3">
-                                            <p:txEl>
-                                              <p:pRg st="4" end="4"/>
-                                            </p:txEl>
-                                          </p:spTgt>
-                                        </p:tgtEl>
-                                        <p:attrNameLst>
-                                          <p:attrName>style.visibility</p:attrName>
-                                        </p:attrNameLst>
-                                      </p:cBhvr>
-                                      <p:to>
-                                        <p:strVal val="visible"/>
-                                      </p:to>
-                                    </p:set>
-                                    <p:anim calcmode="lin" valueType="num">
-                                      <p:cBhvr additive="base">
-                                        <p:cTn id="25" dur="500" fill="hold"/>
-                                        <p:tgtEl>
-                                          <p:spTgt spid="3">
-                                            <p:txEl>
-                                              <p:pRg st="4" end="4"/>
-                                            </p:txEl>
-                                          </p:spTgt>
-                                        </p:tgtEl>
-                                        <p:attrNameLst>
-                                          <p:attrName>ppt_x</p:attrName>
-                                        </p:attrNameLst>
-                                      </p:cBhvr>
-                                      <p:tavLst>
-                                        <p:tav tm="0">
-                                          <p:val>
-                                            <p:strVal val="#ppt_x"/>
-                                          </p:val>
-                                        </p:tav>
-                                        <p:tav tm="100000">
-                                          <p:val>
-                                            <p:strVal val="#ppt_x"/>
-                                          </p:val>
-                                        </p:tav>
-                                      </p:tavLst>
-                                    </p:anim>
-                                    <p:anim calcmode="lin" valueType="num">
-                                      <p:cBhvr additive="base">
-                                        <p:cTn id="26" dur="500" fill="hold"/>
-                                        <p:tgtEl>
-                                          <p:spTgt spid="3">
-                                            <p:txEl>
-                                              <p:pRg st="4" end="4"/>
-                                            </p:txEl>
-                                          </p:spTgt>
-                                        </p:tgtEl>
-                                        <p:attrNameLst>
-                                          <p:attrName>ppt_y</p:attrName>
-                                        </p:attrNameLst>
-                                      </p:cBhvr>
-                                      <p:tavLst>
-                                        <p:tav tm="0">
-                                          <p:val>
-                                            <p:strVal val="1+#ppt_h/2"/>
-                                          </p:val>
-                                        </p:tav>
-                                        <p:tav tm="100000">
-                                          <p:val>
-                                            <p:strVal val="#ppt_y"/>
-                                          </p:val>
-                                        </p:tav>
-                                      </p:tavLst>
-                                    </p:anim>
-                                  </p:childTnLst>
-                                </p:cTn>
-                              </p:par>
-                              <p:par>
-                                <p:cTn id="27" presetID="2" presetClass="entr" presetSubtype="4" fill="hold" nodeType="withEffect">
-                                  <p:stCondLst>
-                                    <p:cond delay="0"/>
-                                  </p:stCondLst>
-                                  <p:childTnLst>
-                                    <p:set>
-                                      <p:cBhvr>
-                                        <p:cTn id="28" dur="1" fill="hold">
-                                          <p:stCondLst>
-                                            <p:cond delay="0"/>
-                                          </p:stCondLst>
-                                        </p:cTn>
-                                        <p:tgtEl>
-                                          <p:spTgt spid="3">
-                                            <p:txEl>
-                                              <p:pRg st="5" end="5"/>
-                                            </p:txEl>
-                                          </p:spTgt>
-                                        </p:tgtEl>
-                                        <p:attrNameLst>
-                                          <p:attrName>style.visibility</p:attrName>
-                                        </p:attrNameLst>
-                                      </p:cBhvr>
-                                      <p:to>
-                                        <p:strVal val="visible"/>
-                                      </p:to>
-                                    </p:set>
-                                    <p:anim calcmode="lin" valueType="num">
-                                      <p:cBhvr additive="base">
-                                        <p:cTn id="29" dur="500" fill="hold"/>
-                                        <p:tgtEl>
-                                          <p:spTgt spid="3">
-                                            <p:txEl>
-                                              <p:pRg st="5" end="5"/>
-                                            </p:txEl>
-                                          </p:spTgt>
-                                        </p:tgtEl>
-                                        <p:attrNameLst>
-                                          <p:attrName>ppt_x</p:attrName>
-                                        </p:attrNameLst>
-                                      </p:cBhvr>
-                                      <p:tavLst>
-                                        <p:tav tm="0">
-                                          <p:val>
-                                            <p:strVal val="#ppt_x"/>
-                                          </p:val>
-                                        </p:tav>
-                                        <p:tav tm="100000">
-                                          <p:val>
-                                            <p:strVal val="#ppt_x"/>
-                                          </p:val>
-                                        </p:tav>
-                                      </p:tavLst>
-                                    </p:anim>
-                                    <p:anim calcmode="lin" valueType="num">
-                                      <p:cBhvr additive="base">
-                                        <p:cTn id="30" dur="500" fill="hold"/>
-                                        <p:tgtEl>
-                                          <p:spTgt spid="3">
-                                            <p:txEl>
-                                              <p:pRg st="5" end="5"/>
                                             </p:txEl>
                                           </p:spTgt>
                                         </p:tgtEl>

--- a/Meilensteine/MS 5/Projekt.pptx
+++ b/Meilensteine/MS 5/Projekt.pptx
@@ -8109,19 +8109,7 @@
               <a:rPr lang="de-DE" sz="2400" dirty="0">
                 <a:latin typeface="Courier"/>
               </a:rPr>
-              <a:t> (</a:t>
-            </a:r>
-            <a:r>
-              <a:rPr lang="de-DE" sz="2400" dirty="0" err="1">
-                <a:latin typeface="Courier"/>
-              </a:rPr>
-              <a:t>Defect</a:t>
-            </a:r>
-            <a:r>
-              <a:rPr lang="de-DE" sz="2400" dirty="0">
-                <a:latin typeface="Courier"/>
-              </a:rPr>
-              <a:t> Tracking) </a:t>
+              <a:t> (Bugtracker) </a:t>
             </a:r>
           </a:p>
           <a:p>
@@ -8436,55 +8424,6 @@
                                         <p:tgtEl>
                                           <p:spTgt spid="3">
                                             <p:txEl>
-                                              <p:pRg st="3" end="3"/>
-                                            </p:txEl>
-                                          </p:spTgt>
-                                        </p:tgtEl>
-                                        <p:attrNameLst>
-                                          <p:attrName>style.visibility</p:attrName>
-                                        </p:attrNameLst>
-                                      </p:cBhvr>
-                                      <p:to>
-                                        <p:strVal val="visible"/>
-                                      </p:to>
-                                    </p:set>
-                                  </p:childTnLst>
-                                </p:cTn>
-                              </p:par>
-                            </p:childTnLst>
-                          </p:cTn>
-                        </p:par>
-                      </p:childTnLst>
-                    </p:cTn>
-                  </p:par>
-                  <p:par>
-                    <p:cTn id="17" fill="hold">
-                      <p:stCondLst>
-                        <p:cond delay="indefinite"/>
-                      </p:stCondLst>
-                      <p:childTnLst>
-                        <p:par>
-                          <p:cTn id="18" fill="hold">
-                            <p:stCondLst>
-                              <p:cond delay="0"/>
-                            </p:stCondLst>
-                            <p:childTnLst>
-                              <p:par>
-                                <p:cTn id="19" presetID="1" presetClass="entr" presetSubtype="0" fill="hold" nodeType="clickEffect">
-                                  <p:stCondLst>
-                                    <p:cond delay="0"/>
-                                  </p:stCondLst>
-                                  <p:childTnLst>
-                                    <p:set>
-                                      <p:cBhvr>
-                                        <p:cTn id="20" dur="1" fill="hold">
-                                          <p:stCondLst>
-                                            <p:cond delay="0"/>
-                                          </p:stCondLst>
-                                        </p:cTn>
-                                        <p:tgtEl>
-                                          <p:spTgt spid="3">
-                                            <p:txEl>
                                               <p:pRg st="4" end="4"/>
                                             </p:txEl>
                                           </p:spTgt>
@@ -8501,14 +8440,14 @@
                                 </p:cTn>
                               </p:par>
                               <p:par>
-                                <p:cTn id="21" presetID="22" presetClass="entr" presetSubtype="4" fill="hold" nodeType="withEffect">
+                                <p:cTn id="17" presetID="22" presetClass="entr" presetSubtype="4" fill="hold" nodeType="withEffect">
                                   <p:stCondLst>
                                     <p:cond delay="0"/>
                                   </p:stCondLst>
                                   <p:childTnLst>
                                     <p:set>
                                       <p:cBhvr>
-                                        <p:cTn id="22" dur="1" fill="hold">
+                                        <p:cTn id="18" dur="1" fill="hold">
                                           <p:stCondLst>
                                             <p:cond delay="0"/>
                                           </p:stCondLst>
@@ -8526,7 +8465,7 @@
                                     </p:set>
                                     <p:animEffect transition="in" filter="wipe(down)">
                                       <p:cBhvr>
-                                        <p:cTn id="23" dur="500"/>
+                                        <p:cTn id="19" dur="500"/>
                                         <p:tgtEl>
                                           <p:spTgt spid="4"/>
                                         </p:tgtEl>
@@ -8542,26 +8481,26 @@
                     </p:cTn>
                   </p:par>
                   <p:par>
-                    <p:cTn id="24" fill="hold">
+                    <p:cTn id="20" fill="hold">
                       <p:stCondLst>
                         <p:cond delay="indefinite"/>
                       </p:stCondLst>
                       <p:childTnLst>
                         <p:par>
-                          <p:cTn id="25" fill="hold">
+                          <p:cTn id="21" fill="hold">
                             <p:stCondLst>
                               <p:cond delay="0"/>
                             </p:stCondLst>
                             <p:childTnLst>
                               <p:par>
-                                <p:cTn id="26" presetID="22" presetClass="exit" presetSubtype="4" fill="hold" nodeType="clickEffect">
+                                <p:cTn id="22" presetID="22" presetClass="exit" presetSubtype="4" fill="hold" nodeType="clickEffect">
                                   <p:stCondLst>
                                     <p:cond delay="0"/>
                                   </p:stCondLst>
                                   <p:childTnLst>
                                     <p:animEffect transition="out" filter="wipe(down)">
                                       <p:cBhvr>
-                                        <p:cTn id="27" dur="500"/>
+                                        <p:cTn id="23" dur="500"/>
                                         <p:tgtEl>
                                           <p:spTgt spid="4"/>
                                         </p:tgtEl>
@@ -8569,7 +8508,7 @@
                                     </p:animEffect>
                                     <p:set>
                                       <p:cBhvr>
-                                        <p:cTn id="28" dur="1" fill="hold">
+                                        <p:cTn id="24" dur="1" fill="hold">
                                           <p:stCondLst>
                                             <p:cond delay="499"/>
                                           </p:stCondLst>
@@ -8595,26 +8534,26 @@
                     </p:cTn>
                   </p:par>
                   <p:par>
-                    <p:cTn id="29" fill="hold">
+                    <p:cTn id="25" fill="hold">
                       <p:stCondLst>
                         <p:cond delay="indefinite"/>
                       </p:stCondLst>
                       <p:childTnLst>
                         <p:par>
-                          <p:cTn id="30" fill="hold">
+                          <p:cTn id="26" fill="hold">
                             <p:stCondLst>
                               <p:cond delay="0"/>
                             </p:stCondLst>
                             <p:childTnLst>
                               <p:par>
-                                <p:cTn id="31" presetID="1" presetClass="entr" presetSubtype="0" fill="hold" nodeType="clickEffect">
+                                <p:cTn id="27" presetID="1" presetClass="entr" presetSubtype="0" fill="hold" nodeType="clickEffect">
                                   <p:stCondLst>
                                     <p:cond delay="0"/>
                                   </p:stCondLst>
                                   <p:childTnLst>
                                     <p:set>
                                       <p:cBhvr>
-                                        <p:cTn id="32" dur="1" fill="hold">
+                                        <p:cTn id="28" dur="1" fill="hold">
                                           <p:stCondLst>
                                             <p:cond delay="0"/>
                                           </p:stCondLst>
@@ -8638,14 +8577,14 @@
                                 </p:cTn>
                               </p:par>
                               <p:par>
-                                <p:cTn id="33" presetID="1" presetClass="entr" presetSubtype="0" fill="hold" nodeType="withEffect">
+                                <p:cTn id="29" presetID="1" presetClass="entr" presetSubtype="0" fill="hold" nodeType="withEffect">
                                   <p:stCondLst>
                                     <p:cond delay="0"/>
                                   </p:stCondLst>
                                   <p:childTnLst>
                                     <p:set>
                                       <p:cBhvr>
-                                        <p:cTn id="34" dur="1" fill="hold">
+                                        <p:cTn id="30" dur="1" fill="hold">
                                           <p:stCondLst>
                                             <p:cond delay="0"/>
                                           </p:stCondLst>

--- a/Meilensteine/MS 5/Projekt.pptx
+++ b/Meilensteine/MS 5/Projekt.pptx
@@ -3835,7 +3835,7 @@
         </p:nvSpPr>
         <p:spPr bwMode="auto">
           <a:xfrm>
-            <a:off x="895710" y="-3159299"/>
+            <a:off x="1022024" y="1508810"/>
             <a:ext cx="9079409" cy="4401205"/>
           </a:xfrm>
           <a:prstGeom prst="rect">

--- a/Meilensteine/MS 5/Projekt.pptx
+++ b/Meilensteine/MS 5/Projekt.pptx
@@ -11066,41 +11066,6 @@
           </a:p>
         </p:txBody>
       </p:sp>
-      <p:pic>
-        <p:nvPicPr>
-          <p:cNvPr id="6" name="Inhaltsplatzhalter 5" descr="Ein Bild, das Screenshot enthält.&#10;&#10;Mit sehr hoher Zuverlässigkeit generierte Beschreibung">
-            <a:extLst>
-              <a:ext uri="{FF2B5EF4-FFF2-40B4-BE49-F238E27FC236}">
-                <a16:creationId xmlns:a16="http://schemas.microsoft.com/office/drawing/2014/main" id="{8B6FCD47-24AF-4C31-91A0-E4288A772FF5}"/>
-              </a:ext>
-            </a:extLst>
-          </p:cNvPr>
-          <p:cNvPicPr>
-            <a:picLocks noGrp="1" noChangeAspect="1"/>
-          </p:cNvPicPr>
-          <p:nvPr>
-            <p:ph idx="1"/>
-          </p:nvPr>
-        </p:nvPicPr>
-        <p:blipFill>
-          <a:blip r:embed="rId2">
-            <a:extLst>
-              <a:ext uri="{28A0092B-C50C-407E-A947-70E740481C1C}">
-                <a14:useLocalDpi xmlns:a14="http://schemas.microsoft.com/office/drawing/2010/main" val="0"/>
-              </a:ext>
-            </a:extLst>
-          </a:blip>
-          <a:stretch>
-            <a:fillRect/>
-          </a:stretch>
-        </p:blipFill>
-        <p:spPr>
-          <a:xfrm>
-            <a:off x="4093828" y="767062"/>
-            <a:ext cx="8054323" cy="4610338"/>
-          </a:xfrm>
-        </p:spPr>
-      </p:pic>
       <p:sp>
         <p:nvSpPr>
           <p:cNvPr id="4" name="Textplatzhalter 3">
@@ -11271,6 +11236,41 @@
           </a:p>
         </p:txBody>
       </p:sp>
+      <p:pic>
+        <p:nvPicPr>
+          <p:cNvPr id="8" name="Inhaltsplatzhalter 7" descr="Ein Bild, das Screenshot enthält.&#10;&#10;Mit sehr hoher Zuverlässigkeit generierte Beschreibung">
+            <a:extLst>
+              <a:ext uri="{FF2B5EF4-FFF2-40B4-BE49-F238E27FC236}">
+                <a16:creationId xmlns:a16="http://schemas.microsoft.com/office/drawing/2014/main" id="{E4EAD2B2-D475-4EB6-8A07-8A05F6B2E210}"/>
+              </a:ext>
+            </a:extLst>
+          </p:cNvPr>
+          <p:cNvPicPr>
+            <a:picLocks noGrp="1" noChangeAspect="1"/>
+          </p:cNvPicPr>
+          <p:nvPr>
+            <p:ph idx="1"/>
+          </p:nvPr>
+        </p:nvPicPr>
+        <p:blipFill>
+          <a:blip r:embed="rId2">
+            <a:extLst>
+              <a:ext uri="{28A0092B-C50C-407E-A947-70E740481C1C}">
+                <a14:useLocalDpi xmlns:a14="http://schemas.microsoft.com/office/drawing/2010/main" val="0"/>
+              </a:ext>
+            </a:extLst>
+          </a:blip>
+          <a:stretch>
+            <a:fillRect/>
+          </a:stretch>
+        </p:blipFill>
+        <p:spPr>
+          <a:xfrm>
+            <a:off x="4244173" y="1727306"/>
+            <a:ext cx="8034827" cy="4191194"/>
+          </a:xfrm>
+        </p:spPr>
+      </p:pic>
     </p:spTree>
     <p:extLst>
       <p:ext uri="{BB962C8B-B14F-4D97-AF65-F5344CB8AC3E}">
@@ -11281,6 +11281,397 @@
   <p:clrMapOvr>
     <a:masterClrMapping/>
   </p:clrMapOvr>
+  <p:timing>
+    <p:tnLst>
+      <p:par>
+        <p:cTn id="1" dur="indefinite" restart="never" nodeType="tmRoot">
+          <p:childTnLst>
+            <p:seq concurrent="1" nextAc="seek">
+              <p:cTn id="2" dur="indefinite" nodeType="mainSeq">
+                <p:childTnLst>
+                  <p:par>
+                    <p:cTn id="3" fill="hold">
+                      <p:stCondLst>
+                        <p:cond delay="indefinite"/>
+                      </p:stCondLst>
+                      <p:childTnLst>
+                        <p:par>
+                          <p:cTn id="4" fill="hold">
+                            <p:stCondLst>
+                              <p:cond delay="0"/>
+                            </p:stCondLst>
+                            <p:childTnLst>
+                              <p:par>
+                                <p:cTn id="5" presetID="10" presetClass="entr" presetSubtype="0" fill="hold" grpId="0" nodeType="clickEffect">
+                                  <p:stCondLst>
+                                    <p:cond delay="0"/>
+                                  </p:stCondLst>
+                                  <p:childTnLst>
+                                    <p:set>
+                                      <p:cBhvr>
+                                        <p:cTn id="6" dur="1" fill="hold">
+                                          <p:stCondLst>
+                                            <p:cond delay="0"/>
+                                          </p:stCondLst>
+                                        </p:cTn>
+                                        <p:tgtEl>
+                                          <p:spTgt spid="4">
+                                            <p:txEl>
+                                              <p:pRg st="0" end="0"/>
+                                            </p:txEl>
+                                          </p:spTgt>
+                                        </p:tgtEl>
+                                        <p:attrNameLst>
+                                          <p:attrName>style.visibility</p:attrName>
+                                        </p:attrNameLst>
+                                      </p:cBhvr>
+                                      <p:to>
+                                        <p:strVal val="visible"/>
+                                      </p:to>
+                                    </p:set>
+                                    <p:animEffect transition="in" filter="fade">
+                                      <p:cBhvr>
+                                        <p:cTn id="7" dur="500"/>
+                                        <p:tgtEl>
+                                          <p:spTgt spid="4">
+                                            <p:txEl>
+                                              <p:pRg st="0" end="0"/>
+                                            </p:txEl>
+                                          </p:spTgt>
+                                        </p:tgtEl>
+                                      </p:cBhvr>
+                                    </p:animEffect>
+                                  </p:childTnLst>
+                                </p:cTn>
+                              </p:par>
+                            </p:childTnLst>
+                          </p:cTn>
+                        </p:par>
+                      </p:childTnLst>
+                    </p:cTn>
+                  </p:par>
+                  <p:par>
+                    <p:cTn id="8" fill="hold">
+                      <p:stCondLst>
+                        <p:cond delay="indefinite"/>
+                      </p:stCondLst>
+                      <p:childTnLst>
+                        <p:par>
+                          <p:cTn id="9" fill="hold">
+                            <p:stCondLst>
+                              <p:cond delay="0"/>
+                            </p:stCondLst>
+                            <p:childTnLst>
+                              <p:par>
+                                <p:cTn id="10" presetID="10" presetClass="entr" presetSubtype="0" fill="hold" grpId="0" nodeType="clickEffect">
+                                  <p:stCondLst>
+                                    <p:cond delay="0"/>
+                                  </p:stCondLst>
+                                  <p:childTnLst>
+                                    <p:set>
+                                      <p:cBhvr>
+                                        <p:cTn id="11" dur="1" fill="hold">
+                                          <p:stCondLst>
+                                            <p:cond delay="0"/>
+                                          </p:stCondLst>
+                                        </p:cTn>
+                                        <p:tgtEl>
+                                          <p:spTgt spid="4">
+                                            <p:txEl>
+                                              <p:pRg st="1" end="1"/>
+                                            </p:txEl>
+                                          </p:spTgt>
+                                        </p:tgtEl>
+                                        <p:attrNameLst>
+                                          <p:attrName>style.visibility</p:attrName>
+                                        </p:attrNameLst>
+                                      </p:cBhvr>
+                                      <p:to>
+                                        <p:strVal val="visible"/>
+                                      </p:to>
+                                    </p:set>
+                                    <p:animEffect transition="in" filter="fade">
+                                      <p:cBhvr>
+                                        <p:cTn id="12" dur="500"/>
+                                        <p:tgtEl>
+                                          <p:spTgt spid="4">
+                                            <p:txEl>
+                                              <p:pRg st="1" end="1"/>
+                                            </p:txEl>
+                                          </p:spTgt>
+                                        </p:tgtEl>
+                                      </p:cBhvr>
+                                    </p:animEffect>
+                                  </p:childTnLst>
+                                </p:cTn>
+                              </p:par>
+                            </p:childTnLst>
+                          </p:cTn>
+                        </p:par>
+                      </p:childTnLst>
+                    </p:cTn>
+                  </p:par>
+                  <p:par>
+                    <p:cTn id="13" fill="hold">
+                      <p:stCondLst>
+                        <p:cond delay="indefinite"/>
+                      </p:stCondLst>
+                      <p:childTnLst>
+                        <p:par>
+                          <p:cTn id="14" fill="hold">
+                            <p:stCondLst>
+                              <p:cond delay="0"/>
+                            </p:stCondLst>
+                            <p:childTnLst>
+                              <p:par>
+                                <p:cTn id="15" presetID="10" presetClass="entr" presetSubtype="0" fill="hold" grpId="0" nodeType="clickEffect">
+                                  <p:stCondLst>
+                                    <p:cond delay="0"/>
+                                  </p:stCondLst>
+                                  <p:childTnLst>
+                                    <p:set>
+                                      <p:cBhvr>
+                                        <p:cTn id="16" dur="1" fill="hold">
+                                          <p:stCondLst>
+                                            <p:cond delay="0"/>
+                                          </p:stCondLst>
+                                        </p:cTn>
+                                        <p:tgtEl>
+                                          <p:spTgt spid="4">
+                                            <p:txEl>
+                                              <p:pRg st="2" end="2"/>
+                                            </p:txEl>
+                                          </p:spTgt>
+                                        </p:tgtEl>
+                                        <p:attrNameLst>
+                                          <p:attrName>style.visibility</p:attrName>
+                                        </p:attrNameLst>
+                                      </p:cBhvr>
+                                      <p:to>
+                                        <p:strVal val="visible"/>
+                                      </p:to>
+                                    </p:set>
+                                    <p:animEffect transition="in" filter="fade">
+                                      <p:cBhvr>
+                                        <p:cTn id="17" dur="500"/>
+                                        <p:tgtEl>
+                                          <p:spTgt spid="4">
+                                            <p:txEl>
+                                              <p:pRg st="2" end="2"/>
+                                            </p:txEl>
+                                          </p:spTgt>
+                                        </p:tgtEl>
+                                      </p:cBhvr>
+                                    </p:animEffect>
+                                  </p:childTnLst>
+                                </p:cTn>
+                              </p:par>
+                            </p:childTnLst>
+                          </p:cTn>
+                        </p:par>
+                      </p:childTnLst>
+                    </p:cTn>
+                  </p:par>
+                  <p:par>
+                    <p:cTn id="18" fill="hold">
+                      <p:stCondLst>
+                        <p:cond delay="indefinite"/>
+                      </p:stCondLst>
+                      <p:childTnLst>
+                        <p:par>
+                          <p:cTn id="19" fill="hold">
+                            <p:stCondLst>
+                              <p:cond delay="0"/>
+                            </p:stCondLst>
+                            <p:childTnLst>
+                              <p:par>
+                                <p:cTn id="20" presetID="10" presetClass="entr" presetSubtype="0" fill="hold" grpId="0" nodeType="clickEffect">
+                                  <p:stCondLst>
+                                    <p:cond delay="0"/>
+                                  </p:stCondLst>
+                                  <p:childTnLst>
+                                    <p:set>
+                                      <p:cBhvr>
+                                        <p:cTn id="21" dur="1" fill="hold">
+                                          <p:stCondLst>
+                                            <p:cond delay="0"/>
+                                          </p:stCondLst>
+                                        </p:cTn>
+                                        <p:tgtEl>
+                                          <p:spTgt spid="4">
+                                            <p:txEl>
+                                              <p:pRg st="3" end="3"/>
+                                            </p:txEl>
+                                          </p:spTgt>
+                                        </p:tgtEl>
+                                        <p:attrNameLst>
+                                          <p:attrName>style.visibility</p:attrName>
+                                        </p:attrNameLst>
+                                      </p:cBhvr>
+                                      <p:to>
+                                        <p:strVal val="visible"/>
+                                      </p:to>
+                                    </p:set>
+                                    <p:animEffect transition="in" filter="fade">
+                                      <p:cBhvr>
+                                        <p:cTn id="22" dur="500"/>
+                                        <p:tgtEl>
+                                          <p:spTgt spid="4">
+                                            <p:txEl>
+                                              <p:pRg st="3" end="3"/>
+                                            </p:txEl>
+                                          </p:spTgt>
+                                        </p:tgtEl>
+                                      </p:cBhvr>
+                                    </p:animEffect>
+                                  </p:childTnLst>
+                                </p:cTn>
+                              </p:par>
+                            </p:childTnLst>
+                          </p:cTn>
+                        </p:par>
+                      </p:childTnLst>
+                    </p:cTn>
+                  </p:par>
+                  <p:par>
+                    <p:cTn id="23" fill="hold">
+                      <p:stCondLst>
+                        <p:cond delay="indefinite"/>
+                      </p:stCondLst>
+                      <p:childTnLst>
+                        <p:par>
+                          <p:cTn id="24" fill="hold">
+                            <p:stCondLst>
+                              <p:cond delay="0"/>
+                            </p:stCondLst>
+                            <p:childTnLst>
+                              <p:par>
+                                <p:cTn id="25" presetID="10" presetClass="entr" presetSubtype="0" fill="hold" grpId="0" nodeType="clickEffect">
+                                  <p:stCondLst>
+                                    <p:cond delay="0"/>
+                                  </p:stCondLst>
+                                  <p:childTnLst>
+                                    <p:set>
+                                      <p:cBhvr>
+                                        <p:cTn id="26" dur="1" fill="hold">
+                                          <p:stCondLst>
+                                            <p:cond delay="0"/>
+                                          </p:stCondLst>
+                                        </p:cTn>
+                                        <p:tgtEl>
+                                          <p:spTgt spid="4">
+                                            <p:txEl>
+                                              <p:pRg st="4" end="4"/>
+                                            </p:txEl>
+                                          </p:spTgt>
+                                        </p:tgtEl>
+                                        <p:attrNameLst>
+                                          <p:attrName>style.visibility</p:attrName>
+                                        </p:attrNameLst>
+                                      </p:cBhvr>
+                                      <p:to>
+                                        <p:strVal val="visible"/>
+                                      </p:to>
+                                    </p:set>
+                                    <p:animEffect transition="in" filter="fade">
+                                      <p:cBhvr>
+                                        <p:cTn id="27" dur="500"/>
+                                        <p:tgtEl>
+                                          <p:spTgt spid="4">
+                                            <p:txEl>
+                                              <p:pRg st="4" end="4"/>
+                                            </p:txEl>
+                                          </p:spTgt>
+                                        </p:tgtEl>
+                                      </p:cBhvr>
+                                    </p:animEffect>
+                                  </p:childTnLst>
+                                </p:cTn>
+                              </p:par>
+                            </p:childTnLst>
+                          </p:cTn>
+                        </p:par>
+                      </p:childTnLst>
+                    </p:cTn>
+                  </p:par>
+                  <p:par>
+                    <p:cTn id="28" fill="hold">
+                      <p:stCondLst>
+                        <p:cond delay="indefinite"/>
+                      </p:stCondLst>
+                      <p:childTnLst>
+                        <p:par>
+                          <p:cTn id="29" fill="hold">
+                            <p:stCondLst>
+                              <p:cond delay="0"/>
+                            </p:stCondLst>
+                            <p:childTnLst>
+                              <p:par>
+                                <p:cTn id="30" presetID="10" presetClass="entr" presetSubtype="0" fill="hold" nodeType="clickEffect">
+                                  <p:stCondLst>
+                                    <p:cond delay="0"/>
+                                  </p:stCondLst>
+                                  <p:childTnLst>
+                                    <p:set>
+                                      <p:cBhvr>
+                                        <p:cTn id="31" dur="1" fill="hold">
+                                          <p:stCondLst>
+                                            <p:cond delay="0"/>
+                                          </p:stCondLst>
+                                        </p:cTn>
+                                        <p:tgtEl>
+                                          <p:spTgt spid="8"/>
+                                        </p:tgtEl>
+                                        <p:attrNameLst>
+                                          <p:attrName>style.visibility</p:attrName>
+                                        </p:attrNameLst>
+                                      </p:cBhvr>
+                                      <p:to>
+                                        <p:strVal val="visible"/>
+                                      </p:to>
+                                    </p:set>
+                                    <p:animEffect transition="in" filter="fade">
+                                      <p:cBhvr>
+                                        <p:cTn id="32" dur="500"/>
+                                        <p:tgtEl>
+                                          <p:spTgt spid="8"/>
+                                        </p:tgtEl>
+                                      </p:cBhvr>
+                                    </p:animEffect>
+                                  </p:childTnLst>
+                                </p:cTn>
+                              </p:par>
+                            </p:childTnLst>
+                          </p:cTn>
+                        </p:par>
+                      </p:childTnLst>
+                    </p:cTn>
+                  </p:par>
+                </p:childTnLst>
+              </p:cTn>
+              <p:prevCondLst>
+                <p:cond evt="onPrev" delay="0">
+                  <p:tgtEl>
+                    <p:sldTgt/>
+                  </p:tgtEl>
+                </p:cond>
+              </p:prevCondLst>
+              <p:nextCondLst>
+                <p:cond evt="onNext" delay="0">
+                  <p:tgtEl>
+                    <p:sldTgt/>
+                  </p:tgtEl>
+                </p:cond>
+              </p:nextCondLst>
+            </p:seq>
+          </p:childTnLst>
+        </p:cTn>
+      </p:par>
+    </p:tnLst>
+    <p:bldLst>
+      <p:bldP spid="4" grpId="0" build="p"/>
+    </p:bldLst>
+  </p:timing>
 </p:sld>
 </file>
 
@@ -11629,10 +12020,10 @@
       </p:sp>
       <p:pic>
         <p:nvPicPr>
-          <p:cNvPr id="5" name="Inhaltsplatzhalter 5" descr="Ein Bild, das Screenshot enthält.&#10;&#10;Mit sehr hoher Zuverlässigkeit generierte Beschreibung">
+          <p:cNvPr id="8" name="Inhaltsplatzhalter 7" descr="Ein Bild, das Screenshot enthält.&#10;&#10;Mit sehr hoher Zuverlässigkeit generierte Beschreibung">
             <a:extLst>
               <a:ext uri="{FF2B5EF4-FFF2-40B4-BE49-F238E27FC236}">
-                <a16:creationId xmlns:a16="http://schemas.microsoft.com/office/drawing/2014/main" id="{56DBCA3A-7419-4CAA-884C-D11A855D1852}"/>
+                <a16:creationId xmlns:a16="http://schemas.microsoft.com/office/drawing/2014/main" id="{058F7FFE-6268-4A6E-9DDF-F4431D01919F}"/>
               </a:ext>
             </a:extLst>
           </p:cNvPr>
@@ -11657,8 +12048,8 @@
         </p:blipFill>
         <p:spPr>
           <a:xfrm>
-            <a:off x="4106644" y="739301"/>
-            <a:ext cx="8085355" cy="4638042"/>
+            <a:off x="4191280" y="1732472"/>
+            <a:ext cx="8000720" cy="4173403"/>
           </a:xfrm>
         </p:spPr>
       </p:pic>
@@ -11672,6 +12063,397 @@
   <p:clrMapOvr>
     <a:masterClrMapping/>
   </p:clrMapOvr>
+  <p:timing>
+    <p:tnLst>
+      <p:par>
+        <p:cTn id="1" dur="indefinite" restart="never" nodeType="tmRoot">
+          <p:childTnLst>
+            <p:seq concurrent="1" nextAc="seek">
+              <p:cTn id="2" dur="indefinite" nodeType="mainSeq">
+                <p:childTnLst>
+                  <p:par>
+                    <p:cTn id="3" fill="hold">
+                      <p:stCondLst>
+                        <p:cond delay="indefinite"/>
+                      </p:stCondLst>
+                      <p:childTnLst>
+                        <p:par>
+                          <p:cTn id="4" fill="hold">
+                            <p:stCondLst>
+                              <p:cond delay="0"/>
+                            </p:stCondLst>
+                            <p:childTnLst>
+                              <p:par>
+                                <p:cTn id="5" presetID="10" presetClass="entr" presetSubtype="0" fill="hold" grpId="0" nodeType="clickEffect">
+                                  <p:stCondLst>
+                                    <p:cond delay="0"/>
+                                  </p:stCondLst>
+                                  <p:childTnLst>
+                                    <p:set>
+                                      <p:cBhvr>
+                                        <p:cTn id="6" dur="1" fill="hold">
+                                          <p:stCondLst>
+                                            <p:cond delay="0"/>
+                                          </p:stCondLst>
+                                        </p:cTn>
+                                        <p:tgtEl>
+                                          <p:spTgt spid="4">
+                                            <p:txEl>
+                                              <p:pRg st="0" end="0"/>
+                                            </p:txEl>
+                                          </p:spTgt>
+                                        </p:tgtEl>
+                                        <p:attrNameLst>
+                                          <p:attrName>style.visibility</p:attrName>
+                                        </p:attrNameLst>
+                                      </p:cBhvr>
+                                      <p:to>
+                                        <p:strVal val="visible"/>
+                                      </p:to>
+                                    </p:set>
+                                    <p:animEffect transition="in" filter="fade">
+                                      <p:cBhvr>
+                                        <p:cTn id="7" dur="500"/>
+                                        <p:tgtEl>
+                                          <p:spTgt spid="4">
+                                            <p:txEl>
+                                              <p:pRg st="0" end="0"/>
+                                            </p:txEl>
+                                          </p:spTgt>
+                                        </p:tgtEl>
+                                      </p:cBhvr>
+                                    </p:animEffect>
+                                  </p:childTnLst>
+                                </p:cTn>
+                              </p:par>
+                            </p:childTnLst>
+                          </p:cTn>
+                        </p:par>
+                      </p:childTnLst>
+                    </p:cTn>
+                  </p:par>
+                  <p:par>
+                    <p:cTn id="8" fill="hold">
+                      <p:stCondLst>
+                        <p:cond delay="indefinite"/>
+                      </p:stCondLst>
+                      <p:childTnLst>
+                        <p:par>
+                          <p:cTn id="9" fill="hold">
+                            <p:stCondLst>
+                              <p:cond delay="0"/>
+                            </p:stCondLst>
+                            <p:childTnLst>
+                              <p:par>
+                                <p:cTn id="10" presetID="10" presetClass="entr" presetSubtype="0" fill="hold" grpId="0" nodeType="clickEffect">
+                                  <p:stCondLst>
+                                    <p:cond delay="0"/>
+                                  </p:stCondLst>
+                                  <p:childTnLst>
+                                    <p:set>
+                                      <p:cBhvr>
+                                        <p:cTn id="11" dur="1" fill="hold">
+                                          <p:stCondLst>
+                                            <p:cond delay="0"/>
+                                          </p:stCondLst>
+                                        </p:cTn>
+                                        <p:tgtEl>
+                                          <p:spTgt spid="4">
+                                            <p:txEl>
+                                              <p:pRg st="1" end="1"/>
+                                            </p:txEl>
+                                          </p:spTgt>
+                                        </p:tgtEl>
+                                        <p:attrNameLst>
+                                          <p:attrName>style.visibility</p:attrName>
+                                        </p:attrNameLst>
+                                      </p:cBhvr>
+                                      <p:to>
+                                        <p:strVal val="visible"/>
+                                      </p:to>
+                                    </p:set>
+                                    <p:animEffect transition="in" filter="fade">
+                                      <p:cBhvr>
+                                        <p:cTn id="12" dur="500"/>
+                                        <p:tgtEl>
+                                          <p:spTgt spid="4">
+                                            <p:txEl>
+                                              <p:pRg st="1" end="1"/>
+                                            </p:txEl>
+                                          </p:spTgt>
+                                        </p:tgtEl>
+                                      </p:cBhvr>
+                                    </p:animEffect>
+                                  </p:childTnLst>
+                                </p:cTn>
+                              </p:par>
+                            </p:childTnLst>
+                          </p:cTn>
+                        </p:par>
+                      </p:childTnLst>
+                    </p:cTn>
+                  </p:par>
+                  <p:par>
+                    <p:cTn id="13" fill="hold">
+                      <p:stCondLst>
+                        <p:cond delay="indefinite"/>
+                      </p:stCondLst>
+                      <p:childTnLst>
+                        <p:par>
+                          <p:cTn id="14" fill="hold">
+                            <p:stCondLst>
+                              <p:cond delay="0"/>
+                            </p:stCondLst>
+                            <p:childTnLst>
+                              <p:par>
+                                <p:cTn id="15" presetID="10" presetClass="entr" presetSubtype="0" fill="hold" grpId="0" nodeType="clickEffect">
+                                  <p:stCondLst>
+                                    <p:cond delay="0"/>
+                                  </p:stCondLst>
+                                  <p:childTnLst>
+                                    <p:set>
+                                      <p:cBhvr>
+                                        <p:cTn id="16" dur="1" fill="hold">
+                                          <p:stCondLst>
+                                            <p:cond delay="0"/>
+                                          </p:stCondLst>
+                                        </p:cTn>
+                                        <p:tgtEl>
+                                          <p:spTgt spid="4">
+                                            <p:txEl>
+                                              <p:pRg st="2" end="2"/>
+                                            </p:txEl>
+                                          </p:spTgt>
+                                        </p:tgtEl>
+                                        <p:attrNameLst>
+                                          <p:attrName>style.visibility</p:attrName>
+                                        </p:attrNameLst>
+                                      </p:cBhvr>
+                                      <p:to>
+                                        <p:strVal val="visible"/>
+                                      </p:to>
+                                    </p:set>
+                                    <p:animEffect transition="in" filter="fade">
+                                      <p:cBhvr>
+                                        <p:cTn id="17" dur="500"/>
+                                        <p:tgtEl>
+                                          <p:spTgt spid="4">
+                                            <p:txEl>
+                                              <p:pRg st="2" end="2"/>
+                                            </p:txEl>
+                                          </p:spTgt>
+                                        </p:tgtEl>
+                                      </p:cBhvr>
+                                    </p:animEffect>
+                                  </p:childTnLst>
+                                </p:cTn>
+                              </p:par>
+                            </p:childTnLst>
+                          </p:cTn>
+                        </p:par>
+                      </p:childTnLst>
+                    </p:cTn>
+                  </p:par>
+                  <p:par>
+                    <p:cTn id="18" fill="hold">
+                      <p:stCondLst>
+                        <p:cond delay="indefinite"/>
+                      </p:stCondLst>
+                      <p:childTnLst>
+                        <p:par>
+                          <p:cTn id="19" fill="hold">
+                            <p:stCondLst>
+                              <p:cond delay="0"/>
+                            </p:stCondLst>
+                            <p:childTnLst>
+                              <p:par>
+                                <p:cTn id="20" presetID="10" presetClass="entr" presetSubtype="0" fill="hold" grpId="0" nodeType="clickEffect">
+                                  <p:stCondLst>
+                                    <p:cond delay="0"/>
+                                  </p:stCondLst>
+                                  <p:childTnLst>
+                                    <p:set>
+                                      <p:cBhvr>
+                                        <p:cTn id="21" dur="1" fill="hold">
+                                          <p:stCondLst>
+                                            <p:cond delay="0"/>
+                                          </p:stCondLst>
+                                        </p:cTn>
+                                        <p:tgtEl>
+                                          <p:spTgt spid="4">
+                                            <p:txEl>
+                                              <p:pRg st="3" end="3"/>
+                                            </p:txEl>
+                                          </p:spTgt>
+                                        </p:tgtEl>
+                                        <p:attrNameLst>
+                                          <p:attrName>style.visibility</p:attrName>
+                                        </p:attrNameLst>
+                                      </p:cBhvr>
+                                      <p:to>
+                                        <p:strVal val="visible"/>
+                                      </p:to>
+                                    </p:set>
+                                    <p:animEffect transition="in" filter="fade">
+                                      <p:cBhvr>
+                                        <p:cTn id="22" dur="500"/>
+                                        <p:tgtEl>
+                                          <p:spTgt spid="4">
+                                            <p:txEl>
+                                              <p:pRg st="3" end="3"/>
+                                            </p:txEl>
+                                          </p:spTgt>
+                                        </p:tgtEl>
+                                      </p:cBhvr>
+                                    </p:animEffect>
+                                  </p:childTnLst>
+                                </p:cTn>
+                              </p:par>
+                            </p:childTnLst>
+                          </p:cTn>
+                        </p:par>
+                      </p:childTnLst>
+                    </p:cTn>
+                  </p:par>
+                  <p:par>
+                    <p:cTn id="23" fill="hold">
+                      <p:stCondLst>
+                        <p:cond delay="indefinite"/>
+                      </p:stCondLst>
+                      <p:childTnLst>
+                        <p:par>
+                          <p:cTn id="24" fill="hold">
+                            <p:stCondLst>
+                              <p:cond delay="0"/>
+                            </p:stCondLst>
+                            <p:childTnLst>
+                              <p:par>
+                                <p:cTn id="25" presetID="10" presetClass="entr" presetSubtype="0" fill="hold" grpId="0" nodeType="clickEffect">
+                                  <p:stCondLst>
+                                    <p:cond delay="0"/>
+                                  </p:stCondLst>
+                                  <p:childTnLst>
+                                    <p:set>
+                                      <p:cBhvr>
+                                        <p:cTn id="26" dur="1" fill="hold">
+                                          <p:stCondLst>
+                                            <p:cond delay="0"/>
+                                          </p:stCondLst>
+                                        </p:cTn>
+                                        <p:tgtEl>
+                                          <p:spTgt spid="4">
+                                            <p:txEl>
+                                              <p:pRg st="4" end="4"/>
+                                            </p:txEl>
+                                          </p:spTgt>
+                                        </p:tgtEl>
+                                        <p:attrNameLst>
+                                          <p:attrName>style.visibility</p:attrName>
+                                        </p:attrNameLst>
+                                      </p:cBhvr>
+                                      <p:to>
+                                        <p:strVal val="visible"/>
+                                      </p:to>
+                                    </p:set>
+                                    <p:animEffect transition="in" filter="fade">
+                                      <p:cBhvr>
+                                        <p:cTn id="27" dur="500"/>
+                                        <p:tgtEl>
+                                          <p:spTgt spid="4">
+                                            <p:txEl>
+                                              <p:pRg st="4" end="4"/>
+                                            </p:txEl>
+                                          </p:spTgt>
+                                        </p:tgtEl>
+                                      </p:cBhvr>
+                                    </p:animEffect>
+                                  </p:childTnLst>
+                                </p:cTn>
+                              </p:par>
+                            </p:childTnLst>
+                          </p:cTn>
+                        </p:par>
+                      </p:childTnLst>
+                    </p:cTn>
+                  </p:par>
+                  <p:par>
+                    <p:cTn id="28" fill="hold">
+                      <p:stCondLst>
+                        <p:cond delay="indefinite"/>
+                      </p:stCondLst>
+                      <p:childTnLst>
+                        <p:par>
+                          <p:cTn id="29" fill="hold">
+                            <p:stCondLst>
+                              <p:cond delay="0"/>
+                            </p:stCondLst>
+                            <p:childTnLst>
+                              <p:par>
+                                <p:cTn id="30" presetID="10" presetClass="entr" presetSubtype="0" fill="hold" nodeType="clickEffect">
+                                  <p:stCondLst>
+                                    <p:cond delay="0"/>
+                                  </p:stCondLst>
+                                  <p:childTnLst>
+                                    <p:set>
+                                      <p:cBhvr>
+                                        <p:cTn id="31" dur="1" fill="hold">
+                                          <p:stCondLst>
+                                            <p:cond delay="0"/>
+                                          </p:stCondLst>
+                                        </p:cTn>
+                                        <p:tgtEl>
+                                          <p:spTgt spid="8"/>
+                                        </p:tgtEl>
+                                        <p:attrNameLst>
+                                          <p:attrName>style.visibility</p:attrName>
+                                        </p:attrNameLst>
+                                      </p:cBhvr>
+                                      <p:to>
+                                        <p:strVal val="visible"/>
+                                      </p:to>
+                                    </p:set>
+                                    <p:animEffect transition="in" filter="fade">
+                                      <p:cBhvr>
+                                        <p:cTn id="32" dur="500"/>
+                                        <p:tgtEl>
+                                          <p:spTgt spid="8"/>
+                                        </p:tgtEl>
+                                      </p:cBhvr>
+                                    </p:animEffect>
+                                  </p:childTnLst>
+                                </p:cTn>
+                              </p:par>
+                            </p:childTnLst>
+                          </p:cTn>
+                        </p:par>
+                      </p:childTnLst>
+                    </p:cTn>
+                  </p:par>
+                </p:childTnLst>
+              </p:cTn>
+              <p:prevCondLst>
+                <p:cond evt="onPrev" delay="0">
+                  <p:tgtEl>
+                    <p:sldTgt/>
+                  </p:tgtEl>
+                </p:cond>
+              </p:prevCondLst>
+              <p:nextCondLst>
+                <p:cond evt="onNext" delay="0">
+                  <p:tgtEl>
+                    <p:sldTgt/>
+                  </p:tgtEl>
+                </p:cond>
+              </p:nextCondLst>
+            </p:seq>
+          </p:childTnLst>
+        </p:cTn>
+      </p:par>
+    </p:tnLst>
+    <p:bldLst>
+      <p:bldP spid="4" grpId="0" build="p"/>
+    </p:bldLst>
+  </p:timing>
 </p:sld>
 </file>
 
@@ -11694,10 +12476,10 @@
       </p:grpSpPr>
       <p:pic>
         <p:nvPicPr>
-          <p:cNvPr id="6" name="Grafik 5" descr="Ein Bild, das Text, Karte enthält.&#10;&#10;Mit sehr hoher Zuverlässigkeit generierte Beschreibung">
+          <p:cNvPr id="3" name="Grafik 2" descr="Ein Bild, das Text, Karte enthält.&#10;&#10;Mit sehr hoher Zuverlässigkeit generierte Beschreibung">
             <a:extLst>
               <a:ext uri="{FF2B5EF4-FFF2-40B4-BE49-F238E27FC236}">
-                <a16:creationId xmlns:a16="http://schemas.microsoft.com/office/drawing/2014/main" id="{E8708F85-6105-43F8-95C4-567F9B923122}"/>
+                <a16:creationId xmlns:a16="http://schemas.microsoft.com/office/drawing/2014/main" id="{8870402F-A3AF-4CED-90DC-A46980EFCE70}"/>
               </a:ext>
             </a:extLst>
           </p:cNvPr>
@@ -11720,8 +12502,8 @@
         </p:blipFill>
         <p:spPr>
           <a:xfrm>
-            <a:off x="4762" y="66675"/>
-            <a:ext cx="12182475" cy="6724650"/>
+            <a:off x="1496285" y="-1"/>
+            <a:ext cx="9024028" cy="6881633"/>
           </a:xfrm>
           <a:prstGeom prst="rect">
             <a:avLst/>

--- a/Meilensteine/MS 5/Projekt.pptx
+++ b/Meilensteine/MS 5/Projekt.pptx
@@ -11202,23 +11202,7 @@
             </a:r>
             <a:r>
               <a:rPr lang="en-US" sz="2400" dirty="0"/>
-              <a:t> (</a:t>
-            </a:r>
-            <a:r>
-              <a:rPr lang="en-US" sz="2400" dirty="0" err="1"/>
-              <a:t>Hohe</a:t>
-            </a:r>
-            <a:r>
-              <a:rPr lang="en-US" sz="2400" dirty="0"/>
               <a:t> </a:t>
-            </a:r>
-            <a:r>
-              <a:rPr lang="en-US" sz="2400" dirty="0" err="1"/>
-              <a:t>Kohäsion</a:t>
-            </a:r>
-            <a:r>
-              <a:rPr lang="en-US" sz="2400" dirty="0"/>
-              <a:t>)</a:t>
             </a:r>
           </a:p>
           <a:p>
@@ -11227,8 +11211,12 @@
               <a:buChar char="•"/>
             </a:pPr>
             <a:r>
+              <a:rPr lang="en-US" sz="2400" dirty="0" err="1"/>
+              <a:t>Programm</a:t>
+            </a:r>
+            <a:r>
               <a:rPr lang="en-US" sz="2400" dirty="0"/>
-              <a:t>Programm einfach Wartbar und leicht erweiterbar</a:t>
+              <a:t> einfach Wartbar und leicht erweiterbar</a:t>
             </a:r>
           </a:p>
           <a:p>
@@ -11776,7 +11764,7 @@
         </p:spPr>
         <p:txBody>
           <a:bodyPr>
-            <a:normAutofit fontScale="92500" lnSpcReduction="20000"/>
+            <a:normAutofit fontScale="85000" lnSpcReduction="20000"/>
           </a:bodyPr>
           <a:lstStyle/>
           <a:p>
@@ -11900,15 +11888,15 @@
             </a:r>
             <a:r>
               <a:rPr lang="en-US" sz="2600" dirty="0"/>
-              <a:t>, Modis </a:t>
+              <a:t>, GUI </a:t>
             </a:r>
             <a:r>
               <a:rPr lang="en-US" sz="2600" dirty="0" err="1"/>
-              <a:t>usw</a:t>
+              <a:t>Eingaben</a:t>
             </a:r>
             <a:r>
               <a:rPr lang="en-US" sz="2600" dirty="0"/>
-              <a:t>.</a:t>
+              <a:t>, Multiplayer</a:t>
             </a:r>
           </a:p>
           <a:p>
@@ -11930,23 +11918,19 @@
             </a:r>
             <a:r>
               <a:rPr lang="en-US" sz="2600" dirty="0"/>
-              <a:t> auf </a:t>
+              <a:t> auf die </a:t>
             </a:r>
             <a:r>
               <a:rPr lang="en-US" sz="2600" dirty="0" err="1"/>
-              <a:t>gemeinsame</a:t>
+              <a:t>gemeinsamen</a:t>
             </a:r>
             <a:r>
               <a:rPr lang="en-US" sz="2600" dirty="0"/>
               <a:t> </a:t>
             </a:r>
             <a:r>
-              <a:rPr lang="en-US" sz="2600" dirty="0" err="1"/>
-              <a:t>Datenbank</a:t>
-            </a:r>
-            <a:r>
-              <a:rPr lang="en-US" sz="2600" dirty="0"/>
-              <a:t> </a:t>
+              <a:rPr lang="en-US" sz="2600"/>
+              <a:t>Datenbanken </a:t>
             </a:r>
             <a:r>
               <a:rPr lang="en-US" sz="2600" dirty="0" err="1"/>

--- a/Meilensteine/MS 5/Projekt.pptx
+++ b/Meilensteine/MS 5/Projekt.pptx
@@ -302,7 +302,7 @@
           <a:p>
             <a:fld id="{CC4B9ACB-A791-4168-BE73-4D419138C425}" type="datetimeFigureOut">
               <a:rPr lang="de-DE" smtClean="0"/>
-              <a:t>04.07.2017</a:t>
+              <a:t>05.07.2017</a:t>
             </a:fld>
             <a:endParaRPr lang="de-DE" dirty="0"/>
           </a:p>
@@ -500,7 +500,7 @@
           <a:p>
             <a:fld id="{CC4B9ACB-A791-4168-BE73-4D419138C425}" type="datetimeFigureOut">
               <a:rPr lang="de-DE" smtClean="0"/>
-              <a:t>04.07.2017</a:t>
+              <a:t>05.07.2017</a:t>
             </a:fld>
             <a:endParaRPr lang="de-DE" dirty="0"/>
           </a:p>
@@ -708,7 +708,7 @@
           <a:p>
             <a:fld id="{CC4B9ACB-A791-4168-BE73-4D419138C425}" type="datetimeFigureOut">
               <a:rPr lang="de-DE" smtClean="0"/>
-              <a:t>04.07.2017</a:t>
+              <a:t>05.07.2017</a:t>
             </a:fld>
             <a:endParaRPr lang="de-DE" dirty="0"/>
           </a:p>
@@ -906,7 +906,7 @@
           <a:p>
             <a:fld id="{CC4B9ACB-A791-4168-BE73-4D419138C425}" type="datetimeFigureOut">
               <a:rPr lang="de-DE" smtClean="0"/>
-              <a:t>04.07.2017</a:t>
+              <a:t>05.07.2017</a:t>
             </a:fld>
             <a:endParaRPr lang="de-DE" dirty="0"/>
           </a:p>
@@ -1181,7 +1181,7 @@
           <a:p>
             <a:fld id="{CC4B9ACB-A791-4168-BE73-4D419138C425}" type="datetimeFigureOut">
               <a:rPr lang="de-DE" smtClean="0"/>
-              <a:t>04.07.2017</a:t>
+              <a:t>05.07.2017</a:t>
             </a:fld>
             <a:endParaRPr lang="de-DE" dirty="0"/>
           </a:p>
@@ -1446,7 +1446,7 @@
           <a:p>
             <a:fld id="{CC4B9ACB-A791-4168-BE73-4D419138C425}" type="datetimeFigureOut">
               <a:rPr lang="de-DE" smtClean="0"/>
-              <a:t>04.07.2017</a:t>
+              <a:t>05.07.2017</a:t>
             </a:fld>
             <a:endParaRPr lang="de-DE" dirty="0"/>
           </a:p>
@@ -1858,7 +1858,7 @@
           <a:p>
             <a:fld id="{CC4B9ACB-A791-4168-BE73-4D419138C425}" type="datetimeFigureOut">
               <a:rPr lang="de-DE" smtClean="0"/>
-              <a:t>04.07.2017</a:t>
+              <a:t>05.07.2017</a:t>
             </a:fld>
             <a:endParaRPr lang="de-DE" dirty="0"/>
           </a:p>
@@ -1999,7 +1999,7 @@
           <a:p>
             <a:fld id="{CC4B9ACB-A791-4168-BE73-4D419138C425}" type="datetimeFigureOut">
               <a:rPr lang="de-DE" smtClean="0"/>
-              <a:t>04.07.2017</a:t>
+              <a:t>05.07.2017</a:t>
             </a:fld>
             <a:endParaRPr lang="de-DE" dirty="0"/>
           </a:p>
@@ -2112,7 +2112,7 @@
           <a:p>
             <a:fld id="{CC4B9ACB-A791-4168-BE73-4D419138C425}" type="datetimeFigureOut">
               <a:rPr lang="de-DE" smtClean="0"/>
-              <a:t>04.07.2017</a:t>
+              <a:t>05.07.2017</a:t>
             </a:fld>
             <a:endParaRPr lang="de-DE" dirty="0"/>
           </a:p>
@@ -2423,7 +2423,7 @@
           <a:p>
             <a:fld id="{CC4B9ACB-A791-4168-BE73-4D419138C425}" type="datetimeFigureOut">
               <a:rPr lang="de-DE" smtClean="0"/>
-              <a:t>04.07.2017</a:t>
+              <a:t>05.07.2017</a:t>
             </a:fld>
             <a:endParaRPr lang="de-DE" dirty="0"/>
           </a:p>
@@ -2711,7 +2711,7 @@
           <a:p>
             <a:fld id="{CC4B9ACB-A791-4168-BE73-4D419138C425}" type="datetimeFigureOut">
               <a:rPr lang="de-DE" smtClean="0"/>
-              <a:t>04.07.2017</a:t>
+              <a:t>05.07.2017</a:t>
             </a:fld>
             <a:endParaRPr lang="de-DE" dirty="0"/>
           </a:p>
@@ -2961,7 +2961,7 @@
           <a:p>
             <a:fld id="{CC4B9ACB-A791-4168-BE73-4D419138C425}" type="datetimeFigureOut">
               <a:rPr lang="de-DE" smtClean="0"/>
-              <a:t>04.07.2017</a:t>
+              <a:t>05.07.2017</a:t>
             </a:fld>
             <a:endParaRPr lang="de-DE" dirty="0"/>
           </a:p>
@@ -8133,42 +8133,39 @@
               <a:t>Codokumentation</a:t>
             </a:r>
             <a:r>
-              <a:rPr lang="de-DE" sz="2400" dirty="0">
+              <a:rPr lang="de-DE" sz="2400">
                 <a:latin typeface="Courier"/>
               </a:rPr>
               <a:t>)</a:t>
-            </a:r>
-          </a:p>
-          <a:p>
-            <a:pPr fontAlgn="base"/>
-            <a:r>
-              <a:rPr lang="de-DE" sz="2400" dirty="0">
-                <a:latin typeface="Courier"/>
-              </a:rPr>
-              <a:t>SVN Repository (</a:t>
-            </a:r>
-            <a:r>
-              <a:rPr lang="de-DE" sz="2400" dirty="0" err="1">
-                <a:latin typeface="Courier"/>
-              </a:rPr>
-              <a:t>TortoiseSVN</a:t>
-            </a:r>
-            <a:r>
-              <a:rPr lang="de-DE" sz="2400" dirty="0">
-                <a:latin typeface="Courier"/>
-              </a:rPr>
-              <a:t>) </a:t>
             </a:r>
           </a:p>
           <a:p>
             <a:pPr marL="0" indent="0" fontAlgn="base">
               <a:buNone/>
             </a:pPr>
+            <a:endParaRPr lang="de-DE" sz="2400" dirty="0">
+              <a:latin typeface="Courier"/>
+            </a:endParaRPr>
+          </a:p>
+          <a:p>
+            <a:pPr fontAlgn="base"/>
             <a:r>
               <a:rPr lang="de-DE" sz="2400" dirty="0">
                 <a:latin typeface="Courier"/>
               </a:rPr>
-              <a:t>  </a:t>
+              <a:t>SVN Repository(</a:t>
+            </a:r>
+            <a:r>
+              <a:rPr lang="de-DE" sz="2400" dirty="0" err="1">
+                <a:latin typeface="Courier"/>
+              </a:rPr>
+              <a:t>TortoiseSVN</a:t>
+            </a:r>
+            <a:r>
+              <a:rPr lang="de-DE" sz="2400" dirty="0">
+                <a:latin typeface="Courier"/>
+              </a:rPr>
+              <a:t>)  </a:t>
             </a:r>
           </a:p>
           <a:p>
@@ -8189,7 +8186,18 @@
               <a:rPr lang="de-DE" sz="2400" dirty="0">
                 <a:latin typeface="Courier"/>
               </a:rPr>
-              <a:t> (Diagramme) </a:t>
+              <a:t> (Diagramme)</a:t>
+            </a:r>
+          </a:p>
+          <a:p>
+            <a:pPr marL="0" indent="0" fontAlgn="base">
+              <a:buNone/>
+            </a:pPr>
+            <a:r>
+              <a:rPr lang="de-DE" sz="2400" dirty="0">
+                <a:latin typeface="Courier"/>
+              </a:rPr>
+              <a:t> </a:t>
             </a:r>
           </a:p>
           <a:p>
@@ -8221,10 +8229,10 @@
       </p:sp>
       <p:pic>
         <p:nvPicPr>
-          <p:cNvPr id="4" name="Grafik 3">
+          <p:cNvPr id="6" name="Grafik 5">
             <a:extLst>
               <a:ext uri="{FF2B5EF4-FFF2-40B4-BE49-F238E27FC236}">
-                <a16:creationId xmlns:a16="http://schemas.microsoft.com/office/drawing/2014/main" id="{2CC82394-F48D-4EB5-B6E9-C9EE2955305E}"/>
+                <a16:creationId xmlns:a16="http://schemas.microsoft.com/office/drawing/2014/main" id="{4313FF39-5080-46E6-B418-9607AE5D8C1D}"/>
               </a:ext>
             </a:extLst>
           </p:cNvPr>
@@ -8241,8 +8249,8 @@
         </p:blipFill>
         <p:spPr>
           <a:xfrm>
-            <a:off x="5595257" y="2512985"/>
-            <a:ext cx="6596743" cy="4345016"/>
+            <a:off x="5756248" y="2056713"/>
+            <a:ext cx="6362930" cy="4757867"/>
           </a:xfrm>
           <a:prstGeom prst="rect">
             <a:avLst/>
@@ -8375,7 +8383,38 @@
                                         <p:tgtEl>
                                           <p:spTgt spid="3">
                                             <p:txEl>
-                                              <p:pRg st="2" end="2"/>
+                                              <p:pRg st="3" end="3"/>
+                                            </p:txEl>
+                                          </p:spTgt>
+                                        </p:tgtEl>
+                                        <p:attrNameLst>
+                                          <p:attrName>style.visibility</p:attrName>
+                                        </p:attrNameLst>
+                                      </p:cBhvr>
+                                      <p:to>
+                                        <p:strVal val="visible"/>
+                                      </p:to>
+                                    </p:set>
+                                  </p:childTnLst>
+                                </p:cTn>
+                              </p:par>
+                              <p:par>
+                                <p:cTn id="13" presetID="1" presetClass="entr" presetSubtype="0" fill="hold" nodeType="withEffect">
+                                  <p:stCondLst>
+                                    <p:cond delay="0"/>
+                                  </p:stCondLst>
+                                  <p:childTnLst>
+                                    <p:set>
+                                      <p:cBhvr>
+                                        <p:cTn id="14" dur="1" fill="hold">
+                                          <p:stCondLst>
+                                            <p:cond delay="0"/>
+                                          </p:stCondLst>
+                                        </p:cTn>
+                                        <p:tgtEl>
+                                          <p:spTgt spid="3">
+                                            <p:txEl>
+                                              <p:pRg st="4" end="4"/>
                                             </p:txEl>
                                           </p:spTgt>
                                         </p:tgtEl>
@@ -8397,26 +8436,26 @@
                     </p:cTn>
                   </p:par>
                   <p:par>
-                    <p:cTn id="13" fill="hold">
+                    <p:cTn id="15" fill="hold">
                       <p:stCondLst>
                         <p:cond delay="indefinite"/>
                       </p:stCondLst>
                       <p:childTnLst>
                         <p:par>
-                          <p:cTn id="14" fill="hold">
+                          <p:cTn id="16" fill="hold">
                             <p:stCondLst>
                               <p:cond delay="0"/>
                             </p:stCondLst>
                             <p:childTnLst>
                               <p:par>
-                                <p:cTn id="15" presetID="1" presetClass="entr" presetSubtype="0" fill="hold" nodeType="clickEffect">
+                                <p:cTn id="17" presetID="1" presetClass="entr" presetSubtype="0" fill="hold" nodeType="clickEffect">
                                   <p:stCondLst>
                                     <p:cond delay="0"/>
                                   </p:stCondLst>
                                   <p:childTnLst>
                                     <p:set>
                                       <p:cBhvr>
-                                        <p:cTn id="16" dur="1" fill="hold">
+                                        <p:cTn id="18" dur="1" fill="hold">
                                           <p:stCondLst>
                                             <p:cond delay="0"/>
                                           </p:stCondLst>
@@ -8424,7 +8463,7 @@
                                         <p:tgtEl>
                                           <p:spTgt spid="3">
                                             <p:txEl>
-                                              <p:pRg st="4" end="4"/>
+                                              <p:pRg st="6" end="6"/>
                                             </p:txEl>
                                           </p:spTgt>
                                         </p:tgtEl>
@@ -8440,20 +8479,24 @@
                                 </p:cTn>
                               </p:par>
                               <p:par>
-                                <p:cTn id="17" presetID="22" presetClass="entr" presetSubtype="4" fill="hold" nodeType="withEffect">
+                                <p:cTn id="19" presetID="1" presetClass="entr" presetSubtype="0" fill="hold" nodeType="withEffect">
                                   <p:stCondLst>
                                     <p:cond delay="0"/>
                                   </p:stCondLst>
                                   <p:childTnLst>
                                     <p:set>
                                       <p:cBhvr>
-                                        <p:cTn id="18" dur="1" fill="hold">
+                                        <p:cTn id="20" dur="1" fill="hold">
                                           <p:stCondLst>
                                             <p:cond delay="0"/>
                                           </p:stCondLst>
                                         </p:cTn>
                                         <p:tgtEl>
-                                          <p:spTgt spid="4"/>
+                                          <p:spTgt spid="3">
+                                            <p:txEl>
+                                              <p:pRg st="7" end="7"/>
+                                            </p:txEl>
+                                          </p:spTgt>
                                         </p:tgtEl>
                                         <p:attrNameLst>
                                           <p:attrName>style.visibility</p:attrName>
@@ -8461,67 +8504,6 @@
                                       </p:cBhvr>
                                       <p:to>
                                         <p:strVal val="visible"/>
-                                      </p:to>
-                                    </p:set>
-                                    <p:animEffect transition="in" filter="wipe(down)">
-                                      <p:cBhvr>
-                                        <p:cTn id="19" dur="500"/>
-                                        <p:tgtEl>
-                                          <p:spTgt spid="4"/>
-                                        </p:tgtEl>
-                                      </p:cBhvr>
-                                    </p:animEffect>
-                                  </p:childTnLst>
-                                </p:cTn>
-                              </p:par>
-                            </p:childTnLst>
-                          </p:cTn>
-                        </p:par>
-                      </p:childTnLst>
-                    </p:cTn>
-                  </p:par>
-                  <p:par>
-                    <p:cTn id="20" fill="hold">
-                      <p:stCondLst>
-                        <p:cond delay="indefinite"/>
-                      </p:stCondLst>
-                      <p:childTnLst>
-                        <p:par>
-                          <p:cTn id="21" fill="hold">
-                            <p:stCondLst>
-                              <p:cond delay="0"/>
-                            </p:stCondLst>
-                            <p:childTnLst>
-                              <p:par>
-                                <p:cTn id="22" presetID="22" presetClass="exit" presetSubtype="4" fill="hold" nodeType="clickEffect">
-                                  <p:stCondLst>
-                                    <p:cond delay="0"/>
-                                  </p:stCondLst>
-                                  <p:childTnLst>
-                                    <p:animEffect transition="out" filter="wipe(down)">
-                                      <p:cBhvr>
-                                        <p:cTn id="23" dur="500"/>
-                                        <p:tgtEl>
-                                          <p:spTgt spid="4"/>
-                                        </p:tgtEl>
-                                      </p:cBhvr>
-                                    </p:animEffect>
-                                    <p:set>
-                                      <p:cBhvr>
-                                        <p:cTn id="24" dur="1" fill="hold">
-                                          <p:stCondLst>
-                                            <p:cond delay="499"/>
-                                          </p:stCondLst>
-                                        </p:cTn>
-                                        <p:tgtEl>
-                                          <p:spTgt spid="4"/>
-                                        </p:tgtEl>
-                                        <p:attrNameLst>
-                                          <p:attrName>style.visibility</p:attrName>
-                                        </p:attrNameLst>
-                                      </p:cBhvr>
-                                      <p:to>
-                                        <p:strVal val="hidden"/>
                                       </p:to>
                                     </p:set>
                                   </p:childTnLst>
@@ -8534,36 +8516,32 @@
                     </p:cTn>
                   </p:par>
                   <p:par>
-                    <p:cTn id="25" fill="hold">
+                    <p:cTn id="21" fill="hold">
                       <p:stCondLst>
                         <p:cond delay="indefinite"/>
                       </p:stCondLst>
                       <p:childTnLst>
                         <p:par>
-                          <p:cTn id="26" fill="hold">
+                          <p:cTn id="22" fill="hold">
                             <p:stCondLst>
                               <p:cond delay="0"/>
                             </p:stCondLst>
                             <p:childTnLst>
                               <p:par>
-                                <p:cTn id="27" presetID="1" presetClass="entr" presetSubtype="0" fill="hold" nodeType="clickEffect">
+                                <p:cTn id="23" presetID="10" presetClass="entr" presetSubtype="0" fill="hold" nodeType="clickEffect">
                                   <p:stCondLst>
                                     <p:cond delay="0"/>
                                   </p:stCondLst>
                                   <p:childTnLst>
                                     <p:set>
                                       <p:cBhvr>
-                                        <p:cTn id="28" dur="1" fill="hold">
+                                        <p:cTn id="24" dur="1" fill="hold">
                                           <p:stCondLst>
                                             <p:cond delay="0"/>
                                           </p:stCondLst>
                                         </p:cTn>
                                         <p:tgtEl>
-                                          <p:spTgt spid="3">
-                                            <p:txEl>
-                                              <p:pRg st="5" end="5"/>
-                                            </p:txEl>
-                                          </p:spTgt>
+                                          <p:spTgt spid="6"/>
                                         </p:tgtEl>
                                         <p:attrNameLst>
                                           <p:attrName>style.visibility</p:attrName>
@@ -8573,35 +8551,65 @@
                                         <p:strVal val="visible"/>
                                       </p:to>
                                     </p:set>
+                                    <p:animEffect transition="in" filter="fade">
+                                      <p:cBhvr>
+                                        <p:cTn id="25" dur="500"/>
+                                        <p:tgtEl>
+                                          <p:spTgt spid="6"/>
+                                        </p:tgtEl>
+                                      </p:cBhvr>
+                                    </p:animEffect>
                                   </p:childTnLst>
                                 </p:cTn>
                               </p:par>
+                            </p:childTnLst>
+                          </p:cTn>
+                        </p:par>
+                      </p:childTnLst>
+                    </p:cTn>
+                  </p:par>
+                  <p:par>
+                    <p:cTn id="26" fill="hold">
+                      <p:stCondLst>
+                        <p:cond delay="indefinite"/>
+                      </p:stCondLst>
+                      <p:childTnLst>
+                        <p:par>
+                          <p:cTn id="27" fill="hold">
+                            <p:stCondLst>
+                              <p:cond delay="0"/>
+                            </p:stCondLst>
+                            <p:childTnLst>
                               <p:par>
-                                <p:cTn id="29" presetID="1" presetClass="entr" presetSubtype="0" fill="hold" nodeType="withEffect">
+                                <p:cTn id="28" presetID="10" presetClass="exit" presetSubtype="0" fill="hold" nodeType="clickEffect">
                                   <p:stCondLst>
                                     <p:cond delay="0"/>
                                   </p:stCondLst>
                                   <p:childTnLst>
+                                    <p:animEffect transition="out" filter="fade">
+                                      <p:cBhvr>
+                                        <p:cTn id="29" dur="500"/>
+                                        <p:tgtEl>
+                                          <p:spTgt spid="6"/>
+                                        </p:tgtEl>
+                                      </p:cBhvr>
+                                    </p:animEffect>
                                     <p:set>
                                       <p:cBhvr>
                                         <p:cTn id="30" dur="1" fill="hold">
                                           <p:stCondLst>
-                                            <p:cond delay="0"/>
+                                            <p:cond delay="499"/>
                                           </p:stCondLst>
                                         </p:cTn>
                                         <p:tgtEl>
-                                          <p:spTgt spid="3">
-                                            <p:txEl>
-                                              <p:pRg st="6" end="6"/>
-                                            </p:txEl>
-                                          </p:spTgt>
+                                          <p:spTgt spid="6"/>
                                         </p:tgtEl>
                                         <p:attrNameLst>
                                           <p:attrName>style.visibility</p:attrName>
                                         </p:attrNameLst>
                                       </p:cBhvr>
                                       <p:to>
-                                        <p:strVal val="visible"/>
+                                        <p:strVal val="hidden"/>
                                       </p:to>
                                     </p:set>
                                   </p:childTnLst>
@@ -9369,55 +9377,6 @@
                       </p:childTnLst>
                     </p:cTn>
                   </p:par>
-                  <p:par>
-                    <p:cTn id="45" fill="hold">
-                      <p:stCondLst>
-                        <p:cond delay="indefinite"/>
-                      </p:stCondLst>
-                      <p:childTnLst>
-                        <p:par>
-                          <p:cTn id="46" fill="hold">
-                            <p:stCondLst>
-                              <p:cond delay="0"/>
-                            </p:stCondLst>
-                            <p:childTnLst>
-                              <p:par>
-                                <p:cTn id="47" presetID="1" presetClass="entr" presetSubtype="0" fill="hold" nodeType="clickEffect">
-                                  <p:stCondLst>
-                                    <p:cond delay="0"/>
-                                  </p:stCondLst>
-                                  <p:childTnLst>
-                                    <p:set>
-                                      <p:cBhvr>
-                                        <p:cTn id="48" dur="1" fill="hold">
-                                          <p:stCondLst>
-                                            <p:cond delay="0"/>
-                                          </p:stCondLst>
-                                        </p:cTn>
-                                        <p:tgtEl>
-                                          <p:spTgt spid="3">
-                                            <p:txEl>
-                                              <p:pRg st="6" end="6"/>
-                                            </p:txEl>
-                                          </p:spTgt>
-                                        </p:tgtEl>
-                                        <p:attrNameLst>
-                                          <p:attrName>style.visibility</p:attrName>
-                                        </p:attrNameLst>
-                                      </p:cBhvr>
-                                      <p:to>
-                                        <p:strVal val="visible"/>
-                                      </p:to>
-                                    </p:set>
-                                  </p:childTnLst>
-                                </p:cTn>
-                              </p:par>
-                            </p:childTnLst>
-                          </p:cTn>
-                        </p:par>
-                      </p:childTnLst>
-                    </p:cTn>
-                  </p:par>
                 </p:childTnLst>
               </p:cTn>
               <p:prevCondLst>
@@ -9571,6 +9530,14 @@
             </a:r>
           </a:p>
           <a:p>
+            <a:pPr marL="0" indent="0" fontAlgn="base">
+              <a:buNone/>
+            </a:pPr>
+            <a:endParaRPr lang="de-DE" dirty="0">
+              <a:latin typeface="Courier"/>
+            </a:endParaRPr>
+          </a:p>
+          <a:p>
             <a:pPr fontAlgn="base"/>
             <a:r>
               <a:rPr lang="de-DE" dirty="0">
@@ -9678,6 +9645,49 @@
                                   </p:childTnLst>
                                 </p:cTn>
                               </p:par>
+                              <p:par>
+                                <p:cTn id="8" presetID="10" presetClass="entr" presetSubtype="0" fill="hold" nodeType="withEffect">
+                                  <p:stCondLst>
+                                    <p:cond delay="0"/>
+                                  </p:stCondLst>
+                                  <p:childTnLst>
+                                    <p:set>
+                                      <p:cBhvr>
+                                        <p:cTn id="9" dur="1" fill="hold">
+                                          <p:stCondLst>
+                                            <p:cond delay="0"/>
+                                          </p:stCondLst>
+                                        </p:cTn>
+                                        <p:tgtEl>
+                                          <p:spTgt spid="3">
+                                            <p:txEl>
+                                              <p:pRg st="0" end="0"/>
+                                            </p:txEl>
+                                          </p:spTgt>
+                                        </p:tgtEl>
+                                        <p:attrNameLst>
+                                          <p:attrName>style.visibility</p:attrName>
+                                        </p:attrNameLst>
+                                      </p:cBhvr>
+                                      <p:to>
+                                        <p:strVal val="visible"/>
+                                      </p:to>
+                                    </p:set>
+                                    <p:animEffect transition="in" filter="fade">
+                                      <p:cBhvr>
+                                        <p:cTn id="10" dur="500"/>
+                                        <p:tgtEl>
+                                          <p:spTgt spid="3">
+                                            <p:txEl>
+                                              <p:pRg st="0" end="0"/>
+                                            </p:txEl>
+                                          </p:spTgt>
+                                        </p:tgtEl>
+                                      </p:cBhvr>
+                                    </p:animEffect>
+                                  </p:childTnLst>
+                                </p:cTn>
+                              </p:par>
                             </p:childTnLst>
                           </p:cTn>
                         </p:par>
@@ -9685,62 +9695,19 @@
                     </p:cTn>
                   </p:par>
                   <p:par>
-                    <p:cTn id="8" fill="hold">
+                    <p:cTn id="11" fill="hold">
                       <p:stCondLst>
                         <p:cond delay="indefinite"/>
                       </p:stCondLst>
                       <p:childTnLst>
                         <p:par>
-                          <p:cTn id="9" fill="hold">
+                          <p:cTn id="12" fill="hold">
                             <p:stCondLst>
                               <p:cond delay="0"/>
                             </p:stCondLst>
                             <p:childTnLst>
                               <p:par>
-                                <p:cTn id="10" presetID="10" presetClass="entr" presetSubtype="0" fill="hold" nodeType="clickEffect">
-                                  <p:stCondLst>
-                                    <p:cond delay="0"/>
-                                  </p:stCondLst>
-                                  <p:childTnLst>
-                                    <p:set>
-                                      <p:cBhvr>
-                                        <p:cTn id="11" dur="1" fill="hold">
-                                          <p:stCondLst>
-                                            <p:cond delay="0"/>
-                                          </p:stCondLst>
-                                        </p:cTn>
-                                        <p:tgtEl>
-                                          <p:spTgt spid="3">
-                                            <p:txEl>
-                                              <p:pRg st="0" end="0"/>
-                                            </p:txEl>
-                                          </p:spTgt>
-                                        </p:tgtEl>
-                                        <p:attrNameLst>
-                                          <p:attrName>style.visibility</p:attrName>
-                                        </p:attrNameLst>
-                                      </p:cBhvr>
-                                      <p:to>
-                                        <p:strVal val="visible"/>
-                                      </p:to>
-                                    </p:set>
-                                    <p:animEffect transition="in" filter="fade">
-                                      <p:cBhvr>
-                                        <p:cTn id="12" dur="500"/>
-                                        <p:tgtEl>
-                                          <p:spTgt spid="3">
-                                            <p:txEl>
-                                              <p:pRg st="0" end="0"/>
-                                            </p:txEl>
-                                          </p:spTgt>
-                                        </p:tgtEl>
-                                      </p:cBhvr>
-                                    </p:animEffect>
-                                  </p:childTnLst>
-                                </p:cTn>
-                              </p:par>
-                              <p:par>
-                                <p:cTn id="13" presetID="10" presetClass="entr" presetSubtype="0" fill="hold" nodeType="withEffect">
+                                <p:cTn id="13" presetID="10" presetClass="entr" presetSubtype="0" fill="hold" nodeType="clickEffect">
                                   <p:stCondLst>
                                     <p:cond delay="0"/>
                                   </p:stCondLst>
@@ -9816,7 +9783,7 @@
                                         <p:tgtEl>
                                           <p:spTgt spid="3">
                                             <p:txEl>
-                                              <p:pRg st="3" end="3"/>
+                                              <p:pRg st="4" end="4"/>
                                             </p:txEl>
                                           </p:spTgt>
                                         </p:tgtEl>
@@ -9847,7 +9814,7 @@
                                         <p:tgtEl>
                                           <p:spTgt spid="3">
                                             <p:txEl>
-                                              <p:pRg st="4" end="4"/>
+                                              <p:pRg st="5" end="5"/>
                                             </p:txEl>
                                           </p:spTgt>
                                         </p:tgtEl>
@@ -9896,7 +9863,7 @@
                                         <p:tgtEl>
                                           <p:spTgt spid="3">
                                             <p:txEl>
-                                              <p:pRg st="5" end="5"/>
+                                              <p:pRg st="6" end="6"/>
                                             </p:txEl>
                                           </p:spTgt>
                                         </p:tgtEl>
@@ -10030,7 +9997,18 @@
               <a:rPr lang="de-DE" dirty="0">
                 <a:latin typeface="Courier"/>
               </a:rPr>
-              <a:t>QT Komponenten  </a:t>
+              <a:t>QT Komponenten </a:t>
+            </a:r>
+          </a:p>
+          <a:p>
+            <a:pPr marL="0" indent="0" fontAlgn="base">
+              <a:buNone/>
+            </a:pPr>
+            <a:r>
+              <a:rPr lang="de-DE" dirty="0">
+                <a:latin typeface="Courier"/>
+              </a:rPr>
+              <a:t> </a:t>
             </a:r>
           </a:p>
           <a:p>
@@ -10176,15 +10154,33 @@
                                   </p:childTnLst>
                                 </p:cTn>
                               </p:par>
+                            </p:childTnLst>
+                          </p:cTn>
+                        </p:par>
+                      </p:childTnLst>
+                    </p:cTn>
+                  </p:par>
+                  <p:par>
+                    <p:cTn id="11" fill="hold">
+                      <p:stCondLst>
+                        <p:cond delay="indefinite"/>
+                      </p:stCondLst>
+                      <p:childTnLst>
+                        <p:par>
+                          <p:cTn id="12" fill="hold">
+                            <p:stCondLst>
+                              <p:cond delay="0"/>
+                            </p:stCondLst>
+                            <p:childTnLst>
                               <p:par>
-                                <p:cTn id="11" presetID="2" presetClass="entr" presetSubtype="4" fill="hold" nodeType="withEffect">
+                                <p:cTn id="13" presetID="2" presetClass="entr" presetSubtype="4" fill="hold" nodeType="clickEffect">
                                   <p:stCondLst>
                                     <p:cond delay="0"/>
                                   </p:stCondLst>
                                   <p:childTnLst>
                                     <p:set>
                                       <p:cBhvr>
-                                        <p:cTn id="12" dur="1" fill="hold">
+                                        <p:cTn id="14" dur="1" fill="hold">
                                           <p:stCondLst>
                                             <p:cond delay="0"/>
                                           </p:stCondLst>
@@ -10192,7 +10188,7 @@
                                         <p:tgtEl>
                                           <p:spTgt spid="3">
                                             <p:txEl>
-                                              <p:pRg st="2" end="2"/>
+                                              <p:pRg st="3" end="3"/>
                                             </p:txEl>
                                           </p:spTgt>
                                         </p:tgtEl>
@@ -10206,11 +10202,11 @@
                                     </p:set>
                                     <p:anim calcmode="lin" valueType="num">
                                       <p:cBhvr additive="base">
-                                        <p:cTn id="13" dur="500" fill="hold"/>
+                                        <p:cTn id="15" dur="500" fill="hold"/>
                                         <p:tgtEl>
                                           <p:spTgt spid="3">
                                             <p:txEl>
-                                              <p:pRg st="2" end="2"/>
+                                              <p:pRg st="3" end="3"/>
                                             </p:txEl>
                                           </p:spTgt>
                                         </p:tgtEl>
@@ -10233,11 +10229,11 @@
                                     </p:anim>
                                     <p:anim calcmode="lin" valueType="num">
                                       <p:cBhvr additive="base">
-                                        <p:cTn id="14" dur="500" fill="hold"/>
+                                        <p:cTn id="16" dur="500" fill="hold"/>
                                         <p:tgtEl>
                                           <p:spTgt spid="3">
                                             <p:txEl>
-                                              <p:pRg st="2" end="2"/>
+                                              <p:pRg st="3" end="3"/>
                                             </p:txEl>
                                           </p:spTgt>
                                         </p:tgtEl>
@@ -10262,14 +10258,14 @@
                                 </p:cTn>
                               </p:par>
                               <p:par>
-                                <p:cTn id="15" presetID="2" presetClass="entr" presetSubtype="4" fill="hold" nodeType="withEffect">
+                                <p:cTn id="17" presetID="2" presetClass="entr" presetSubtype="4" fill="hold" nodeType="withEffect">
                                   <p:stCondLst>
                                     <p:cond delay="0"/>
                                   </p:stCondLst>
                                   <p:childTnLst>
                                     <p:set>
                                       <p:cBhvr>
-                                        <p:cTn id="16" dur="1" fill="hold">
+                                        <p:cTn id="18" dur="1" fill="hold">
                                           <p:stCondLst>
                                             <p:cond delay="0"/>
                                           </p:stCondLst>
@@ -10277,7 +10273,7 @@
                                         <p:tgtEl>
                                           <p:spTgt spid="3">
                                             <p:txEl>
-                                              <p:pRg st="3" end="3"/>
+                                              <p:pRg st="4" end="4"/>
                                             </p:txEl>
                                           </p:spTgt>
                                         </p:tgtEl>
@@ -10291,11 +10287,11 @@
                                     </p:set>
                                     <p:anim calcmode="lin" valueType="num">
                                       <p:cBhvr additive="base">
-                                        <p:cTn id="17" dur="500" fill="hold"/>
+                                        <p:cTn id="19" dur="500" fill="hold"/>
                                         <p:tgtEl>
                                           <p:spTgt spid="3">
                                             <p:txEl>
-                                              <p:pRg st="3" end="3"/>
+                                              <p:pRg st="4" end="4"/>
                                             </p:txEl>
                                           </p:spTgt>
                                         </p:tgtEl>
@@ -10318,11 +10314,11 @@
                                     </p:anim>
                                     <p:anim calcmode="lin" valueType="num">
                                       <p:cBhvr additive="base">
-                                        <p:cTn id="18" dur="500" fill="hold"/>
+                                        <p:cTn id="20" dur="500" fill="hold"/>
                                         <p:tgtEl>
                                           <p:spTgt spid="3">
                                             <p:txEl>
-                                              <p:pRg st="3" end="3"/>
+                                              <p:pRg st="4" end="4"/>
                                             </p:txEl>
                                           </p:spTgt>
                                         </p:tgtEl>

--- a/Meilensteine/MS 5/Projekt.pptx
+++ b/Meilensteine/MS 5/Projekt.pptx
@@ -8109,7 +8109,7 @@
               <a:rPr lang="de-DE" sz="2400" dirty="0">
                 <a:latin typeface="Courier"/>
               </a:rPr>
-              <a:t> (Bugtracker) </a:t>
+              <a:t>(Bugtracker) </a:t>
             </a:r>
           </a:p>
           <a:p>
@@ -8124,28 +8124,19 @@
               <a:rPr lang="de-DE" sz="2400" dirty="0">
                 <a:latin typeface="Courier"/>
               </a:rPr>
-              <a:t> (</a:t>
-            </a:r>
-            <a:r>
-              <a:rPr lang="de-DE" sz="2400" dirty="0" err="1">
-                <a:latin typeface="Courier"/>
-              </a:rPr>
-              <a:t>Codokumentation</a:t>
-            </a:r>
-            <a:r>
-              <a:rPr lang="de-DE" sz="2400">
-                <a:latin typeface="Courier"/>
-              </a:rPr>
-              <a:t>)</a:t>
+              <a:t>(Codedokumentation)</a:t>
             </a:r>
           </a:p>
           <a:p>
             <a:pPr marL="0" indent="0" fontAlgn="base">
               <a:buNone/>
             </a:pPr>
-            <a:endParaRPr lang="de-DE" sz="2400" dirty="0">
-              <a:latin typeface="Courier"/>
-            </a:endParaRPr>
+            <a:r>
+              <a:rPr lang="de-DE" sz="2400" dirty="0">
+                <a:latin typeface="Courier"/>
+              </a:rPr>
+              <a:t>  </a:t>
+            </a:r>
           </a:p>
           <a:p>
             <a:pPr fontAlgn="base"/>
@@ -8153,40 +8144,19 @@
               <a:rPr lang="de-DE" sz="2400" dirty="0">
                 <a:latin typeface="Courier"/>
               </a:rPr>
-              <a:t>SVN Repository(</a:t>
+              <a:t>Visual </a:t>
             </a:r>
             <a:r>
               <a:rPr lang="de-DE" sz="2400" dirty="0" err="1">
                 <a:latin typeface="Courier"/>
               </a:rPr>
-              <a:t>TortoiseSVN</a:t>
+              <a:t>Paradigm</a:t>
             </a:r>
             <a:r>
               <a:rPr lang="de-DE" sz="2400" dirty="0">
                 <a:latin typeface="Courier"/>
               </a:rPr>
-              <a:t>)  </a:t>
-            </a:r>
-          </a:p>
-          <a:p>
-            <a:pPr fontAlgn="base"/>
-            <a:r>
-              <a:rPr lang="de-DE" sz="2400" dirty="0">
-                <a:latin typeface="Courier"/>
-              </a:rPr>
-              <a:t>Visual </a:t>
-            </a:r>
-            <a:r>
-              <a:rPr lang="de-DE" sz="2400" dirty="0" err="1">
-                <a:latin typeface="Courier"/>
-              </a:rPr>
-              <a:t>Paradigm</a:t>
-            </a:r>
-            <a:r>
-              <a:rPr lang="de-DE" sz="2400" dirty="0">
-                <a:latin typeface="Courier"/>
-              </a:rPr>
-              <a:t> (Diagramme)</a:t>
+              <a:t>(Diagramme)</a:t>
             </a:r>
           </a:p>
           <a:p>
@@ -8206,7 +8176,7 @@
               <a:rPr lang="de-DE" sz="2400" dirty="0">
                 <a:latin typeface="Courier"/>
               </a:rPr>
-              <a:t>QT Creator (IDE) </a:t>
+              <a:t>QT Creator(IDE) </a:t>
             </a:r>
           </a:p>
           <a:p>
@@ -8383,7 +8353,7 @@
                                         <p:tgtEl>
                                           <p:spTgt spid="3">
                                             <p:txEl>
-                                              <p:pRg st="3" end="3"/>
+                                              <p:pRg st="2" end="2"/>
                                             </p:txEl>
                                           </p:spTgt>
                                         </p:tgtEl>
@@ -8414,7 +8384,7 @@
                                         <p:tgtEl>
                                           <p:spTgt spid="3">
                                             <p:txEl>
-                                              <p:pRg st="4" end="4"/>
+                                              <p:pRg st="3" end="3"/>
                                             </p:txEl>
                                           </p:spTgt>
                                         </p:tgtEl>
@@ -8463,7 +8433,7 @@
                                         <p:tgtEl>
                                           <p:spTgt spid="3">
                                             <p:txEl>
-                                              <p:pRg st="6" end="6"/>
+                                              <p:pRg st="5" end="5"/>
                                             </p:txEl>
                                           </p:spTgt>
                                         </p:tgtEl>
@@ -8494,7 +8464,7 @@
                                         <p:tgtEl>
                                           <p:spTgt spid="3">
                                             <p:txEl>
-                                              <p:pRg st="7" end="7"/>
+                                              <p:pRg st="6" end="6"/>
                                             </p:txEl>
                                           </p:spTgt>
                                         </p:tgtEl>
@@ -8739,7 +8709,18 @@
               <a:rPr lang="de-DE" sz="2400" dirty="0">
                 <a:latin typeface="Courier"/>
               </a:rPr>
-              <a:t>Windows 10 Development Kit (Debugger) </a:t>
+              <a:t>Windows 10 Development Kit (Debugger)</a:t>
+            </a:r>
+          </a:p>
+          <a:p>
+            <a:pPr marL="0" indent="0" fontAlgn="base">
+              <a:buNone/>
+            </a:pPr>
+            <a:r>
+              <a:rPr lang="de-DE" sz="2400" dirty="0">
+                <a:latin typeface="Courier"/>
+              </a:rPr>
+              <a:t> </a:t>
             </a:r>
           </a:p>
           <a:p>
@@ -8757,7 +8738,18 @@
               <a:rPr lang="de-DE" sz="2400" dirty="0">
                 <a:latin typeface="Courier"/>
               </a:rPr>
-              <a:t>Linux Server (mit Plesk) </a:t>
+              <a:t>Linux Server (mit Plesk)</a:t>
+            </a:r>
+          </a:p>
+          <a:p>
+            <a:pPr marL="0" indent="0" fontAlgn="base">
+              <a:buNone/>
+            </a:pPr>
+            <a:r>
+              <a:rPr lang="de-DE" sz="2400" dirty="0">
+                <a:latin typeface="Courier"/>
+              </a:rPr>
+              <a:t> </a:t>
             </a:r>
           </a:p>
           <a:p>
@@ -8985,7 +8977,7 @@
                                         <p:tgtEl>
                                           <p:spTgt spid="3">
                                             <p:txEl>
-                                              <p:pRg st="2" end="2"/>
+                                              <p:pRg st="3" end="3"/>
                                             </p:txEl>
                                           </p:spTgt>
                                         </p:tgtEl>
@@ -9003,7 +8995,7 @@
                                         <p:tgtEl>
                                           <p:spTgt spid="3">
                                             <p:txEl>
-                                              <p:pRg st="2" end="2"/>
+                                              <p:pRg st="3" end="3"/>
                                             </p:txEl>
                                           </p:spTgt>
                                         </p:tgtEl>
@@ -9028,7 +9020,7 @@
                                         <p:tgtEl>
                                           <p:spTgt spid="3">
                                             <p:txEl>
-                                              <p:pRg st="3" end="3"/>
+                                              <p:pRg st="4" end="4"/>
                                             </p:txEl>
                                           </p:spTgt>
                                         </p:tgtEl>
@@ -9046,7 +9038,7 @@
                                         <p:tgtEl>
                                           <p:spTgt spid="3">
                                             <p:txEl>
-                                              <p:pRg st="3" end="3"/>
+                                              <p:pRg st="4" end="4"/>
                                             </p:txEl>
                                           </p:spTgt>
                                         </p:tgtEl>
@@ -9195,7 +9187,7 @@
                                         <p:tgtEl>
                                           <p:spTgt spid="3">
                                             <p:txEl>
-                                              <p:pRg st="4" end="4"/>
+                                              <p:pRg st="6" end="6"/>
                                             </p:txEl>
                                           </p:spTgt>
                                         </p:tgtEl>
@@ -9213,7 +9205,7 @@
                                         <p:tgtEl>
                                           <p:spTgt spid="3">
                                             <p:txEl>
-                                              <p:pRg st="4" end="4"/>
+                                              <p:pRg st="6" end="6"/>
                                             </p:txEl>
                                           </p:spTgt>
                                         </p:tgtEl>
@@ -9238,7 +9230,7 @@
                                         <p:tgtEl>
                                           <p:spTgt spid="3">
                                             <p:txEl>
-                                              <p:pRg st="5" end="5"/>
+                                              <p:pRg st="7" end="7"/>
                                             </p:txEl>
                                           </p:spTgt>
                                         </p:tgtEl>
@@ -9256,7 +9248,7 @@
                                         <p:tgtEl>
                                           <p:spTgt spid="3">
                                             <p:txEl>
-                                              <p:pRg st="5" end="5"/>
+                                              <p:pRg st="7" end="7"/>
                                             </p:txEl>
                                           </p:spTgt>
                                         </p:tgtEl>
